--- a/documentacion/datacenter-final.pptx
+++ b/documentacion/datacenter-final.pptx
@@ -5,46 +5,50 @@
     <p:sldMasterId id="2147483675" r:id="rId1"/>
   </p:sldMasterIdLst>
   <p:notesMasterIdLst>
-    <p:notesMasterId r:id="rId22"/>
+    <p:notesMasterId r:id="rId26"/>
   </p:notesMasterIdLst>
   <p:sldIdLst>
     <p:sldId id="256" r:id="rId2"/>
     <p:sldId id="257" r:id="rId3"/>
     <p:sldId id="259" r:id="rId4"/>
     <p:sldId id="260" r:id="rId5"/>
-    <p:sldId id="261" r:id="rId6"/>
-    <p:sldId id="262" r:id="rId7"/>
-    <p:sldId id="263" r:id="rId8"/>
-    <p:sldId id="264" r:id="rId9"/>
-    <p:sldId id="267" r:id="rId10"/>
-    <p:sldId id="272" r:id="rId11"/>
-    <p:sldId id="266" r:id="rId12"/>
-    <p:sldId id="265" r:id="rId13"/>
-    <p:sldId id="286" r:id="rId14"/>
-    <p:sldId id="288" r:id="rId15"/>
-    <p:sldId id="289" r:id="rId16"/>
-    <p:sldId id="287" r:id="rId17"/>
-    <p:sldId id="271" r:id="rId18"/>
-    <p:sldId id="279" r:id="rId19"/>
-    <p:sldId id="278" r:id="rId20"/>
-    <p:sldId id="285" r:id="rId21"/>
+    <p:sldId id="290" r:id="rId6"/>
+    <p:sldId id="291" r:id="rId7"/>
+    <p:sldId id="293" r:id="rId8"/>
+    <p:sldId id="292" r:id="rId9"/>
+    <p:sldId id="261" r:id="rId10"/>
+    <p:sldId id="262" r:id="rId11"/>
+    <p:sldId id="263" r:id="rId12"/>
+    <p:sldId id="264" r:id="rId13"/>
+    <p:sldId id="267" r:id="rId14"/>
+    <p:sldId id="272" r:id="rId15"/>
+    <p:sldId id="266" r:id="rId16"/>
+    <p:sldId id="265" r:id="rId17"/>
+    <p:sldId id="286" r:id="rId18"/>
+    <p:sldId id="288" r:id="rId19"/>
+    <p:sldId id="289" r:id="rId20"/>
+    <p:sldId id="287" r:id="rId21"/>
+    <p:sldId id="271" r:id="rId22"/>
+    <p:sldId id="279" r:id="rId23"/>
+    <p:sldId id="278" r:id="rId24"/>
+    <p:sldId id="285" r:id="rId25"/>
   </p:sldIdLst>
   <p:sldSz cx="9144000" cy="5143500" type="screen16x9"/>
   <p:notesSz cx="6858000" cy="9144000"/>
   <p:embeddedFontLst>
     <p:embeddedFont>
       <p:font typeface="Exo 2" panose="020B0604020202020204" charset="0"/>
-      <p:regular r:id="rId23"/>
-      <p:bold r:id="rId24"/>
-      <p:italic r:id="rId25"/>
-      <p:boldItalic r:id="rId26"/>
-    </p:embeddedFont>
-    <p:embeddedFont>
-      <p:font typeface="Overlock" panose="020B0604020202020204" charset="0"/>
       <p:regular r:id="rId27"/>
       <p:bold r:id="rId28"/>
       <p:italic r:id="rId29"/>
       <p:boldItalic r:id="rId30"/>
+    </p:embeddedFont>
+    <p:embeddedFont>
+      <p:font typeface="Overlock" panose="020B0604020202020204" charset="0"/>
+      <p:regular r:id="rId31"/>
+      <p:bold r:id="rId32"/>
+      <p:italic r:id="rId33"/>
+      <p:boldItalic r:id="rId34"/>
     </p:embeddedFont>
   </p:embeddedFontLst>
   <p:defaultTextStyle>
@@ -276,12 +280,17 @@
       </a:defRPr>
     </a:lvl9pPr>
   </p:defaultTextStyle>
+  <p:extLst>
+    <p:ext uri="{EFAFB233-063F-42B5-8137-9DF3F51BA10A}">
+      <p15:sldGuideLst xmlns:p15="http://schemas.microsoft.com/office/powerpoint/2012/main"/>
+    </p:ext>
+  </p:extLst>
 </p:presentation>
 </file>
 
 <file path=ppt/commentAuthors.xml><?xml version="1.0" encoding="utf-8"?>
 <p:cmAuthorLst xmlns:a="http://schemas.openxmlformats.org/drawingml/2006/main" xmlns:r="http://schemas.openxmlformats.org/officeDocument/2006/relationships" xmlns:p="http://schemas.openxmlformats.org/presentationml/2006/main">
-  <p:cmAuthor id="1" name="Juan Manuel Pasquali" initials="JP" lastIdx="1" clrIdx="0">
+  <p:cmAuthor id="1" name="Juan Manuel Pasquali" initials="JP" lastIdx="2" clrIdx="0">
     <p:extLst>
       <p:ext uri="{19B8F6BF-5375-455C-9EA6-DF929625EA0E}">
         <p15:presenceInfo xmlns:p15="http://schemas.microsoft.com/office/powerpoint/2012/main" userId="df1c45e19dc63b42" providerId="Windows Live"/>
@@ -841,6 +850,422 @@
   <p:cSld>
     <p:spTree>
       <p:nvGrpSpPr>
+        <p:cNvPr id="1" name="Shape 208"/>
+        <p:cNvGrpSpPr/>
+        <p:nvPr/>
+      </p:nvGrpSpPr>
+      <p:grpSpPr>
+        <a:xfrm>
+          <a:off x="0" y="0"/>
+          <a:ext cx="0" cy="0"/>
+          <a:chOff x="0" y="0"/>
+          <a:chExt cx="0" cy="0"/>
+        </a:xfrm>
+      </p:grpSpPr>
+      <p:sp>
+        <p:nvSpPr>
+          <p:cNvPr id="209" name="Google Shape;209;g3a478db6c95_0_68:notes"/>
+          <p:cNvSpPr>
+            <a:spLocks noGrp="1" noRot="1" noChangeAspect="1"/>
+          </p:cNvSpPr>
+          <p:nvPr>
+            <p:ph type="sldImg" idx="2"/>
+          </p:nvPr>
+        </p:nvSpPr>
+        <p:spPr>
+          <a:xfrm>
+            <a:off x="381000" y="685800"/>
+            <a:ext cx="6096000" cy="3429000"/>
+          </a:xfrm>
+          <a:custGeom>
+            <a:avLst/>
+            <a:gdLst/>
+            <a:ahLst/>
+            <a:cxnLst/>
+            <a:rect l="l" t="t" r="r" b="b"/>
+            <a:pathLst>
+              <a:path w="120000" h="120000" extrusionOk="0">
+                <a:moveTo>
+                  <a:pt x="0" y="0"/>
+                </a:moveTo>
+                <a:lnTo>
+                  <a:pt x="120000" y="0"/>
+                </a:lnTo>
+                <a:lnTo>
+                  <a:pt x="120000" y="120000"/>
+                </a:lnTo>
+                <a:lnTo>
+                  <a:pt x="0" y="120000"/>
+                </a:lnTo>
+                <a:close/>
+              </a:path>
+            </a:pathLst>
+          </a:custGeom>
+        </p:spPr>
+      </p:sp>
+      <p:sp>
+        <p:nvSpPr>
+          <p:cNvPr id="210" name="Google Shape;210;g3a478db6c95_0_68:notes"/>
+          <p:cNvSpPr txBox="1">
+            <a:spLocks noGrp="1"/>
+          </p:cNvSpPr>
+          <p:nvPr>
+            <p:ph type="body" idx="1"/>
+          </p:nvPr>
+        </p:nvSpPr>
+        <p:spPr>
+          <a:xfrm>
+            <a:off x="685800" y="4343400"/>
+            <a:ext cx="5486400" cy="4114800"/>
+          </a:xfrm>
+          <a:prstGeom prst="rect">
+            <a:avLst/>
+          </a:prstGeom>
+        </p:spPr>
+        <p:txBody>
+          <a:bodyPr spcFirstLastPara="1" wrap="square" lIns="91425" tIns="91425" rIns="91425" bIns="91425" anchor="t" anchorCtr="0">
+            <a:noAutofit/>
+          </a:bodyPr>
+          <a:lstStyle/>
+          <a:p>
+            <a:pPr marL="0" lvl="0" indent="0" algn="l" rtl="0">
+              <a:spcBef>
+                <a:spcPts val="0"/>
+              </a:spcBef>
+              <a:spcAft>
+                <a:spcPts val="0"/>
+              </a:spcAft>
+              <a:buNone/>
+            </a:pPr>
+            <a:endParaRPr/>
+          </a:p>
+        </p:txBody>
+      </p:sp>
+    </p:spTree>
+  </p:cSld>
+  <p:clrMapOvr>
+    <a:masterClrMapping/>
+  </p:clrMapOvr>
+</p:notes>
+</file>
+
+<file path=ppt/notesSlides/notesSlide11.xml><?xml version="1.0" encoding="utf-8"?>
+<p:notes xmlns:a="http://schemas.openxmlformats.org/drawingml/2006/main" xmlns:r="http://schemas.openxmlformats.org/officeDocument/2006/relationships" xmlns:p="http://schemas.openxmlformats.org/presentationml/2006/main" showMasterSp="0" showMasterPhAnim="0">
+  <p:cSld>
+    <p:spTree>
+      <p:nvGrpSpPr>
+        <p:cNvPr id="1" name="Shape 230"/>
+        <p:cNvGrpSpPr/>
+        <p:nvPr/>
+      </p:nvGrpSpPr>
+      <p:grpSpPr>
+        <a:xfrm>
+          <a:off x="0" y="0"/>
+          <a:ext cx="0" cy="0"/>
+          <a:chOff x="0" y="0"/>
+          <a:chExt cx="0" cy="0"/>
+        </a:xfrm>
+      </p:grpSpPr>
+      <p:sp>
+        <p:nvSpPr>
+          <p:cNvPr id="231" name="Google Shape;231;g3a478db6c95_0_61:notes"/>
+          <p:cNvSpPr>
+            <a:spLocks noGrp="1" noRot="1" noChangeAspect="1"/>
+          </p:cNvSpPr>
+          <p:nvPr>
+            <p:ph type="sldImg" idx="2"/>
+          </p:nvPr>
+        </p:nvSpPr>
+        <p:spPr>
+          <a:xfrm>
+            <a:off x="381000" y="685800"/>
+            <a:ext cx="6096000" cy="3429000"/>
+          </a:xfrm>
+          <a:custGeom>
+            <a:avLst/>
+            <a:gdLst/>
+            <a:ahLst/>
+            <a:cxnLst/>
+            <a:rect l="l" t="t" r="r" b="b"/>
+            <a:pathLst>
+              <a:path w="120000" h="120000" extrusionOk="0">
+                <a:moveTo>
+                  <a:pt x="0" y="0"/>
+                </a:moveTo>
+                <a:lnTo>
+                  <a:pt x="120000" y="0"/>
+                </a:lnTo>
+                <a:lnTo>
+                  <a:pt x="120000" y="120000"/>
+                </a:lnTo>
+                <a:lnTo>
+                  <a:pt x="0" y="120000"/>
+                </a:lnTo>
+                <a:close/>
+              </a:path>
+            </a:pathLst>
+          </a:custGeom>
+        </p:spPr>
+      </p:sp>
+      <p:sp>
+        <p:nvSpPr>
+          <p:cNvPr id="232" name="Google Shape;232;g3a478db6c95_0_61:notes"/>
+          <p:cNvSpPr txBox="1">
+            <a:spLocks noGrp="1"/>
+          </p:cNvSpPr>
+          <p:nvPr>
+            <p:ph type="body" idx="1"/>
+          </p:nvPr>
+        </p:nvSpPr>
+        <p:spPr>
+          <a:xfrm>
+            <a:off x="685800" y="4343400"/>
+            <a:ext cx="5486400" cy="4114800"/>
+          </a:xfrm>
+          <a:prstGeom prst="rect">
+            <a:avLst/>
+          </a:prstGeom>
+        </p:spPr>
+        <p:txBody>
+          <a:bodyPr spcFirstLastPara="1" wrap="square" lIns="91425" tIns="91425" rIns="91425" bIns="91425" anchor="t" anchorCtr="0">
+            <a:noAutofit/>
+          </a:bodyPr>
+          <a:lstStyle/>
+          <a:p>
+            <a:pPr marL="0" lvl="0" indent="0" algn="l" rtl="0">
+              <a:spcBef>
+                <a:spcPts val="0"/>
+              </a:spcBef>
+              <a:spcAft>
+                <a:spcPts val="0"/>
+              </a:spcAft>
+              <a:buNone/>
+            </a:pPr>
+            <a:endParaRPr/>
+          </a:p>
+        </p:txBody>
+      </p:sp>
+    </p:spTree>
+  </p:cSld>
+  <p:clrMapOvr>
+    <a:masterClrMapping/>
+  </p:clrMapOvr>
+</p:notes>
+</file>
+
+<file path=ppt/notesSlides/notesSlide12.xml><?xml version="1.0" encoding="utf-8"?>
+<p:notes xmlns:a="http://schemas.openxmlformats.org/drawingml/2006/main" xmlns:r="http://schemas.openxmlformats.org/officeDocument/2006/relationships" xmlns:p="http://schemas.openxmlformats.org/presentationml/2006/main" showMasterSp="0" showMasterPhAnim="0">
+  <p:cSld>
+    <p:spTree>
+      <p:nvGrpSpPr>
+        <p:cNvPr id="1" name="Shape 238"/>
+        <p:cNvGrpSpPr/>
+        <p:nvPr/>
+      </p:nvGrpSpPr>
+      <p:grpSpPr>
+        <a:xfrm>
+          <a:off x="0" y="0"/>
+          <a:ext cx="0" cy="0"/>
+          <a:chOff x="0" y="0"/>
+          <a:chExt cx="0" cy="0"/>
+        </a:xfrm>
+      </p:grpSpPr>
+      <p:sp>
+        <p:nvSpPr>
+          <p:cNvPr id="239" name="Google Shape;239;g8c7cef7ef6_0_240:notes"/>
+          <p:cNvSpPr>
+            <a:spLocks noGrp="1" noRot="1" noChangeAspect="1"/>
+          </p:cNvSpPr>
+          <p:nvPr>
+            <p:ph type="sldImg" idx="2"/>
+          </p:nvPr>
+        </p:nvSpPr>
+        <p:spPr>
+          <a:xfrm>
+            <a:off x="381000" y="685800"/>
+            <a:ext cx="6096000" cy="3429000"/>
+          </a:xfrm>
+          <a:custGeom>
+            <a:avLst/>
+            <a:gdLst/>
+            <a:ahLst/>
+            <a:cxnLst/>
+            <a:rect l="l" t="t" r="r" b="b"/>
+            <a:pathLst>
+              <a:path w="120000" h="120000" extrusionOk="0">
+                <a:moveTo>
+                  <a:pt x="0" y="0"/>
+                </a:moveTo>
+                <a:lnTo>
+                  <a:pt x="120000" y="0"/>
+                </a:lnTo>
+                <a:lnTo>
+                  <a:pt x="120000" y="120000"/>
+                </a:lnTo>
+                <a:lnTo>
+                  <a:pt x="0" y="120000"/>
+                </a:lnTo>
+                <a:close/>
+              </a:path>
+            </a:pathLst>
+          </a:custGeom>
+        </p:spPr>
+      </p:sp>
+      <p:sp>
+        <p:nvSpPr>
+          <p:cNvPr id="240" name="Google Shape;240;g8c7cef7ef6_0_240:notes"/>
+          <p:cNvSpPr txBox="1">
+            <a:spLocks noGrp="1"/>
+          </p:cNvSpPr>
+          <p:nvPr>
+            <p:ph type="body" idx="1"/>
+          </p:nvPr>
+        </p:nvSpPr>
+        <p:spPr>
+          <a:xfrm>
+            <a:off x="685800" y="4343400"/>
+            <a:ext cx="5486400" cy="4114800"/>
+          </a:xfrm>
+          <a:prstGeom prst="rect">
+            <a:avLst/>
+          </a:prstGeom>
+        </p:spPr>
+        <p:txBody>
+          <a:bodyPr spcFirstLastPara="1" wrap="square" lIns="91425" tIns="91425" rIns="91425" bIns="91425" anchor="t" anchorCtr="0">
+            <a:noAutofit/>
+          </a:bodyPr>
+          <a:lstStyle/>
+          <a:p>
+            <a:pPr marL="0" lvl="0" indent="0" algn="l" rtl="0">
+              <a:spcBef>
+                <a:spcPts val="0"/>
+              </a:spcBef>
+              <a:spcAft>
+                <a:spcPts val="0"/>
+              </a:spcAft>
+              <a:buNone/>
+            </a:pPr>
+            <a:endParaRPr/>
+          </a:p>
+        </p:txBody>
+      </p:sp>
+    </p:spTree>
+  </p:cSld>
+  <p:clrMapOvr>
+    <a:masterClrMapping/>
+  </p:clrMapOvr>
+</p:notes>
+</file>
+
+<file path=ppt/notesSlides/notesSlide13.xml><?xml version="1.0" encoding="utf-8"?>
+<p:notes xmlns:a="http://schemas.openxmlformats.org/drawingml/2006/main" xmlns:r="http://schemas.openxmlformats.org/officeDocument/2006/relationships" xmlns:p="http://schemas.openxmlformats.org/presentationml/2006/main" showMasterSp="0" showMasterPhAnim="0">
+  <p:cSld>
+    <p:spTree>
+      <p:nvGrpSpPr>
+        <p:cNvPr id="1" name="Shape 258"/>
+        <p:cNvGrpSpPr/>
+        <p:nvPr/>
+      </p:nvGrpSpPr>
+      <p:grpSpPr>
+        <a:xfrm>
+          <a:off x="0" y="0"/>
+          <a:ext cx="0" cy="0"/>
+          <a:chOff x="0" y="0"/>
+          <a:chExt cx="0" cy="0"/>
+        </a:xfrm>
+      </p:grpSpPr>
+      <p:sp>
+        <p:nvSpPr>
+          <p:cNvPr id="259" name="Google Shape;259;g3a478db6c95_0_134:notes"/>
+          <p:cNvSpPr>
+            <a:spLocks noGrp="1" noRot="1" noChangeAspect="1"/>
+          </p:cNvSpPr>
+          <p:nvPr>
+            <p:ph type="sldImg" idx="2"/>
+          </p:nvPr>
+        </p:nvSpPr>
+        <p:spPr>
+          <a:xfrm>
+            <a:off x="381000" y="685800"/>
+            <a:ext cx="6096000" cy="3429000"/>
+          </a:xfrm>
+          <a:custGeom>
+            <a:avLst/>
+            <a:gdLst/>
+            <a:ahLst/>
+            <a:cxnLst/>
+            <a:rect l="l" t="t" r="r" b="b"/>
+            <a:pathLst>
+              <a:path w="120000" h="120000" extrusionOk="0">
+                <a:moveTo>
+                  <a:pt x="0" y="0"/>
+                </a:moveTo>
+                <a:lnTo>
+                  <a:pt x="120000" y="0"/>
+                </a:lnTo>
+                <a:lnTo>
+                  <a:pt x="120000" y="120000"/>
+                </a:lnTo>
+                <a:lnTo>
+                  <a:pt x="0" y="120000"/>
+                </a:lnTo>
+                <a:close/>
+              </a:path>
+            </a:pathLst>
+          </a:custGeom>
+        </p:spPr>
+      </p:sp>
+      <p:sp>
+        <p:nvSpPr>
+          <p:cNvPr id="260" name="Google Shape;260;g3a478db6c95_0_134:notes"/>
+          <p:cNvSpPr txBox="1">
+            <a:spLocks noGrp="1"/>
+          </p:cNvSpPr>
+          <p:nvPr>
+            <p:ph type="body" idx="1"/>
+          </p:nvPr>
+        </p:nvSpPr>
+        <p:spPr>
+          <a:xfrm>
+            <a:off x="685800" y="4343400"/>
+            <a:ext cx="5486400" cy="4114800"/>
+          </a:xfrm>
+          <a:prstGeom prst="rect">
+            <a:avLst/>
+          </a:prstGeom>
+        </p:spPr>
+        <p:txBody>
+          <a:bodyPr spcFirstLastPara="1" wrap="square" lIns="91425" tIns="91425" rIns="91425" bIns="91425" anchor="t" anchorCtr="0">
+            <a:noAutofit/>
+          </a:bodyPr>
+          <a:lstStyle/>
+          <a:p>
+            <a:pPr marL="0" lvl="0" indent="0" algn="l" rtl="0">
+              <a:spcBef>
+                <a:spcPts val="0"/>
+              </a:spcBef>
+              <a:spcAft>
+                <a:spcPts val="0"/>
+              </a:spcAft>
+              <a:buNone/>
+            </a:pPr>
+            <a:endParaRPr/>
+          </a:p>
+        </p:txBody>
+      </p:sp>
+    </p:spTree>
+  </p:cSld>
+  <p:clrMapOvr>
+    <a:masterClrMapping/>
+  </p:clrMapOvr>
+</p:notes>
+</file>
+
+<file path=ppt/notesSlides/notesSlide14.xml><?xml version="1.0" encoding="utf-8"?>
+<p:notes xmlns:a="http://schemas.openxmlformats.org/drawingml/2006/main" xmlns:r="http://schemas.openxmlformats.org/officeDocument/2006/relationships" xmlns:p="http://schemas.openxmlformats.org/presentationml/2006/main" showMasterSp="0" showMasterPhAnim="0">
+  <p:cSld>
+    <p:spTree>
+      <p:nvGrpSpPr>
         <p:cNvPr id="1" name="Shape 300"/>
         <p:cNvGrpSpPr/>
         <p:nvPr/>
@@ -940,7 +1365,7 @@
 </p:notes>
 </file>
 
-<file path=ppt/notesSlides/notesSlide11.xml><?xml version="1.0" encoding="utf-8"?>
+<file path=ppt/notesSlides/notesSlide15.xml><?xml version="1.0" encoding="utf-8"?>
 <p:notes xmlns:a="http://schemas.openxmlformats.org/drawingml/2006/main" xmlns:r="http://schemas.openxmlformats.org/officeDocument/2006/relationships" xmlns:p="http://schemas.openxmlformats.org/presentationml/2006/main" showMasterSp="0" showMasterPhAnim="0">
   <p:cSld>
     <p:spTree>
@@ -1044,7 +1469,7 @@
 </p:notes>
 </file>
 
-<file path=ppt/notesSlides/notesSlide12.xml><?xml version="1.0" encoding="utf-8"?>
+<file path=ppt/notesSlides/notesSlide16.xml><?xml version="1.0" encoding="utf-8"?>
 <p:notes xmlns:a="http://schemas.openxmlformats.org/drawingml/2006/main" xmlns:r="http://schemas.openxmlformats.org/officeDocument/2006/relationships" xmlns:p="http://schemas.openxmlformats.org/presentationml/2006/main" showMasterSp="0" showMasterPhAnim="0">
   <p:cSld>
     <p:spTree>
@@ -1148,7 +1573,7 @@
 </p:notes>
 </file>
 
-<file path=ppt/notesSlides/notesSlide13.xml><?xml version="1.0" encoding="utf-8"?>
+<file path=ppt/notesSlides/notesSlide17.xml><?xml version="1.0" encoding="utf-8"?>
 <p:notes xmlns:a="http://schemas.openxmlformats.org/drawingml/2006/main" xmlns:r="http://schemas.openxmlformats.org/officeDocument/2006/relationships" xmlns:p="http://schemas.openxmlformats.org/presentationml/2006/main" showMasterSp="0" showMasterPhAnim="0">
   <p:cSld>
     <p:spTree>
@@ -1275,7 +1700,7 @@
 </p:notes>
 </file>
 
-<file path=ppt/notesSlides/notesSlide14.xml><?xml version="1.0" encoding="utf-8"?>
+<file path=ppt/notesSlides/notesSlide18.xml><?xml version="1.0" encoding="utf-8"?>
 <p:notes xmlns:a="http://schemas.openxmlformats.org/drawingml/2006/main" xmlns:r="http://schemas.openxmlformats.org/officeDocument/2006/relationships" xmlns:p="http://schemas.openxmlformats.org/presentationml/2006/main" showMasterSp="0" showMasterPhAnim="0">
   <p:cSld>
     <p:spTree>
@@ -1402,7 +1827,7 @@
 </p:notes>
 </file>
 
-<file path=ppt/notesSlides/notesSlide15.xml><?xml version="1.0" encoding="utf-8"?>
+<file path=ppt/notesSlides/notesSlide19.xml><?xml version="1.0" encoding="utf-8"?>
 <p:notes xmlns:a="http://schemas.openxmlformats.org/drawingml/2006/main" xmlns:r="http://schemas.openxmlformats.org/officeDocument/2006/relationships" xmlns:p="http://schemas.openxmlformats.org/presentationml/2006/main" showMasterSp="0" showMasterPhAnim="0">
   <p:cSld>
     <p:spTree>
@@ -1529,7 +1954,111 @@
 </p:notes>
 </file>
 
-<file path=ppt/notesSlides/notesSlide16.xml><?xml version="1.0" encoding="utf-8"?>
+<file path=ppt/notesSlides/notesSlide2.xml><?xml version="1.0" encoding="utf-8"?>
+<p:notes xmlns:a="http://schemas.openxmlformats.org/drawingml/2006/main" xmlns:r="http://schemas.openxmlformats.org/officeDocument/2006/relationships" xmlns:p="http://schemas.openxmlformats.org/presentationml/2006/main" showMasterSp="0" showMasterPhAnim="0">
+  <p:cSld>
+    <p:spTree>
+      <p:nvGrpSpPr>
+        <p:cNvPr id="1" name="Shape 137"/>
+        <p:cNvGrpSpPr/>
+        <p:nvPr/>
+      </p:nvGrpSpPr>
+      <p:grpSpPr>
+        <a:xfrm>
+          <a:off x="0" y="0"/>
+          <a:ext cx="0" cy="0"/>
+          <a:chOff x="0" y="0"/>
+          <a:chExt cx="0" cy="0"/>
+        </a:xfrm>
+      </p:grpSpPr>
+      <p:sp>
+        <p:nvSpPr>
+          <p:cNvPr id="138" name="Google Shape;138;g3a478db6c95_0_3:notes"/>
+          <p:cNvSpPr>
+            <a:spLocks noGrp="1" noRot="1" noChangeAspect="1"/>
+          </p:cNvSpPr>
+          <p:nvPr>
+            <p:ph type="sldImg" idx="2"/>
+          </p:nvPr>
+        </p:nvSpPr>
+        <p:spPr>
+          <a:xfrm>
+            <a:off x="381000" y="685800"/>
+            <a:ext cx="6096000" cy="3429000"/>
+          </a:xfrm>
+          <a:custGeom>
+            <a:avLst/>
+            <a:gdLst/>
+            <a:ahLst/>
+            <a:cxnLst/>
+            <a:rect l="l" t="t" r="r" b="b"/>
+            <a:pathLst>
+              <a:path w="120000" h="120000" extrusionOk="0">
+                <a:moveTo>
+                  <a:pt x="0" y="0"/>
+                </a:moveTo>
+                <a:lnTo>
+                  <a:pt x="120000" y="0"/>
+                </a:lnTo>
+                <a:lnTo>
+                  <a:pt x="120000" y="120000"/>
+                </a:lnTo>
+                <a:lnTo>
+                  <a:pt x="0" y="120000"/>
+                </a:lnTo>
+                <a:close/>
+              </a:path>
+            </a:pathLst>
+          </a:custGeom>
+        </p:spPr>
+      </p:sp>
+      <p:sp>
+        <p:nvSpPr>
+          <p:cNvPr id="139" name="Google Shape;139;g3a478db6c95_0_3:notes"/>
+          <p:cNvSpPr txBox="1">
+            <a:spLocks noGrp="1"/>
+          </p:cNvSpPr>
+          <p:nvPr>
+            <p:ph type="body" idx="1"/>
+          </p:nvPr>
+        </p:nvSpPr>
+        <p:spPr>
+          <a:xfrm>
+            <a:off x="685800" y="4343400"/>
+            <a:ext cx="5486400" cy="4114800"/>
+          </a:xfrm>
+          <a:prstGeom prst="rect">
+            <a:avLst/>
+          </a:prstGeom>
+        </p:spPr>
+        <p:txBody>
+          <a:bodyPr spcFirstLastPara="1" wrap="square" lIns="91425" tIns="91425" rIns="91425" bIns="91425" anchor="t" anchorCtr="0">
+            <a:noAutofit/>
+          </a:bodyPr>
+          <a:lstStyle/>
+          <a:p>
+            <a:pPr marL="0" lvl="0" indent="0" algn="l" rtl="0">
+              <a:spcBef>
+                <a:spcPts val="0"/>
+              </a:spcBef>
+              <a:spcAft>
+                <a:spcPts val="0"/>
+              </a:spcAft>
+              <a:buNone/>
+            </a:pPr>
+            <a:endParaRPr/>
+          </a:p>
+        </p:txBody>
+      </p:sp>
+    </p:spTree>
+  </p:cSld>
+  <p:clrMapOvr>
+    <a:masterClrMapping/>
+  </p:clrMapOvr>
+</p:notes>
+</file>
+
+<file path=ppt/notesSlides/notesSlide20.xml><?xml version="1.0" encoding="utf-8"?>
 <p:notes xmlns:a="http://schemas.openxmlformats.org/drawingml/2006/main" xmlns:r="http://schemas.openxmlformats.org/officeDocument/2006/relationships" xmlns:p="http://schemas.openxmlformats.org/presentationml/2006/main" showMasterSp="0" showMasterPhAnim="0">
   <p:cSld>
     <p:spTree>
@@ -1656,7 +2185,7 @@
 </p:notes>
 </file>
 
-<file path=ppt/notesSlides/notesSlide17.xml><?xml version="1.0" encoding="utf-8"?>
+<file path=ppt/notesSlides/notesSlide21.xml><?xml version="1.0" encoding="utf-8"?>
 <p:notes xmlns:a="http://schemas.openxmlformats.org/drawingml/2006/main" xmlns:r="http://schemas.openxmlformats.org/officeDocument/2006/relationships" xmlns:p="http://schemas.openxmlformats.org/presentationml/2006/main" showMasterSp="0" showMasterPhAnim="0">
   <p:cSld>
     <p:spTree>
@@ -1760,7 +2289,7 @@
 </p:notes>
 </file>
 
-<file path=ppt/notesSlides/notesSlide18.xml><?xml version="1.0" encoding="utf-8"?>
+<file path=ppt/notesSlides/notesSlide22.xml><?xml version="1.0" encoding="utf-8"?>
 <p:notes xmlns:a="http://schemas.openxmlformats.org/drawingml/2006/main" xmlns:r="http://schemas.openxmlformats.org/officeDocument/2006/relationships" xmlns:p="http://schemas.openxmlformats.org/presentationml/2006/main" showMasterSp="0" showMasterPhAnim="0">
   <p:cSld>
     <p:spTree>
@@ -1864,7 +2393,7 @@
 </p:notes>
 </file>
 
-<file path=ppt/notesSlides/notesSlide19.xml><?xml version="1.0" encoding="utf-8"?>
+<file path=ppt/notesSlides/notesSlide23.xml><?xml version="1.0" encoding="utf-8"?>
 <p:notes xmlns:a="http://schemas.openxmlformats.org/drawingml/2006/main" xmlns:r="http://schemas.openxmlformats.org/officeDocument/2006/relationships" xmlns:p="http://schemas.openxmlformats.org/presentationml/2006/main" showMasterSp="0" showMasterPhAnim="0">
   <p:cSld>
     <p:spTree>
@@ -1968,111 +2497,7 @@
 </p:notes>
 </file>
 
-<file path=ppt/notesSlides/notesSlide2.xml><?xml version="1.0" encoding="utf-8"?>
-<p:notes xmlns:a="http://schemas.openxmlformats.org/drawingml/2006/main" xmlns:r="http://schemas.openxmlformats.org/officeDocument/2006/relationships" xmlns:p="http://schemas.openxmlformats.org/presentationml/2006/main" showMasterSp="0" showMasterPhAnim="0">
-  <p:cSld>
-    <p:spTree>
-      <p:nvGrpSpPr>
-        <p:cNvPr id="1" name="Shape 137"/>
-        <p:cNvGrpSpPr/>
-        <p:nvPr/>
-      </p:nvGrpSpPr>
-      <p:grpSpPr>
-        <a:xfrm>
-          <a:off x="0" y="0"/>
-          <a:ext cx="0" cy="0"/>
-          <a:chOff x="0" y="0"/>
-          <a:chExt cx="0" cy="0"/>
-        </a:xfrm>
-      </p:grpSpPr>
-      <p:sp>
-        <p:nvSpPr>
-          <p:cNvPr id="138" name="Google Shape;138;g3a478db6c95_0_3:notes"/>
-          <p:cNvSpPr>
-            <a:spLocks noGrp="1" noRot="1" noChangeAspect="1"/>
-          </p:cNvSpPr>
-          <p:nvPr>
-            <p:ph type="sldImg" idx="2"/>
-          </p:nvPr>
-        </p:nvSpPr>
-        <p:spPr>
-          <a:xfrm>
-            <a:off x="381000" y="685800"/>
-            <a:ext cx="6096000" cy="3429000"/>
-          </a:xfrm>
-          <a:custGeom>
-            <a:avLst/>
-            <a:gdLst/>
-            <a:ahLst/>
-            <a:cxnLst/>
-            <a:rect l="l" t="t" r="r" b="b"/>
-            <a:pathLst>
-              <a:path w="120000" h="120000" extrusionOk="0">
-                <a:moveTo>
-                  <a:pt x="0" y="0"/>
-                </a:moveTo>
-                <a:lnTo>
-                  <a:pt x="120000" y="0"/>
-                </a:lnTo>
-                <a:lnTo>
-                  <a:pt x="120000" y="120000"/>
-                </a:lnTo>
-                <a:lnTo>
-                  <a:pt x="0" y="120000"/>
-                </a:lnTo>
-                <a:close/>
-              </a:path>
-            </a:pathLst>
-          </a:custGeom>
-        </p:spPr>
-      </p:sp>
-      <p:sp>
-        <p:nvSpPr>
-          <p:cNvPr id="139" name="Google Shape;139;g3a478db6c95_0_3:notes"/>
-          <p:cNvSpPr txBox="1">
-            <a:spLocks noGrp="1"/>
-          </p:cNvSpPr>
-          <p:nvPr>
-            <p:ph type="body" idx="1"/>
-          </p:nvPr>
-        </p:nvSpPr>
-        <p:spPr>
-          <a:xfrm>
-            <a:off x="685800" y="4343400"/>
-            <a:ext cx="5486400" cy="4114800"/>
-          </a:xfrm>
-          <a:prstGeom prst="rect">
-            <a:avLst/>
-          </a:prstGeom>
-        </p:spPr>
-        <p:txBody>
-          <a:bodyPr spcFirstLastPara="1" wrap="square" lIns="91425" tIns="91425" rIns="91425" bIns="91425" anchor="t" anchorCtr="0">
-            <a:noAutofit/>
-          </a:bodyPr>
-          <a:lstStyle/>
-          <a:p>
-            <a:pPr marL="0" lvl="0" indent="0" algn="l" rtl="0">
-              <a:spcBef>
-                <a:spcPts val="0"/>
-              </a:spcBef>
-              <a:spcAft>
-                <a:spcPts val="0"/>
-              </a:spcAft>
-              <a:buNone/>
-            </a:pPr>
-            <a:endParaRPr/>
-          </a:p>
-        </p:txBody>
-      </p:sp>
-    </p:spTree>
-  </p:cSld>
-  <p:clrMapOvr>
-    <a:masterClrMapping/>
-  </p:clrMapOvr>
-</p:notes>
-</file>
-
-<file path=ppt/notesSlides/notesSlide20.xml><?xml version="1.0" encoding="utf-8"?>
+<file path=ppt/notesSlides/notesSlide24.xml><?xml version="1.0" encoding="utf-8"?>
 <p:notes xmlns:a="http://schemas.openxmlformats.org/drawingml/2006/main" xmlns:r="http://schemas.openxmlformats.org/officeDocument/2006/relationships" xmlns:p="http://schemas.openxmlformats.org/presentationml/2006/main" showMasterSp="0" showMasterPhAnim="0">
   <p:cSld>
     <p:spTree>
@@ -2389,6 +2814,514 @@
   <p:cSld>
     <p:spTree>
       <p:nvGrpSpPr>
+        <p:cNvPr id="1" name="Shape 193">
+          <a:extLst>
+            <a:ext uri="{FF2B5EF4-FFF2-40B4-BE49-F238E27FC236}">
+              <a16:creationId xmlns:a16="http://schemas.microsoft.com/office/drawing/2014/main" id="{BA279C63-E01E-AEE0-7820-B9B927B3F45E}"/>
+            </a:ext>
+          </a:extLst>
+        </p:cNvPr>
+        <p:cNvGrpSpPr/>
+        <p:nvPr/>
+      </p:nvGrpSpPr>
+      <p:grpSpPr>
+        <a:xfrm>
+          <a:off x="0" y="0"/>
+          <a:ext cx="0" cy="0"/>
+          <a:chOff x="0" y="0"/>
+          <a:chExt cx="0" cy="0"/>
+        </a:xfrm>
+      </p:grpSpPr>
+      <p:sp>
+        <p:nvSpPr>
+          <p:cNvPr id="194" name="Google Shape;194;g8c357ad677_0_372:notes">
+            <a:extLst>
+              <a:ext uri="{FF2B5EF4-FFF2-40B4-BE49-F238E27FC236}">
+                <a16:creationId xmlns:a16="http://schemas.microsoft.com/office/drawing/2014/main" id="{C9BDE32C-5798-8896-FB90-4D166D7E278B}"/>
+              </a:ext>
+            </a:extLst>
+          </p:cNvPr>
+          <p:cNvSpPr>
+            <a:spLocks noGrp="1" noRot="1" noChangeAspect="1"/>
+          </p:cNvSpPr>
+          <p:nvPr>
+            <p:ph type="sldImg" idx="2"/>
+          </p:nvPr>
+        </p:nvSpPr>
+        <p:spPr>
+          <a:xfrm>
+            <a:off x="381000" y="685800"/>
+            <a:ext cx="6096000" cy="3429000"/>
+          </a:xfrm>
+          <a:custGeom>
+            <a:avLst/>
+            <a:gdLst/>
+            <a:ahLst/>
+            <a:cxnLst/>
+            <a:rect l="l" t="t" r="r" b="b"/>
+            <a:pathLst>
+              <a:path w="120000" h="120000" extrusionOk="0">
+                <a:moveTo>
+                  <a:pt x="0" y="0"/>
+                </a:moveTo>
+                <a:lnTo>
+                  <a:pt x="120000" y="0"/>
+                </a:lnTo>
+                <a:lnTo>
+                  <a:pt x="120000" y="120000"/>
+                </a:lnTo>
+                <a:lnTo>
+                  <a:pt x="0" y="120000"/>
+                </a:lnTo>
+                <a:close/>
+              </a:path>
+            </a:pathLst>
+          </a:custGeom>
+        </p:spPr>
+      </p:sp>
+      <p:sp>
+        <p:nvSpPr>
+          <p:cNvPr id="195" name="Google Shape;195;g8c357ad677_0_372:notes">
+            <a:extLst>
+              <a:ext uri="{FF2B5EF4-FFF2-40B4-BE49-F238E27FC236}">
+                <a16:creationId xmlns:a16="http://schemas.microsoft.com/office/drawing/2014/main" id="{062477C3-3E86-7C31-EB3C-1C2A81CB0EC8}"/>
+              </a:ext>
+            </a:extLst>
+          </p:cNvPr>
+          <p:cNvSpPr txBox="1">
+            <a:spLocks noGrp="1"/>
+          </p:cNvSpPr>
+          <p:nvPr>
+            <p:ph type="body" idx="1"/>
+          </p:nvPr>
+        </p:nvSpPr>
+        <p:spPr>
+          <a:xfrm>
+            <a:off x="685800" y="4343400"/>
+            <a:ext cx="5486400" cy="4114800"/>
+          </a:xfrm>
+          <a:prstGeom prst="rect">
+            <a:avLst/>
+          </a:prstGeom>
+        </p:spPr>
+        <p:txBody>
+          <a:bodyPr spcFirstLastPara="1" wrap="square" lIns="91425" tIns="91425" rIns="91425" bIns="91425" anchor="t" anchorCtr="0">
+            <a:noAutofit/>
+          </a:bodyPr>
+          <a:lstStyle/>
+          <a:p>
+            <a:pPr marL="0" lvl="0" indent="0" algn="l" rtl="0">
+              <a:spcBef>
+                <a:spcPts val="0"/>
+              </a:spcBef>
+              <a:spcAft>
+                <a:spcPts val="0"/>
+              </a:spcAft>
+              <a:buNone/>
+            </a:pPr>
+            <a:endParaRPr/>
+          </a:p>
+        </p:txBody>
+      </p:sp>
+    </p:spTree>
+    <p:extLst>
+      <p:ext uri="{BB962C8B-B14F-4D97-AF65-F5344CB8AC3E}">
+        <p14:creationId xmlns:p14="http://schemas.microsoft.com/office/powerpoint/2010/main" val="982062516"/>
+      </p:ext>
+    </p:extLst>
+  </p:cSld>
+  <p:clrMapOvr>
+    <a:masterClrMapping/>
+  </p:clrMapOvr>
+</p:notes>
+</file>
+
+<file path=ppt/notesSlides/notesSlide6.xml><?xml version="1.0" encoding="utf-8"?>
+<p:notes xmlns:a="http://schemas.openxmlformats.org/drawingml/2006/main" xmlns:r="http://schemas.openxmlformats.org/officeDocument/2006/relationships" xmlns:p="http://schemas.openxmlformats.org/presentationml/2006/main" showMasterSp="0" showMasterPhAnim="0">
+  <p:cSld>
+    <p:spTree>
+      <p:nvGrpSpPr>
+        <p:cNvPr id="1" name="Shape 193">
+          <a:extLst>
+            <a:ext uri="{FF2B5EF4-FFF2-40B4-BE49-F238E27FC236}">
+              <a16:creationId xmlns:a16="http://schemas.microsoft.com/office/drawing/2014/main" id="{5826DD77-70FD-B31B-E4E0-6B46747D6F39}"/>
+            </a:ext>
+          </a:extLst>
+        </p:cNvPr>
+        <p:cNvGrpSpPr/>
+        <p:nvPr/>
+      </p:nvGrpSpPr>
+      <p:grpSpPr>
+        <a:xfrm>
+          <a:off x="0" y="0"/>
+          <a:ext cx="0" cy="0"/>
+          <a:chOff x="0" y="0"/>
+          <a:chExt cx="0" cy="0"/>
+        </a:xfrm>
+      </p:grpSpPr>
+      <p:sp>
+        <p:nvSpPr>
+          <p:cNvPr id="194" name="Google Shape;194;g8c357ad677_0_372:notes">
+            <a:extLst>
+              <a:ext uri="{FF2B5EF4-FFF2-40B4-BE49-F238E27FC236}">
+                <a16:creationId xmlns:a16="http://schemas.microsoft.com/office/drawing/2014/main" id="{BE813E05-F77A-7933-646C-6C977BFC60C9}"/>
+              </a:ext>
+            </a:extLst>
+          </p:cNvPr>
+          <p:cNvSpPr>
+            <a:spLocks noGrp="1" noRot="1" noChangeAspect="1"/>
+          </p:cNvSpPr>
+          <p:nvPr>
+            <p:ph type="sldImg" idx="2"/>
+          </p:nvPr>
+        </p:nvSpPr>
+        <p:spPr>
+          <a:xfrm>
+            <a:off x="381000" y="685800"/>
+            <a:ext cx="6096000" cy="3429000"/>
+          </a:xfrm>
+          <a:custGeom>
+            <a:avLst/>
+            <a:gdLst/>
+            <a:ahLst/>
+            <a:cxnLst/>
+            <a:rect l="l" t="t" r="r" b="b"/>
+            <a:pathLst>
+              <a:path w="120000" h="120000" extrusionOk="0">
+                <a:moveTo>
+                  <a:pt x="0" y="0"/>
+                </a:moveTo>
+                <a:lnTo>
+                  <a:pt x="120000" y="0"/>
+                </a:lnTo>
+                <a:lnTo>
+                  <a:pt x="120000" y="120000"/>
+                </a:lnTo>
+                <a:lnTo>
+                  <a:pt x="0" y="120000"/>
+                </a:lnTo>
+                <a:close/>
+              </a:path>
+            </a:pathLst>
+          </a:custGeom>
+        </p:spPr>
+      </p:sp>
+      <p:sp>
+        <p:nvSpPr>
+          <p:cNvPr id="195" name="Google Shape;195;g8c357ad677_0_372:notes">
+            <a:extLst>
+              <a:ext uri="{FF2B5EF4-FFF2-40B4-BE49-F238E27FC236}">
+                <a16:creationId xmlns:a16="http://schemas.microsoft.com/office/drawing/2014/main" id="{1A5A4253-D1F1-9FF1-B168-2ECE491BA29C}"/>
+              </a:ext>
+            </a:extLst>
+          </p:cNvPr>
+          <p:cNvSpPr txBox="1">
+            <a:spLocks noGrp="1"/>
+          </p:cNvSpPr>
+          <p:nvPr>
+            <p:ph type="body" idx="1"/>
+          </p:nvPr>
+        </p:nvSpPr>
+        <p:spPr>
+          <a:xfrm>
+            <a:off x="685800" y="4343400"/>
+            <a:ext cx="5486400" cy="4114800"/>
+          </a:xfrm>
+          <a:prstGeom prst="rect">
+            <a:avLst/>
+          </a:prstGeom>
+        </p:spPr>
+        <p:txBody>
+          <a:bodyPr spcFirstLastPara="1" wrap="square" lIns="91425" tIns="91425" rIns="91425" bIns="91425" anchor="t" anchorCtr="0">
+            <a:noAutofit/>
+          </a:bodyPr>
+          <a:lstStyle/>
+          <a:p>
+            <a:pPr marL="0" lvl="0" indent="0" algn="l" rtl="0">
+              <a:spcBef>
+                <a:spcPts val="0"/>
+              </a:spcBef>
+              <a:spcAft>
+                <a:spcPts val="0"/>
+              </a:spcAft>
+              <a:buNone/>
+            </a:pPr>
+            <a:endParaRPr/>
+          </a:p>
+        </p:txBody>
+      </p:sp>
+    </p:spTree>
+    <p:extLst>
+      <p:ext uri="{BB962C8B-B14F-4D97-AF65-F5344CB8AC3E}">
+        <p14:creationId xmlns:p14="http://schemas.microsoft.com/office/powerpoint/2010/main" val="2540915440"/>
+      </p:ext>
+    </p:extLst>
+  </p:cSld>
+  <p:clrMapOvr>
+    <a:masterClrMapping/>
+  </p:clrMapOvr>
+</p:notes>
+</file>
+
+<file path=ppt/notesSlides/notesSlide7.xml><?xml version="1.0" encoding="utf-8"?>
+<p:notes xmlns:a="http://schemas.openxmlformats.org/drawingml/2006/main" xmlns:r="http://schemas.openxmlformats.org/officeDocument/2006/relationships" xmlns:p="http://schemas.openxmlformats.org/presentationml/2006/main" showMasterSp="0" showMasterPhAnim="0">
+  <p:cSld>
+    <p:spTree>
+      <p:nvGrpSpPr>
+        <p:cNvPr id="1" name="Shape 193">
+          <a:extLst>
+            <a:ext uri="{FF2B5EF4-FFF2-40B4-BE49-F238E27FC236}">
+              <a16:creationId xmlns:a16="http://schemas.microsoft.com/office/drawing/2014/main" id="{D604D5D5-AC4B-4C66-5042-9B4C7C34318C}"/>
+            </a:ext>
+          </a:extLst>
+        </p:cNvPr>
+        <p:cNvGrpSpPr/>
+        <p:nvPr/>
+      </p:nvGrpSpPr>
+      <p:grpSpPr>
+        <a:xfrm>
+          <a:off x="0" y="0"/>
+          <a:ext cx="0" cy="0"/>
+          <a:chOff x="0" y="0"/>
+          <a:chExt cx="0" cy="0"/>
+        </a:xfrm>
+      </p:grpSpPr>
+      <p:sp>
+        <p:nvSpPr>
+          <p:cNvPr id="194" name="Google Shape;194;g8c357ad677_0_372:notes">
+            <a:extLst>
+              <a:ext uri="{FF2B5EF4-FFF2-40B4-BE49-F238E27FC236}">
+                <a16:creationId xmlns:a16="http://schemas.microsoft.com/office/drawing/2014/main" id="{DD9A849E-7F92-F95F-95A0-D1D4CA834F4A}"/>
+              </a:ext>
+            </a:extLst>
+          </p:cNvPr>
+          <p:cNvSpPr>
+            <a:spLocks noGrp="1" noRot="1" noChangeAspect="1"/>
+          </p:cNvSpPr>
+          <p:nvPr>
+            <p:ph type="sldImg" idx="2"/>
+          </p:nvPr>
+        </p:nvSpPr>
+        <p:spPr>
+          <a:xfrm>
+            <a:off x="381000" y="685800"/>
+            <a:ext cx="6096000" cy="3429000"/>
+          </a:xfrm>
+          <a:custGeom>
+            <a:avLst/>
+            <a:gdLst/>
+            <a:ahLst/>
+            <a:cxnLst/>
+            <a:rect l="l" t="t" r="r" b="b"/>
+            <a:pathLst>
+              <a:path w="120000" h="120000" extrusionOk="0">
+                <a:moveTo>
+                  <a:pt x="0" y="0"/>
+                </a:moveTo>
+                <a:lnTo>
+                  <a:pt x="120000" y="0"/>
+                </a:lnTo>
+                <a:lnTo>
+                  <a:pt x="120000" y="120000"/>
+                </a:lnTo>
+                <a:lnTo>
+                  <a:pt x="0" y="120000"/>
+                </a:lnTo>
+                <a:close/>
+              </a:path>
+            </a:pathLst>
+          </a:custGeom>
+        </p:spPr>
+      </p:sp>
+      <p:sp>
+        <p:nvSpPr>
+          <p:cNvPr id="195" name="Google Shape;195;g8c357ad677_0_372:notes">
+            <a:extLst>
+              <a:ext uri="{FF2B5EF4-FFF2-40B4-BE49-F238E27FC236}">
+                <a16:creationId xmlns:a16="http://schemas.microsoft.com/office/drawing/2014/main" id="{48D3DFAB-5C49-30E0-8473-3FBFD028BC35}"/>
+              </a:ext>
+            </a:extLst>
+          </p:cNvPr>
+          <p:cNvSpPr txBox="1">
+            <a:spLocks noGrp="1"/>
+          </p:cNvSpPr>
+          <p:nvPr>
+            <p:ph type="body" idx="1"/>
+          </p:nvPr>
+        </p:nvSpPr>
+        <p:spPr>
+          <a:xfrm>
+            <a:off x="685800" y="4343400"/>
+            <a:ext cx="5486400" cy="4114800"/>
+          </a:xfrm>
+          <a:prstGeom prst="rect">
+            <a:avLst/>
+          </a:prstGeom>
+        </p:spPr>
+        <p:txBody>
+          <a:bodyPr spcFirstLastPara="1" wrap="square" lIns="91425" tIns="91425" rIns="91425" bIns="91425" anchor="t" anchorCtr="0">
+            <a:noAutofit/>
+          </a:bodyPr>
+          <a:lstStyle/>
+          <a:p>
+            <a:pPr marL="0" lvl="0" indent="0" algn="l" rtl="0">
+              <a:spcBef>
+                <a:spcPts val="0"/>
+              </a:spcBef>
+              <a:spcAft>
+                <a:spcPts val="0"/>
+              </a:spcAft>
+              <a:buNone/>
+            </a:pPr>
+            <a:endParaRPr/>
+          </a:p>
+        </p:txBody>
+      </p:sp>
+    </p:spTree>
+    <p:extLst>
+      <p:ext uri="{BB962C8B-B14F-4D97-AF65-F5344CB8AC3E}">
+        <p14:creationId xmlns:p14="http://schemas.microsoft.com/office/powerpoint/2010/main" val="237652123"/>
+      </p:ext>
+    </p:extLst>
+  </p:cSld>
+  <p:clrMapOvr>
+    <a:masterClrMapping/>
+  </p:clrMapOvr>
+</p:notes>
+</file>
+
+<file path=ppt/notesSlides/notesSlide8.xml><?xml version="1.0" encoding="utf-8"?>
+<p:notes xmlns:a="http://schemas.openxmlformats.org/drawingml/2006/main" xmlns:r="http://schemas.openxmlformats.org/officeDocument/2006/relationships" xmlns:p="http://schemas.openxmlformats.org/presentationml/2006/main" showMasterSp="0" showMasterPhAnim="0">
+  <p:cSld>
+    <p:spTree>
+      <p:nvGrpSpPr>
+        <p:cNvPr id="1" name="Shape 193">
+          <a:extLst>
+            <a:ext uri="{FF2B5EF4-FFF2-40B4-BE49-F238E27FC236}">
+              <a16:creationId xmlns:a16="http://schemas.microsoft.com/office/drawing/2014/main" id="{23797B29-7515-E7A7-C623-C5F7DCED21A5}"/>
+            </a:ext>
+          </a:extLst>
+        </p:cNvPr>
+        <p:cNvGrpSpPr/>
+        <p:nvPr/>
+      </p:nvGrpSpPr>
+      <p:grpSpPr>
+        <a:xfrm>
+          <a:off x="0" y="0"/>
+          <a:ext cx="0" cy="0"/>
+          <a:chOff x="0" y="0"/>
+          <a:chExt cx="0" cy="0"/>
+        </a:xfrm>
+      </p:grpSpPr>
+      <p:sp>
+        <p:nvSpPr>
+          <p:cNvPr id="194" name="Google Shape;194;g8c357ad677_0_372:notes">
+            <a:extLst>
+              <a:ext uri="{FF2B5EF4-FFF2-40B4-BE49-F238E27FC236}">
+                <a16:creationId xmlns:a16="http://schemas.microsoft.com/office/drawing/2014/main" id="{82F5F860-BDA5-4201-E7AB-5A116742A1DB}"/>
+              </a:ext>
+            </a:extLst>
+          </p:cNvPr>
+          <p:cNvSpPr>
+            <a:spLocks noGrp="1" noRot="1" noChangeAspect="1"/>
+          </p:cNvSpPr>
+          <p:nvPr>
+            <p:ph type="sldImg" idx="2"/>
+          </p:nvPr>
+        </p:nvSpPr>
+        <p:spPr>
+          <a:xfrm>
+            <a:off x="381000" y="685800"/>
+            <a:ext cx="6096000" cy="3429000"/>
+          </a:xfrm>
+          <a:custGeom>
+            <a:avLst/>
+            <a:gdLst/>
+            <a:ahLst/>
+            <a:cxnLst/>
+            <a:rect l="l" t="t" r="r" b="b"/>
+            <a:pathLst>
+              <a:path w="120000" h="120000" extrusionOk="0">
+                <a:moveTo>
+                  <a:pt x="0" y="0"/>
+                </a:moveTo>
+                <a:lnTo>
+                  <a:pt x="120000" y="0"/>
+                </a:lnTo>
+                <a:lnTo>
+                  <a:pt x="120000" y="120000"/>
+                </a:lnTo>
+                <a:lnTo>
+                  <a:pt x="0" y="120000"/>
+                </a:lnTo>
+                <a:close/>
+              </a:path>
+            </a:pathLst>
+          </a:custGeom>
+        </p:spPr>
+      </p:sp>
+      <p:sp>
+        <p:nvSpPr>
+          <p:cNvPr id="195" name="Google Shape;195;g8c357ad677_0_372:notes">
+            <a:extLst>
+              <a:ext uri="{FF2B5EF4-FFF2-40B4-BE49-F238E27FC236}">
+                <a16:creationId xmlns:a16="http://schemas.microsoft.com/office/drawing/2014/main" id="{6DA22ABE-104B-0D5B-FB47-C05AC65723A5}"/>
+              </a:ext>
+            </a:extLst>
+          </p:cNvPr>
+          <p:cNvSpPr txBox="1">
+            <a:spLocks noGrp="1"/>
+          </p:cNvSpPr>
+          <p:nvPr>
+            <p:ph type="body" idx="1"/>
+          </p:nvPr>
+        </p:nvSpPr>
+        <p:spPr>
+          <a:xfrm>
+            <a:off x="685800" y="4343400"/>
+            <a:ext cx="5486400" cy="4114800"/>
+          </a:xfrm>
+          <a:prstGeom prst="rect">
+            <a:avLst/>
+          </a:prstGeom>
+        </p:spPr>
+        <p:txBody>
+          <a:bodyPr spcFirstLastPara="1" wrap="square" lIns="91425" tIns="91425" rIns="91425" bIns="91425" anchor="t" anchorCtr="0">
+            <a:noAutofit/>
+          </a:bodyPr>
+          <a:lstStyle/>
+          <a:p>
+            <a:pPr marL="0" lvl="0" indent="0" algn="l" rtl="0">
+              <a:spcBef>
+                <a:spcPts val="0"/>
+              </a:spcBef>
+              <a:spcAft>
+                <a:spcPts val="0"/>
+              </a:spcAft>
+              <a:buNone/>
+            </a:pPr>
+            <a:endParaRPr/>
+          </a:p>
+        </p:txBody>
+      </p:sp>
+    </p:spTree>
+    <p:extLst>
+      <p:ext uri="{BB962C8B-B14F-4D97-AF65-F5344CB8AC3E}">
+        <p14:creationId xmlns:p14="http://schemas.microsoft.com/office/powerpoint/2010/main" val="134887580"/>
+      </p:ext>
+    </p:extLst>
+  </p:cSld>
+  <p:clrMapOvr>
+    <a:masterClrMapping/>
+  </p:clrMapOvr>
+</p:notes>
+</file>
+
+<file path=ppt/notesSlides/notesSlide9.xml><?xml version="1.0" encoding="utf-8"?>
+<p:notes xmlns:a="http://schemas.openxmlformats.org/drawingml/2006/main" xmlns:r="http://schemas.openxmlformats.org/officeDocument/2006/relationships" xmlns:p="http://schemas.openxmlformats.org/presentationml/2006/main" showMasterSp="0" showMasterPhAnim="0">
+  <p:cSld>
+    <p:spTree>
+      <p:nvGrpSpPr>
         <p:cNvPr id="1" name="Shape 200"/>
         <p:cNvGrpSpPr/>
         <p:nvPr/>
@@ -2445,422 +3378,6 @@
       <p:sp>
         <p:nvSpPr>
           <p:cNvPr id="202" name="Google Shape;202;g8e7a3ba083_2_0:notes"/>
-          <p:cNvSpPr txBox="1">
-            <a:spLocks noGrp="1"/>
-          </p:cNvSpPr>
-          <p:nvPr>
-            <p:ph type="body" idx="1"/>
-          </p:nvPr>
-        </p:nvSpPr>
-        <p:spPr>
-          <a:xfrm>
-            <a:off x="685800" y="4343400"/>
-            <a:ext cx="5486400" cy="4114800"/>
-          </a:xfrm>
-          <a:prstGeom prst="rect">
-            <a:avLst/>
-          </a:prstGeom>
-        </p:spPr>
-        <p:txBody>
-          <a:bodyPr spcFirstLastPara="1" wrap="square" lIns="91425" tIns="91425" rIns="91425" bIns="91425" anchor="t" anchorCtr="0">
-            <a:noAutofit/>
-          </a:bodyPr>
-          <a:lstStyle/>
-          <a:p>
-            <a:pPr marL="0" lvl="0" indent="0" algn="l" rtl="0">
-              <a:spcBef>
-                <a:spcPts val="0"/>
-              </a:spcBef>
-              <a:spcAft>
-                <a:spcPts val="0"/>
-              </a:spcAft>
-              <a:buNone/>
-            </a:pPr>
-            <a:endParaRPr/>
-          </a:p>
-        </p:txBody>
-      </p:sp>
-    </p:spTree>
-  </p:cSld>
-  <p:clrMapOvr>
-    <a:masterClrMapping/>
-  </p:clrMapOvr>
-</p:notes>
-</file>
-
-<file path=ppt/notesSlides/notesSlide6.xml><?xml version="1.0" encoding="utf-8"?>
-<p:notes xmlns:a="http://schemas.openxmlformats.org/drawingml/2006/main" xmlns:r="http://schemas.openxmlformats.org/officeDocument/2006/relationships" xmlns:p="http://schemas.openxmlformats.org/presentationml/2006/main" showMasterSp="0" showMasterPhAnim="0">
-  <p:cSld>
-    <p:spTree>
-      <p:nvGrpSpPr>
-        <p:cNvPr id="1" name="Shape 208"/>
-        <p:cNvGrpSpPr/>
-        <p:nvPr/>
-      </p:nvGrpSpPr>
-      <p:grpSpPr>
-        <a:xfrm>
-          <a:off x="0" y="0"/>
-          <a:ext cx="0" cy="0"/>
-          <a:chOff x="0" y="0"/>
-          <a:chExt cx="0" cy="0"/>
-        </a:xfrm>
-      </p:grpSpPr>
-      <p:sp>
-        <p:nvSpPr>
-          <p:cNvPr id="209" name="Google Shape;209;g3a478db6c95_0_68:notes"/>
-          <p:cNvSpPr>
-            <a:spLocks noGrp="1" noRot="1" noChangeAspect="1"/>
-          </p:cNvSpPr>
-          <p:nvPr>
-            <p:ph type="sldImg" idx="2"/>
-          </p:nvPr>
-        </p:nvSpPr>
-        <p:spPr>
-          <a:xfrm>
-            <a:off x="381000" y="685800"/>
-            <a:ext cx="6096000" cy="3429000"/>
-          </a:xfrm>
-          <a:custGeom>
-            <a:avLst/>
-            <a:gdLst/>
-            <a:ahLst/>
-            <a:cxnLst/>
-            <a:rect l="l" t="t" r="r" b="b"/>
-            <a:pathLst>
-              <a:path w="120000" h="120000" extrusionOk="0">
-                <a:moveTo>
-                  <a:pt x="0" y="0"/>
-                </a:moveTo>
-                <a:lnTo>
-                  <a:pt x="120000" y="0"/>
-                </a:lnTo>
-                <a:lnTo>
-                  <a:pt x="120000" y="120000"/>
-                </a:lnTo>
-                <a:lnTo>
-                  <a:pt x="0" y="120000"/>
-                </a:lnTo>
-                <a:close/>
-              </a:path>
-            </a:pathLst>
-          </a:custGeom>
-        </p:spPr>
-      </p:sp>
-      <p:sp>
-        <p:nvSpPr>
-          <p:cNvPr id="210" name="Google Shape;210;g3a478db6c95_0_68:notes"/>
-          <p:cNvSpPr txBox="1">
-            <a:spLocks noGrp="1"/>
-          </p:cNvSpPr>
-          <p:nvPr>
-            <p:ph type="body" idx="1"/>
-          </p:nvPr>
-        </p:nvSpPr>
-        <p:spPr>
-          <a:xfrm>
-            <a:off x="685800" y="4343400"/>
-            <a:ext cx="5486400" cy="4114800"/>
-          </a:xfrm>
-          <a:prstGeom prst="rect">
-            <a:avLst/>
-          </a:prstGeom>
-        </p:spPr>
-        <p:txBody>
-          <a:bodyPr spcFirstLastPara="1" wrap="square" lIns="91425" tIns="91425" rIns="91425" bIns="91425" anchor="t" anchorCtr="0">
-            <a:noAutofit/>
-          </a:bodyPr>
-          <a:lstStyle/>
-          <a:p>
-            <a:pPr marL="0" lvl="0" indent="0" algn="l" rtl="0">
-              <a:spcBef>
-                <a:spcPts val="0"/>
-              </a:spcBef>
-              <a:spcAft>
-                <a:spcPts val="0"/>
-              </a:spcAft>
-              <a:buNone/>
-            </a:pPr>
-            <a:endParaRPr/>
-          </a:p>
-        </p:txBody>
-      </p:sp>
-    </p:spTree>
-  </p:cSld>
-  <p:clrMapOvr>
-    <a:masterClrMapping/>
-  </p:clrMapOvr>
-</p:notes>
-</file>
-
-<file path=ppt/notesSlides/notesSlide7.xml><?xml version="1.0" encoding="utf-8"?>
-<p:notes xmlns:a="http://schemas.openxmlformats.org/drawingml/2006/main" xmlns:r="http://schemas.openxmlformats.org/officeDocument/2006/relationships" xmlns:p="http://schemas.openxmlformats.org/presentationml/2006/main" showMasterSp="0" showMasterPhAnim="0">
-  <p:cSld>
-    <p:spTree>
-      <p:nvGrpSpPr>
-        <p:cNvPr id="1" name="Shape 230"/>
-        <p:cNvGrpSpPr/>
-        <p:nvPr/>
-      </p:nvGrpSpPr>
-      <p:grpSpPr>
-        <a:xfrm>
-          <a:off x="0" y="0"/>
-          <a:ext cx="0" cy="0"/>
-          <a:chOff x="0" y="0"/>
-          <a:chExt cx="0" cy="0"/>
-        </a:xfrm>
-      </p:grpSpPr>
-      <p:sp>
-        <p:nvSpPr>
-          <p:cNvPr id="231" name="Google Shape;231;g3a478db6c95_0_61:notes"/>
-          <p:cNvSpPr>
-            <a:spLocks noGrp="1" noRot="1" noChangeAspect="1"/>
-          </p:cNvSpPr>
-          <p:nvPr>
-            <p:ph type="sldImg" idx="2"/>
-          </p:nvPr>
-        </p:nvSpPr>
-        <p:spPr>
-          <a:xfrm>
-            <a:off x="381000" y="685800"/>
-            <a:ext cx="6096000" cy="3429000"/>
-          </a:xfrm>
-          <a:custGeom>
-            <a:avLst/>
-            <a:gdLst/>
-            <a:ahLst/>
-            <a:cxnLst/>
-            <a:rect l="l" t="t" r="r" b="b"/>
-            <a:pathLst>
-              <a:path w="120000" h="120000" extrusionOk="0">
-                <a:moveTo>
-                  <a:pt x="0" y="0"/>
-                </a:moveTo>
-                <a:lnTo>
-                  <a:pt x="120000" y="0"/>
-                </a:lnTo>
-                <a:lnTo>
-                  <a:pt x="120000" y="120000"/>
-                </a:lnTo>
-                <a:lnTo>
-                  <a:pt x="0" y="120000"/>
-                </a:lnTo>
-                <a:close/>
-              </a:path>
-            </a:pathLst>
-          </a:custGeom>
-        </p:spPr>
-      </p:sp>
-      <p:sp>
-        <p:nvSpPr>
-          <p:cNvPr id="232" name="Google Shape;232;g3a478db6c95_0_61:notes"/>
-          <p:cNvSpPr txBox="1">
-            <a:spLocks noGrp="1"/>
-          </p:cNvSpPr>
-          <p:nvPr>
-            <p:ph type="body" idx="1"/>
-          </p:nvPr>
-        </p:nvSpPr>
-        <p:spPr>
-          <a:xfrm>
-            <a:off x="685800" y="4343400"/>
-            <a:ext cx="5486400" cy="4114800"/>
-          </a:xfrm>
-          <a:prstGeom prst="rect">
-            <a:avLst/>
-          </a:prstGeom>
-        </p:spPr>
-        <p:txBody>
-          <a:bodyPr spcFirstLastPara="1" wrap="square" lIns="91425" tIns="91425" rIns="91425" bIns="91425" anchor="t" anchorCtr="0">
-            <a:noAutofit/>
-          </a:bodyPr>
-          <a:lstStyle/>
-          <a:p>
-            <a:pPr marL="0" lvl="0" indent="0" algn="l" rtl="0">
-              <a:spcBef>
-                <a:spcPts val="0"/>
-              </a:spcBef>
-              <a:spcAft>
-                <a:spcPts val="0"/>
-              </a:spcAft>
-              <a:buNone/>
-            </a:pPr>
-            <a:endParaRPr/>
-          </a:p>
-        </p:txBody>
-      </p:sp>
-    </p:spTree>
-  </p:cSld>
-  <p:clrMapOvr>
-    <a:masterClrMapping/>
-  </p:clrMapOvr>
-</p:notes>
-</file>
-
-<file path=ppt/notesSlides/notesSlide8.xml><?xml version="1.0" encoding="utf-8"?>
-<p:notes xmlns:a="http://schemas.openxmlformats.org/drawingml/2006/main" xmlns:r="http://schemas.openxmlformats.org/officeDocument/2006/relationships" xmlns:p="http://schemas.openxmlformats.org/presentationml/2006/main" showMasterSp="0" showMasterPhAnim="0">
-  <p:cSld>
-    <p:spTree>
-      <p:nvGrpSpPr>
-        <p:cNvPr id="1" name="Shape 238"/>
-        <p:cNvGrpSpPr/>
-        <p:nvPr/>
-      </p:nvGrpSpPr>
-      <p:grpSpPr>
-        <a:xfrm>
-          <a:off x="0" y="0"/>
-          <a:ext cx="0" cy="0"/>
-          <a:chOff x="0" y="0"/>
-          <a:chExt cx="0" cy="0"/>
-        </a:xfrm>
-      </p:grpSpPr>
-      <p:sp>
-        <p:nvSpPr>
-          <p:cNvPr id="239" name="Google Shape;239;g8c7cef7ef6_0_240:notes"/>
-          <p:cNvSpPr>
-            <a:spLocks noGrp="1" noRot="1" noChangeAspect="1"/>
-          </p:cNvSpPr>
-          <p:nvPr>
-            <p:ph type="sldImg" idx="2"/>
-          </p:nvPr>
-        </p:nvSpPr>
-        <p:spPr>
-          <a:xfrm>
-            <a:off x="381000" y="685800"/>
-            <a:ext cx="6096000" cy="3429000"/>
-          </a:xfrm>
-          <a:custGeom>
-            <a:avLst/>
-            <a:gdLst/>
-            <a:ahLst/>
-            <a:cxnLst/>
-            <a:rect l="l" t="t" r="r" b="b"/>
-            <a:pathLst>
-              <a:path w="120000" h="120000" extrusionOk="0">
-                <a:moveTo>
-                  <a:pt x="0" y="0"/>
-                </a:moveTo>
-                <a:lnTo>
-                  <a:pt x="120000" y="0"/>
-                </a:lnTo>
-                <a:lnTo>
-                  <a:pt x="120000" y="120000"/>
-                </a:lnTo>
-                <a:lnTo>
-                  <a:pt x="0" y="120000"/>
-                </a:lnTo>
-                <a:close/>
-              </a:path>
-            </a:pathLst>
-          </a:custGeom>
-        </p:spPr>
-      </p:sp>
-      <p:sp>
-        <p:nvSpPr>
-          <p:cNvPr id="240" name="Google Shape;240;g8c7cef7ef6_0_240:notes"/>
-          <p:cNvSpPr txBox="1">
-            <a:spLocks noGrp="1"/>
-          </p:cNvSpPr>
-          <p:nvPr>
-            <p:ph type="body" idx="1"/>
-          </p:nvPr>
-        </p:nvSpPr>
-        <p:spPr>
-          <a:xfrm>
-            <a:off x="685800" y="4343400"/>
-            <a:ext cx="5486400" cy="4114800"/>
-          </a:xfrm>
-          <a:prstGeom prst="rect">
-            <a:avLst/>
-          </a:prstGeom>
-        </p:spPr>
-        <p:txBody>
-          <a:bodyPr spcFirstLastPara="1" wrap="square" lIns="91425" tIns="91425" rIns="91425" bIns="91425" anchor="t" anchorCtr="0">
-            <a:noAutofit/>
-          </a:bodyPr>
-          <a:lstStyle/>
-          <a:p>
-            <a:pPr marL="0" lvl="0" indent="0" algn="l" rtl="0">
-              <a:spcBef>
-                <a:spcPts val="0"/>
-              </a:spcBef>
-              <a:spcAft>
-                <a:spcPts val="0"/>
-              </a:spcAft>
-              <a:buNone/>
-            </a:pPr>
-            <a:endParaRPr/>
-          </a:p>
-        </p:txBody>
-      </p:sp>
-    </p:spTree>
-  </p:cSld>
-  <p:clrMapOvr>
-    <a:masterClrMapping/>
-  </p:clrMapOvr>
-</p:notes>
-</file>
-
-<file path=ppt/notesSlides/notesSlide9.xml><?xml version="1.0" encoding="utf-8"?>
-<p:notes xmlns:a="http://schemas.openxmlformats.org/drawingml/2006/main" xmlns:r="http://schemas.openxmlformats.org/officeDocument/2006/relationships" xmlns:p="http://schemas.openxmlformats.org/presentationml/2006/main" showMasterSp="0" showMasterPhAnim="0">
-  <p:cSld>
-    <p:spTree>
-      <p:nvGrpSpPr>
-        <p:cNvPr id="1" name="Shape 258"/>
-        <p:cNvGrpSpPr/>
-        <p:nvPr/>
-      </p:nvGrpSpPr>
-      <p:grpSpPr>
-        <a:xfrm>
-          <a:off x="0" y="0"/>
-          <a:ext cx="0" cy="0"/>
-          <a:chOff x="0" y="0"/>
-          <a:chExt cx="0" cy="0"/>
-        </a:xfrm>
-      </p:grpSpPr>
-      <p:sp>
-        <p:nvSpPr>
-          <p:cNvPr id="259" name="Google Shape;259;g3a478db6c95_0_134:notes"/>
-          <p:cNvSpPr>
-            <a:spLocks noGrp="1" noRot="1" noChangeAspect="1"/>
-          </p:cNvSpPr>
-          <p:nvPr>
-            <p:ph type="sldImg" idx="2"/>
-          </p:nvPr>
-        </p:nvSpPr>
-        <p:spPr>
-          <a:xfrm>
-            <a:off x="381000" y="685800"/>
-            <a:ext cx="6096000" cy="3429000"/>
-          </a:xfrm>
-          <a:custGeom>
-            <a:avLst/>
-            <a:gdLst/>
-            <a:ahLst/>
-            <a:cxnLst/>
-            <a:rect l="l" t="t" r="r" b="b"/>
-            <a:pathLst>
-              <a:path w="120000" h="120000" extrusionOk="0">
-                <a:moveTo>
-                  <a:pt x="0" y="0"/>
-                </a:moveTo>
-                <a:lnTo>
-                  <a:pt x="120000" y="0"/>
-                </a:lnTo>
-                <a:lnTo>
-                  <a:pt x="120000" y="120000"/>
-                </a:lnTo>
-                <a:lnTo>
-                  <a:pt x="0" y="120000"/>
-                </a:lnTo>
-                <a:close/>
-              </a:path>
-            </a:pathLst>
-          </a:custGeom>
-        </p:spPr>
-      </p:sp>
-      <p:sp>
-        <p:nvSpPr>
-          <p:cNvPr id="260" name="Google Shape;260;g3a478db6c95_0_134:notes"/>
           <p:cNvSpPr txBox="1">
             <a:spLocks noGrp="1"/>
           </p:cNvSpPr>
@@ -18555,6 +19072,1908 @@
   <p:cSld>
     <p:spTree>
       <p:nvGrpSpPr>
+        <p:cNvPr id="1" name="Shape 211"/>
+        <p:cNvGrpSpPr/>
+        <p:nvPr/>
+      </p:nvGrpSpPr>
+      <p:grpSpPr>
+        <a:xfrm>
+          <a:off x="0" y="0"/>
+          <a:ext cx="0" cy="0"/>
+          <a:chOff x="0" y="0"/>
+          <a:chExt cx="0" cy="0"/>
+        </a:xfrm>
+      </p:grpSpPr>
+      <p:sp>
+        <p:nvSpPr>
+          <p:cNvPr id="229" name="Google Shape;229;p35"/>
+          <p:cNvSpPr txBox="1">
+            <a:spLocks noGrp="1"/>
+          </p:cNvSpPr>
+          <p:nvPr>
+            <p:ph type="title"/>
+          </p:nvPr>
+        </p:nvSpPr>
+        <p:spPr>
+          <a:xfrm>
+            <a:off x="651150" y="545225"/>
+            <a:ext cx="7330094" cy="323400"/>
+          </a:xfrm>
+          <a:prstGeom prst="rect">
+            <a:avLst/>
+          </a:prstGeom>
+        </p:spPr>
+        <p:txBody>
+          <a:bodyPr spcFirstLastPara="1" wrap="square" lIns="91425" tIns="91425" rIns="91425" bIns="91425" anchor="ctr" anchorCtr="0">
+            <a:noAutofit/>
+          </a:bodyPr>
+          <a:lstStyle/>
+          <a:p>
+            <a:pPr marL="0" lvl="0" indent="0" algn="l" rtl="0">
+              <a:spcBef>
+                <a:spcPts val="0"/>
+              </a:spcBef>
+              <a:spcAft>
+                <a:spcPts val="0"/>
+              </a:spcAft>
+              <a:buNone/>
+            </a:pPr>
+            <a:r>
+              <a:rPr lang="en" dirty="0"/>
+              <a:t>Objetivo : Ambiente estable y controlado</a:t>
+            </a:r>
+            <a:endParaRPr dirty="0"/>
+          </a:p>
+        </p:txBody>
+      </p:sp>
+      <p:sp>
+        <p:nvSpPr>
+          <p:cNvPr id="9" name="TextBox 8">
+            <a:extLst>
+              <a:ext uri="{FF2B5EF4-FFF2-40B4-BE49-F238E27FC236}">
+                <a16:creationId xmlns:a16="http://schemas.microsoft.com/office/drawing/2014/main" id="{F9B9390F-465E-E8E9-5375-60487A7A57F5}"/>
+              </a:ext>
+            </a:extLst>
+          </p:cNvPr>
+          <p:cNvSpPr txBox="1"/>
+          <p:nvPr/>
+        </p:nvSpPr>
+        <p:spPr>
+          <a:xfrm>
+            <a:off x="1474117" y="1645008"/>
+            <a:ext cx="6829909" cy="2246769"/>
+          </a:xfrm>
+          <a:prstGeom prst="rect">
+            <a:avLst/>
+          </a:prstGeom>
+          <a:noFill/>
+        </p:spPr>
+        <p:txBody>
+          <a:bodyPr wrap="square">
+            <a:spAutoFit/>
+          </a:bodyPr>
+          <a:lstStyle/>
+          <a:p>
+            <a:pPr marL="0" marR="0" lvl="0" indent="0" algn="just" defTabSz="914400" rtl="0" eaLnBrk="1" fontAlgn="auto" latinLnBrk="0" hangingPunct="1">
+              <a:lnSpc>
+                <a:spcPct val="100000"/>
+              </a:lnSpc>
+              <a:spcBef>
+                <a:spcPts val="0"/>
+              </a:spcBef>
+              <a:spcAft>
+                <a:spcPts val="0"/>
+              </a:spcAft>
+              <a:buClr>
+                <a:srgbClr val="F6F6F6"/>
+              </a:buClr>
+              <a:buSzPts val="1400"/>
+              <a:buFont typeface="Exo 2"/>
+              <a:buNone/>
+              <a:tabLst/>
+              <a:defRPr/>
+            </a:pPr>
+            <a:r>
+              <a:rPr kumimoji="0" lang="es-AR" sz="2000" b="0" i="0" u="none" strike="noStrike" kern="0" cap="none" spc="0" normalizeH="0" baseline="0" noProof="0" dirty="0">
+                <a:ln>
+                  <a:noFill/>
+                </a:ln>
+                <a:solidFill>
+                  <a:srgbClr val="F6F6F6"/>
+                </a:solidFill>
+                <a:effectLst/>
+                <a:uLnTx/>
+                <a:uFillTx/>
+                <a:latin typeface="Exo 2"/>
+                <a:ea typeface="Exo 2"/>
+                <a:sym typeface="Exo 2"/>
+              </a:rPr>
+              <a:t>Diseñar e implementar un sistema de monitoreo (</a:t>
+            </a:r>
+            <a:r>
+              <a:rPr kumimoji="0" lang="es-AR" sz="2000" b="0" i="0" u="none" strike="noStrike" kern="0" cap="none" spc="0" normalizeH="0" baseline="0" noProof="0" dirty="0" err="1">
+                <a:ln>
+                  <a:noFill/>
+                </a:ln>
+                <a:solidFill>
+                  <a:srgbClr val="F6F6F6"/>
+                </a:solidFill>
+                <a:effectLst/>
+                <a:uLnTx/>
+                <a:uFillTx/>
+                <a:latin typeface="Exo 2"/>
+                <a:ea typeface="Exo 2"/>
+                <a:sym typeface="Exo 2"/>
+              </a:rPr>
+              <a:t>dashboard</a:t>
+            </a:r>
+            <a:r>
+              <a:rPr kumimoji="0" lang="es-AR" sz="2000" b="0" i="0" u="none" strike="noStrike" kern="0" cap="none" spc="0" normalizeH="0" baseline="0" noProof="0" dirty="0">
+                <a:ln>
+                  <a:noFill/>
+                </a:ln>
+                <a:solidFill>
+                  <a:srgbClr val="F6F6F6"/>
+                </a:solidFill>
+                <a:effectLst/>
+                <a:uLnTx/>
+                <a:uFillTx/>
+                <a:latin typeface="Exo 2"/>
+                <a:ea typeface="Exo 2"/>
+                <a:sym typeface="Exo 2"/>
+              </a:rPr>
+              <a:t>) para un Centro de Datos, utilizando los mecanismos de programación concurrente en Java para gestionar y monitorizar de forma autónoma la redundancia energética, la seguridad térmica y la alta disponibilidad de servicios críticos ante escenarios de falla.</a:t>
+            </a:r>
+          </a:p>
+        </p:txBody>
+      </p:sp>
+      <p:sp>
+        <p:nvSpPr>
+          <p:cNvPr id="10" name="Google Shape;199;p33">
+            <a:extLst>
+              <a:ext uri="{FF2B5EF4-FFF2-40B4-BE49-F238E27FC236}">
+                <a16:creationId xmlns:a16="http://schemas.microsoft.com/office/drawing/2014/main" id="{9A414326-C4DC-E0C4-CB3F-D8103535BB45}"/>
+              </a:ext>
+            </a:extLst>
+          </p:cNvPr>
+          <p:cNvSpPr/>
+          <p:nvPr/>
+        </p:nvSpPr>
+        <p:spPr>
+          <a:xfrm rot="5400000">
+            <a:off x="1248808" y="1814499"/>
+            <a:ext cx="252600" cy="136500"/>
+          </a:xfrm>
+          <a:prstGeom prst="triangle">
+            <a:avLst>
+              <a:gd name="adj" fmla="val 50000"/>
+            </a:avLst>
+          </a:prstGeom>
+          <a:solidFill>
+            <a:schemeClr val="accent1"/>
+          </a:solidFill>
+          <a:ln>
+            <a:noFill/>
+          </a:ln>
+        </p:spPr>
+        <p:txBody>
+          <a:bodyPr spcFirstLastPara="1" wrap="square" lIns="91425" tIns="91425" rIns="91425" bIns="91425" anchor="ctr" anchorCtr="0">
+            <a:noAutofit/>
+          </a:bodyPr>
+          <a:lstStyle/>
+          <a:p>
+            <a:pPr marL="0" lvl="0" indent="0" algn="l" rtl="0">
+              <a:spcBef>
+                <a:spcPts val="0"/>
+              </a:spcBef>
+              <a:spcAft>
+                <a:spcPts val="0"/>
+              </a:spcAft>
+              <a:buNone/>
+            </a:pPr>
+            <a:endParaRPr/>
+          </a:p>
+        </p:txBody>
+      </p:sp>
+    </p:spTree>
+  </p:cSld>
+  <p:clrMapOvr>
+    <a:masterClrMapping/>
+  </p:clrMapOvr>
+</p:sld>
+</file>
+
+<file path=ppt/slides/slide11.xml><?xml version="1.0" encoding="utf-8"?>
+<p:sld xmlns:a="http://schemas.openxmlformats.org/drawingml/2006/main" xmlns:r="http://schemas.openxmlformats.org/officeDocument/2006/relationships" xmlns:p="http://schemas.openxmlformats.org/presentationml/2006/main">
+  <p:cSld>
+    <p:spTree>
+      <p:nvGrpSpPr>
+        <p:cNvPr id="1" name="Shape 233"/>
+        <p:cNvGrpSpPr/>
+        <p:nvPr/>
+      </p:nvGrpSpPr>
+      <p:grpSpPr>
+        <a:xfrm>
+          <a:off x="0" y="0"/>
+          <a:ext cx="0" cy="0"/>
+          <a:chOff x="0" y="0"/>
+          <a:chExt cx="0" cy="0"/>
+        </a:xfrm>
+      </p:grpSpPr>
+      <p:sp>
+        <p:nvSpPr>
+          <p:cNvPr id="234" name="Google Shape;234;p36"/>
+          <p:cNvSpPr txBox="1">
+            <a:spLocks noGrp="1"/>
+          </p:cNvSpPr>
+          <p:nvPr>
+            <p:ph type="subTitle" idx="1"/>
+          </p:nvPr>
+        </p:nvSpPr>
+        <p:spPr>
+          <a:xfrm>
+            <a:off x="1468550" y="2493300"/>
+            <a:ext cx="6493800" cy="669000"/>
+          </a:xfrm>
+          <a:prstGeom prst="rect">
+            <a:avLst/>
+          </a:prstGeom>
+        </p:spPr>
+        <p:txBody>
+          <a:bodyPr spcFirstLastPara="1" wrap="square" lIns="91425" tIns="91425" rIns="91425" bIns="91425" anchor="ctr" anchorCtr="0">
+            <a:noAutofit/>
+          </a:bodyPr>
+          <a:lstStyle/>
+          <a:p>
+            <a:pPr marL="0" lvl="0" indent="0" algn="l" rtl="0">
+              <a:spcBef>
+                <a:spcPts val="0"/>
+              </a:spcBef>
+              <a:spcAft>
+                <a:spcPts val="0"/>
+              </a:spcAft>
+              <a:buNone/>
+            </a:pPr>
+            <a:r>
+              <a:rPr lang="en"/>
+              <a:t>Infraestructura</a:t>
+            </a:r>
+            <a:endParaRPr/>
+          </a:p>
+        </p:txBody>
+      </p:sp>
+      <p:sp>
+        <p:nvSpPr>
+          <p:cNvPr id="235" name="Google Shape;235;p36"/>
+          <p:cNvSpPr/>
+          <p:nvPr/>
+        </p:nvSpPr>
+        <p:spPr>
+          <a:xfrm rot="5400000">
+            <a:off x="1060635" y="1802347"/>
+            <a:ext cx="507900" cy="274800"/>
+          </a:xfrm>
+          <a:prstGeom prst="triangle">
+            <a:avLst>
+              <a:gd name="adj" fmla="val 50000"/>
+            </a:avLst>
+          </a:prstGeom>
+          <a:solidFill>
+            <a:schemeClr val="accent1"/>
+          </a:solidFill>
+          <a:ln>
+            <a:noFill/>
+          </a:ln>
+        </p:spPr>
+        <p:txBody>
+          <a:bodyPr spcFirstLastPara="1" wrap="square" lIns="91425" tIns="91425" rIns="91425" bIns="91425" anchor="ctr" anchorCtr="0">
+            <a:noAutofit/>
+          </a:bodyPr>
+          <a:lstStyle/>
+          <a:p>
+            <a:pPr marL="0" lvl="0" indent="0" algn="l" rtl="0">
+              <a:spcBef>
+                <a:spcPts val="0"/>
+              </a:spcBef>
+              <a:spcAft>
+                <a:spcPts val="0"/>
+              </a:spcAft>
+              <a:buNone/>
+            </a:pPr>
+            <a:endParaRPr/>
+          </a:p>
+        </p:txBody>
+      </p:sp>
+      <p:sp>
+        <p:nvSpPr>
+          <p:cNvPr id="236" name="Google Shape;236;p36"/>
+          <p:cNvSpPr txBox="1">
+            <a:spLocks noGrp="1"/>
+          </p:cNvSpPr>
+          <p:nvPr>
+            <p:ph type="subTitle" idx="2"/>
+          </p:nvPr>
+        </p:nvSpPr>
+        <p:spPr>
+          <a:xfrm>
+            <a:off x="1468552" y="3179041"/>
+            <a:ext cx="4641600" cy="507900"/>
+          </a:xfrm>
+          <a:prstGeom prst="rect">
+            <a:avLst/>
+          </a:prstGeom>
+        </p:spPr>
+        <p:txBody>
+          <a:bodyPr spcFirstLastPara="1" wrap="square" lIns="91425" tIns="91425" rIns="91425" bIns="91425" anchor="t" anchorCtr="0">
+            <a:noAutofit/>
+          </a:bodyPr>
+          <a:lstStyle/>
+          <a:p>
+            <a:pPr marL="0" lvl="0" indent="0" algn="l" rtl="0">
+              <a:spcBef>
+                <a:spcPts val="0"/>
+              </a:spcBef>
+              <a:spcAft>
+                <a:spcPts val="0"/>
+              </a:spcAft>
+              <a:buNone/>
+            </a:pPr>
+            <a:r>
+              <a:rPr lang="en-US" sz="1400" dirty="0" err="1"/>
+              <a:t>Servidores</a:t>
+            </a:r>
+            <a:r>
+              <a:rPr lang="en-US" sz="1400" dirty="0"/>
+              <a:t> y </a:t>
+            </a:r>
+            <a:r>
+              <a:rPr lang="en-US" sz="1400" dirty="0" err="1"/>
+              <a:t>elementos</a:t>
+            </a:r>
+            <a:r>
+              <a:rPr lang="en-US" sz="1400" dirty="0"/>
+              <a:t> </a:t>
+            </a:r>
+            <a:r>
+              <a:rPr lang="en-US" sz="1400" dirty="0" err="1"/>
+              <a:t>principales</a:t>
+            </a:r>
+            <a:r>
+              <a:rPr lang="en-US" sz="1400" dirty="0"/>
+              <a:t> </a:t>
+            </a:r>
+            <a:r>
+              <a:rPr lang="en-US" sz="1400" dirty="0" err="1"/>
+              <a:t>en</a:t>
+            </a:r>
+            <a:r>
+              <a:rPr lang="en-US" sz="1400" dirty="0"/>
+              <a:t> la sala.</a:t>
+            </a:r>
+            <a:endParaRPr sz="1400" dirty="0"/>
+          </a:p>
+          <a:p>
+            <a:pPr marL="0" lvl="0" indent="0" algn="l" rtl="0">
+              <a:spcBef>
+                <a:spcPts val="0"/>
+              </a:spcBef>
+              <a:spcAft>
+                <a:spcPts val="0"/>
+              </a:spcAft>
+              <a:buNone/>
+            </a:pPr>
+            <a:endParaRPr dirty="0"/>
+          </a:p>
+        </p:txBody>
+      </p:sp>
+      <p:sp>
+        <p:nvSpPr>
+          <p:cNvPr id="237" name="Google Shape;237;p36"/>
+          <p:cNvSpPr txBox="1">
+            <a:spLocks noGrp="1"/>
+          </p:cNvSpPr>
+          <p:nvPr>
+            <p:ph type="title"/>
+          </p:nvPr>
+        </p:nvSpPr>
+        <p:spPr>
+          <a:xfrm>
+            <a:off x="1468552" y="1226638"/>
+            <a:ext cx="2155500" cy="1426200"/>
+          </a:xfrm>
+          <a:prstGeom prst="rect">
+            <a:avLst/>
+          </a:prstGeom>
+        </p:spPr>
+        <p:txBody>
+          <a:bodyPr spcFirstLastPara="1" wrap="square" lIns="91425" tIns="91425" rIns="91425" bIns="91425" anchor="ctr" anchorCtr="0">
+            <a:noAutofit/>
+          </a:bodyPr>
+          <a:lstStyle/>
+          <a:p>
+            <a:pPr marL="0" lvl="0" indent="0" algn="l" rtl="0">
+              <a:spcBef>
+                <a:spcPts val="0"/>
+              </a:spcBef>
+              <a:spcAft>
+                <a:spcPts val="0"/>
+              </a:spcAft>
+              <a:buNone/>
+            </a:pPr>
+            <a:r>
+              <a:rPr lang="en"/>
+              <a:t>03.</a:t>
+            </a:r>
+            <a:endParaRPr/>
+          </a:p>
+        </p:txBody>
+      </p:sp>
+    </p:spTree>
+  </p:cSld>
+  <p:clrMapOvr>
+    <a:masterClrMapping/>
+  </p:clrMapOvr>
+</p:sld>
+</file>
+
+<file path=ppt/slides/slide12.xml><?xml version="1.0" encoding="utf-8"?>
+<p:sld xmlns:a="http://schemas.openxmlformats.org/drawingml/2006/main" xmlns:r="http://schemas.openxmlformats.org/officeDocument/2006/relationships" xmlns:p="http://schemas.openxmlformats.org/presentationml/2006/main">
+  <p:cSld>
+    <p:spTree>
+      <p:nvGrpSpPr>
+        <p:cNvPr id="1" name="Shape 241"/>
+        <p:cNvGrpSpPr/>
+        <p:nvPr/>
+      </p:nvGrpSpPr>
+      <p:grpSpPr>
+        <a:xfrm>
+          <a:off x="0" y="0"/>
+          <a:ext cx="0" cy="0"/>
+          <a:chOff x="0" y="0"/>
+          <a:chExt cx="0" cy="0"/>
+        </a:xfrm>
+      </p:grpSpPr>
+      <p:sp>
+        <p:nvSpPr>
+          <p:cNvPr id="242" name="Google Shape;242;p37"/>
+          <p:cNvSpPr txBox="1">
+            <a:spLocks noGrp="1"/>
+          </p:cNvSpPr>
+          <p:nvPr>
+            <p:ph type="title"/>
+          </p:nvPr>
+        </p:nvSpPr>
+        <p:spPr>
+          <a:xfrm>
+            <a:off x="316335" y="443986"/>
+            <a:ext cx="5652000" cy="323400"/>
+          </a:xfrm>
+          <a:prstGeom prst="rect">
+            <a:avLst/>
+          </a:prstGeom>
+        </p:spPr>
+        <p:txBody>
+          <a:bodyPr spcFirstLastPara="1" wrap="square" lIns="91425" tIns="91425" rIns="91425" bIns="91425" anchor="ctr" anchorCtr="0">
+            <a:noAutofit/>
+          </a:bodyPr>
+          <a:lstStyle/>
+          <a:p>
+            <a:pPr marL="0" lvl="0" indent="0" algn="l" rtl="0">
+              <a:spcBef>
+                <a:spcPts val="0"/>
+              </a:spcBef>
+              <a:spcAft>
+                <a:spcPts val="0"/>
+              </a:spcAft>
+              <a:buNone/>
+            </a:pPr>
+            <a:r>
+              <a:rPr lang="en" dirty="0"/>
+              <a:t>Equipos instalados en la sala</a:t>
+            </a:r>
+            <a:endParaRPr dirty="0"/>
+          </a:p>
+        </p:txBody>
+      </p:sp>
+      <p:sp>
+        <p:nvSpPr>
+          <p:cNvPr id="243" name="Google Shape;243;p37"/>
+          <p:cNvSpPr txBox="1">
+            <a:spLocks noGrp="1"/>
+          </p:cNvSpPr>
+          <p:nvPr>
+            <p:ph type="subTitle" idx="4294967295"/>
+          </p:nvPr>
+        </p:nvSpPr>
+        <p:spPr>
+          <a:xfrm>
+            <a:off x="1188204" y="1046544"/>
+            <a:ext cx="4089900" cy="262200"/>
+          </a:xfrm>
+          <a:prstGeom prst="rect">
+            <a:avLst/>
+          </a:prstGeom>
+        </p:spPr>
+        <p:txBody>
+          <a:bodyPr spcFirstLastPara="1" wrap="square" lIns="91425" tIns="91425" rIns="91425" bIns="91425" anchor="ctr" anchorCtr="0">
+            <a:noAutofit/>
+          </a:bodyPr>
+          <a:lstStyle/>
+          <a:p>
+            <a:pPr marL="0" lvl="0" indent="0">
+              <a:buNone/>
+            </a:pPr>
+            <a:r>
+              <a:rPr lang="en-US" sz="2200" dirty="0" err="1">
+                <a:solidFill>
+                  <a:schemeClr val="accent1"/>
+                </a:solidFill>
+              </a:rPr>
+              <a:t>Servidores</a:t>
+            </a:r>
+            <a:r>
+              <a:rPr lang="en-US" sz="2200" dirty="0">
+                <a:solidFill>
+                  <a:schemeClr val="accent1"/>
+                </a:solidFill>
+              </a:rPr>
+              <a:t> </a:t>
+            </a:r>
+          </a:p>
+        </p:txBody>
+      </p:sp>
+      <p:sp>
+        <p:nvSpPr>
+          <p:cNvPr id="244" name="Google Shape;244;p37"/>
+          <p:cNvSpPr txBox="1">
+            <a:spLocks noGrp="1"/>
+          </p:cNvSpPr>
+          <p:nvPr>
+            <p:ph type="subTitle" idx="4294967295"/>
+          </p:nvPr>
+        </p:nvSpPr>
+        <p:spPr>
+          <a:xfrm>
+            <a:off x="1286539" y="1401276"/>
+            <a:ext cx="6730409" cy="1040785"/>
+          </a:xfrm>
+          <a:prstGeom prst="rect">
+            <a:avLst/>
+          </a:prstGeom>
+        </p:spPr>
+        <p:txBody>
+          <a:bodyPr spcFirstLastPara="1" wrap="square" lIns="91425" tIns="91425" rIns="91425" bIns="91425" anchor="t" anchorCtr="0">
+            <a:noAutofit/>
+          </a:bodyPr>
+          <a:lstStyle/>
+          <a:p>
+            <a:pPr marL="0" lvl="0" indent="0">
+              <a:buNone/>
+            </a:pPr>
+            <a:r>
+              <a:rPr lang="en-US" dirty="0">
+                <a:solidFill>
+                  <a:schemeClr val="accent3"/>
+                </a:solidFill>
+              </a:rPr>
+              <a:t>PROD : ambientes </a:t>
+            </a:r>
+            <a:r>
+              <a:rPr lang="en-US" dirty="0" err="1">
+                <a:solidFill>
+                  <a:schemeClr val="accent3"/>
+                </a:solidFill>
+              </a:rPr>
+              <a:t>productivos</a:t>
+            </a:r>
+            <a:r>
+              <a:rPr lang="en-US" dirty="0">
+                <a:solidFill>
+                  <a:schemeClr val="accent3"/>
+                </a:solidFill>
+              </a:rPr>
+              <a:t>, </a:t>
+            </a:r>
+            <a:r>
+              <a:rPr lang="en-US" dirty="0" err="1">
+                <a:solidFill>
+                  <a:schemeClr val="accent3"/>
+                </a:solidFill>
+              </a:rPr>
+              <a:t>en</a:t>
+            </a:r>
+            <a:r>
+              <a:rPr lang="en-US" dirty="0">
+                <a:solidFill>
+                  <a:schemeClr val="accent3"/>
+                </a:solidFill>
+              </a:rPr>
+              <a:t> </a:t>
+            </a:r>
+            <a:r>
+              <a:rPr lang="en-US" dirty="0" err="1">
+                <a:solidFill>
+                  <a:schemeClr val="accent3"/>
+                </a:solidFill>
+              </a:rPr>
+              <a:t>el</a:t>
+            </a:r>
+            <a:r>
+              <a:rPr lang="en-US" dirty="0">
+                <a:solidFill>
+                  <a:schemeClr val="accent3"/>
+                </a:solidFill>
+              </a:rPr>
+              <a:t> </a:t>
+            </a:r>
+            <a:r>
+              <a:rPr lang="en-US" dirty="0" err="1">
+                <a:solidFill>
+                  <a:schemeClr val="accent3"/>
+                </a:solidFill>
+              </a:rPr>
+              <a:t>mismo</a:t>
+            </a:r>
+            <a:r>
+              <a:rPr lang="en-US" dirty="0">
+                <a:solidFill>
+                  <a:schemeClr val="accent3"/>
+                </a:solidFill>
+              </a:rPr>
+              <a:t> rack modem, router, switch y firewalls </a:t>
+            </a:r>
+            <a:r>
+              <a:rPr lang="en-US" dirty="0" err="1">
+                <a:solidFill>
+                  <a:schemeClr val="accent3"/>
+                </a:solidFill>
+              </a:rPr>
+              <a:t>ya</a:t>
+            </a:r>
+            <a:r>
+              <a:rPr lang="en-US" dirty="0">
+                <a:solidFill>
+                  <a:schemeClr val="accent3"/>
+                </a:solidFill>
+              </a:rPr>
+              <a:t> </a:t>
+            </a:r>
+            <a:r>
+              <a:rPr lang="en-US" dirty="0" err="1">
+                <a:solidFill>
+                  <a:schemeClr val="accent3"/>
+                </a:solidFill>
+              </a:rPr>
+              <a:t>configurados</a:t>
+            </a:r>
+            <a:r>
+              <a:rPr lang="en-US" dirty="0">
+                <a:solidFill>
+                  <a:schemeClr val="accent3"/>
+                </a:solidFill>
+              </a:rPr>
+              <a:t>.</a:t>
+            </a:r>
+          </a:p>
+          <a:p>
+            <a:pPr marL="0" lvl="0" indent="0">
+              <a:buNone/>
+            </a:pPr>
+            <a:r>
+              <a:rPr lang="en-US" dirty="0">
+                <a:solidFill>
+                  <a:schemeClr val="accent3"/>
+                </a:solidFill>
+              </a:rPr>
+              <a:t>LAB : </a:t>
+            </a:r>
+            <a:r>
+              <a:rPr lang="en-US" dirty="0" err="1">
+                <a:solidFill>
+                  <a:schemeClr val="accent3"/>
+                </a:solidFill>
+              </a:rPr>
+              <a:t>destinado</a:t>
+            </a:r>
+            <a:r>
+              <a:rPr lang="en-US" dirty="0">
+                <a:solidFill>
+                  <a:schemeClr val="accent3"/>
+                </a:solidFill>
+              </a:rPr>
+              <a:t> a ambientes testing y </a:t>
+            </a:r>
+            <a:r>
+              <a:rPr lang="en-US" dirty="0" err="1">
+                <a:solidFill>
+                  <a:schemeClr val="accent3"/>
+                </a:solidFill>
+              </a:rPr>
+              <a:t>similares</a:t>
+            </a:r>
+            <a:r>
+              <a:rPr lang="en-US" dirty="0">
+                <a:solidFill>
+                  <a:schemeClr val="accent3"/>
+                </a:solidFill>
+              </a:rPr>
+              <a:t>.</a:t>
+            </a:r>
+          </a:p>
+          <a:p>
+            <a:pPr marL="0" lvl="0" indent="0">
+              <a:buNone/>
+            </a:pPr>
+            <a:r>
+              <a:rPr lang="en-US" dirty="0">
+                <a:solidFill>
+                  <a:schemeClr val="accent3"/>
+                </a:solidFill>
+              </a:rPr>
+              <a:t>NAS : </a:t>
+            </a:r>
+            <a:r>
+              <a:rPr lang="en-US" dirty="0" err="1">
+                <a:solidFill>
+                  <a:schemeClr val="accent3"/>
+                </a:solidFill>
+              </a:rPr>
+              <a:t>almacenamiento</a:t>
+            </a:r>
+            <a:r>
+              <a:rPr lang="en-US" dirty="0">
+                <a:solidFill>
+                  <a:schemeClr val="accent3"/>
+                </a:solidFill>
+              </a:rPr>
+              <a:t> de </a:t>
+            </a:r>
+            <a:r>
+              <a:rPr lang="en-US" dirty="0" err="1">
+                <a:solidFill>
+                  <a:schemeClr val="accent3"/>
+                </a:solidFill>
+              </a:rPr>
+              <a:t>recursos</a:t>
+            </a:r>
+            <a:r>
+              <a:rPr lang="en-US" dirty="0">
+                <a:solidFill>
+                  <a:schemeClr val="accent3"/>
+                </a:solidFill>
+              </a:rPr>
+              <a:t> para ambientes no </a:t>
+            </a:r>
+            <a:r>
+              <a:rPr lang="en-US" dirty="0" err="1">
+                <a:solidFill>
+                  <a:schemeClr val="accent3"/>
+                </a:solidFill>
+              </a:rPr>
+              <a:t>productivos</a:t>
+            </a:r>
+            <a:r>
+              <a:rPr lang="en-US" dirty="0">
+                <a:solidFill>
+                  <a:schemeClr val="accent3"/>
+                </a:solidFill>
+              </a:rPr>
+              <a:t>.</a:t>
+            </a:r>
+          </a:p>
+          <a:p>
+            <a:pPr marL="0" lvl="0" indent="0" algn="l" rtl="0">
+              <a:lnSpc>
+                <a:spcPct val="100000"/>
+              </a:lnSpc>
+              <a:spcBef>
+                <a:spcPts val="0"/>
+              </a:spcBef>
+              <a:spcAft>
+                <a:spcPts val="0"/>
+              </a:spcAft>
+              <a:buNone/>
+            </a:pPr>
+            <a:endParaRPr sz="1600" dirty="0">
+              <a:solidFill>
+                <a:schemeClr val="accent3"/>
+              </a:solidFill>
+            </a:endParaRPr>
+          </a:p>
+        </p:txBody>
+      </p:sp>
+      <p:sp>
+        <p:nvSpPr>
+          <p:cNvPr id="2" name="Google Shape;243;p37">
+            <a:extLst>
+              <a:ext uri="{FF2B5EF4-FFF2-40B4-BE49-F238E27FC236}">
+                <a16:creationId xmlns:a16="http://schemas.microsoft.com/office/drawing/2014/main" id="{66D245C4-48D5-E822-5B26-31C3878E0DD3}"/>
+              </a:ext>
+            </a:extLst>
+          </p:cNvPr>
+          <p:cNvSpPr txBox="1">
+            <a:spLocks/>
+          </p:cNvSpPr>
+          <p:nvPr/>
+        </p:nvSpPr>
+        <p:spPr>
+          <a:xfrm>
+            <a:off x="1188204" y="3690430"/>
+            <a:ext cx="4089900" cy="262200"/>
+          </a:xfrm>
+          <a:prstGeom prst="rect">
+            <a:avLst/>
+          </a:prstGeom>
+          <a:noFill/>
+          <a:ln>
+            <a:noFill/>
+          </a:ln>
+        </p:spPr>
+        <p:txBody>
+          <a:bodyPr spcFirstLastPara="1" wrap="square" lIns="91425" tIns="91425" rIns="91425" bIns="91425" anchor="ctr" anchorCtr="0">
+            <a:noAutofit/>
+          </a:bodyPr>
+          <a:lstStyle>
+            <a:defPPr marR="0" lvl="0" algn="l" rtl="0">
+              <a:lnSpc>
+                <a:spcPct val="100000"/>
+              </a:lnSpc>
+              <a:spcBef>
+                <a:spcPts val="0"/>
+              </a:spcBef>
+              <a:spcAft>
+                <a:spcPts val="0"/>
+              </a:spcAft>
+            </a:defPPr>
+            <a:lvl1pPr marL="457200" marR="0" lvl="0" indent="-317500" algn="l" rtl="0">
+              <a:lnSpc>
+                <a:spcPct val="100000"/>
+              </a:lnSpc>
+              <a:spcBef>
+                <a:spcPts val="0"/>
+              </a:spcBef>
+              <a:spcAft>
+                <a:spcPts val="0"/>
+              </a:spcAft>
+              <a:buClr>
+                <a:schemeClr val="lt1"/>
+              </a:buClr>
+              <a:buSzPts val="1400"/>
+              <a:buFont typeface="Exo 2"/>
+              <a:buChar char="●"/>
+              <a:defRPr sz="1400" b="0" i="0" u="none" strike="noStrike" cap="none">
+                <a:solidFill>
+                  <a:schemeClr val="lt1"/>
+                </a:solidFill>
+                <a:latin typeface="Exo 2"/>
+                <a:ea typeface="Exo 2"/>
+                <a:cs typeface="Exo 2"/>
+                <a:sym typeface="Exo 2"/>
+              </a:defRPr>
+            </a:lvl1pPr>
+            <a:lvl2pPr marL="914400" marR="0" lvl="1" indent="-317500" algn="l" rtl="0">
+              <a:lnSpc>
+                <a:spcPct val="100000"/>
+              </a:lnSpc>
+              <a:spcBef>
+                <a:spcPts val="0"/>
+              </a:spcBef>
+              <a:spcAft>
+                <a:spcPts val="0"/>
+              </a:spcAft>
+              <a:buClr>
+                <a:schemeClr val="lt1"/>
+              </a:buClr>
+              <a:buSzPts val="1400"/>
+              <a:buFont typeface="Exo 2"/>
+              <a:buChar char="○"/>
+              <a:defRPr sz="1400" b="0" i="0" u="none" strike="noStrike" cap="none">
+                <a:solidFill>
+                  <a:schemeClr val="lt1"/>
+                </a:solidFill>
+                <a:latin typeface="Exo 2"/>
+                <a:ea typeface="Exo 2"/>
+                <a:cs typeface="Exo 2"/>
+                <a:sym typeface="Exo 2"/>
+              </a:defRPr>
+            </a:lvl2pPr>
+            <a:lvl3pPr marL="1371600" marR="0" lvl="2" indent="-317500" algn="l" rtl="0">
+              <a:lnSpc>
+                <a:spcPct val="100000"/>
+              </a:lnSpc>
+              <a:spcBef>
+                <a:spcPts val="0"/>
+              </a:spcBef>
+              <a:spcAft>
+                <a:spcPts val="0"/>
+              </a:spcAft>
+              <a:buClr>
+                <a:schemeClr val="lt1"/>
+              </a:buClr>
+              <a:buSzPts val="1400"/>
+              <a:buFont typeface="Exo 2"/>
+              <a:buChar char="■"/>
+              <a:defRPr sz="1400" b="0" i="0" u="none" strike="noStrike" cap="none">
+                <a:solidFill>
+                  <a:schemeClr val="lt1"/>
+                </a:solidFill>
+                <a:latin typeface="Exo 2"/>
+                <a:ea typeface="Exo 2"/>
+                <a:cs typeface="Exo 2"/>
+                <a:sym typeface="Exo 2"/>
+              </a:defRPr>
+            </a:lvl3pPr>
+            <a:lvl4pPr marL="1828800" marR="0" lvl="3" indent="-317500" algn="l" rtl="0">
+              <a:lnSpc>
+                <a:spcPct val="100000"/>
+              </a:lnSpc>
+              <a:spcBef>
+                <a:spcPts val="0"/>
+              </a:spcBef>
+              <a:spcAft>
+                <a:spcPts val="0"/>
+              </a:spcAft>
+              <a:buClr>
+                <a:schemeClr val="lt1"/>
+              </a:buClr>
+              <a:buSzPts val="1400"/>
+              <a:buFont typeface="Exo 2"/>
+              <a:buChar char="●"/>
+              <a:defRPr sz="1400" b="0" i="0" u="none" strike="noStrike" cap="none">
+                <a:solidFill>
+                  <a:schemeClr val="lt1"/>
+                </a:solidFill>
+                <a:latin typeface="Exo 2"/>
+                <a:ea typeface="Exo 2"/>
+                <a:cs typeface="Exo 2"/>
+                <a:sym typeface="Exo 2"/>
+              </a:defRPr>
+            </a:lvl4pPr>
+            <a:lvl5pPr marL="2286000" marR="0" lvl="4" indent="-317500" algn="l" rtl="0">
+              <a:lnSpc>
+                <a:spcPct val="100000"/>
+              </a:lnSpc>
+              <a:spcBef>
+                <a:spcPts val="0"/>
+              </a:spcBef>
+              <a:spcAft>
+                <a:spcPts val="0"/>
+              </a:spcAft>
+              <a:buClr>
+                <a:schemeClr val="lt1"/>
+              </a:buClr>
+              <a:buSzPts val="1400"/>
+              <a:buFont typeface="Exo 2"/>
+              <a:buChar char="○"/>
+              <a:defRPr sz="1400" b="0" i="0" u="none" strike="noStrike" cap="none">
+                <a:solidFill>
+                  <a:schemeClr val="lt1"/>
+                </a:solidFill>
+                <a:latin typeface="Exo 2"/>
+                <a:ea typeface="Exo 2"/>
+                <a:cs typeface="Exo 2"/>
+                <a:sym typeface="Exo 2"/>
+              </a:defRPr>
+            </a:lvl5pPr>
+            <a:lvl6pPr marL="2743200" marR="0" lvl="5" indent="-317500" algn="l" rtl="0">
+              <a:lnSpc>
+                <a:spcPct val="100000"/>
+              </a:lnSpc>
+              <a:spcBef>
+                <a:spcPts val="0"/>
+              </a:spcBef>
+              <a:spcAft>
+                <a:spcPts val="0"/>
+              </a:spcAft>
+              <a:buClr>
+                <a:schemeClr val="lt1"/>
+              </a:buClr>
+              <a:buSzPts val="1400"/>
+              <a:buFont typeface="Exo 2"/>
+              <a:buChar char="■"/>
+              <a:defRPr sz="1400" b="0" i="0" u="none" strike="noStrike" cap="none">
+                <a:solidFill>
+                  <a:schemeClr val="lt1"/>
+                </a:solidFill>
+                <a:latin typeface="Exo 2"/>
+                <a:ea typeface="Exo 2"/>
+                <a:cs typeface="Exo 2"/>
+                <a:sym typeface="Exo 2"/>
+              </a:defRPr>
+            </a:lvl6pPr>
+            <a:lvl7pPr marL="3200400" marR="0" lvl="6" indent="-317500" algn="l" rtl="0">
+              <a:lnSpc>
+                <a:spcPct val="100000"/>
+              </a:lnSpc>
+              <a:spcBef>
+                <a:spcPts val="0"/>
+              </a:spcBef>
+              <a:spcAft>
+                <a:spcPts val="0"/>
+              </a:spcAft>
+              <a:buClr>
+                <a:schemeClr val="lt1"/>
+              </a:buClr>
+              <a:buSzPts val="1400"/>
+              <a:buFont typeface="Exo 2"/>
+              <a:buChar char="●"/>
+              <a:defRPr sz="1400" b="0" i="0" u="none" strike="noStrike" cap="none">
+                <a:solidFill>
+                  <a:schemeClr val="lt1"/>
+                </a:solidFill>
+                <a:latin typeface="Exo 2"/>
+                <a:ea typeface="Exo 2"/>
+                <a:cs typeface="Exo 2"/>
+                <a:sym typeface="Exo 2"/>
+              </a:defRPr>
+            </a:lvl7pPr>
+            <a:lvl8pPr marL="3657600" marR="0" lvl="7" indent="-317500" algn="l" rtl="0">
+              <a:lnSpc>
+                <a:spcPct val="100000"/>
+              </a:lnSpc>
+              <a:spcBef>
+                <a:spcPts val="0"/>
+              </a:spcBef>
+              <a:spcAft>
+                <a:spcPts val="0"/>
+              </a:spcAft>
+              <a:buClr>
+                <a:schemeClr val="lt1"/>
+              </a:buClr>
+              <a:buSzPts val="1400"/>
+              <a:buFont typeface="Exo 2"/>
+              <a:buChar char="○"/>
+              <a:defRPr sz="1400" b="0" i="0" u="none" strike="noStrike" cap="none">
+                <a:solidFill>
+                  <a:schemeClr val="lt1"/>
+                </a:solidFill>
+                <a:latin typeface="Exo 2"/>
+                <a:ea typeface="Exo 2"/>
+                <a:cs typeface="Exo 2"/>
+                <a:sym typeface="Exo 2"/>
+              </a:defRPr>
+            </a:lvl8pPr>
+            <a:lvl9pPr marL="4114800" marR="0" lvl="8" indent="-317500" algn="l" rtl="0">
+              <a:lnSpc>
+                <a:spcPct val="100000"/>
+              </a:lnSpc>
+              <a:spcBef>
+                <a:spcPts val="0"/>
+              </a:spcBef>
+              <a:spcAft>
+                <a:spcPts val="0"/>
+              </a:spcAft>
+              <a:buClr>
+                <a:schemeClr val="lt1"/>
+              </a:buClr>
+              <a:buSzPts val="1400"/>
+              <a:buFont typeface="Exo 2"/>
+              <a:buChar char="■"/>
+              <a:defRPr sz="1400" b="0" i="0" u="none" strike="noStrike" cap="none">
+                <a:solidFill>
+                  <a:schemeClr val="lt1"/>
+                </a:solidFill>
+                <a:latin typeface="Exo 2"/>
+                <a:ea typeface="Exo 2"/>
+                <a:cs typeface="Exo 2"/>
+                <a:sym typeface="Exo 2"/>
+              </a:defRPr>
+            </a:lvl9pPr>
+          </a:lstStyle>
+          <a:p>
+            <a:pPr marL="0" indent="0">
+              <a:buFont typeface="Exo 2"/>
+              <a:buNone/>
+            </a:pPr>
+            <a:r>
+              <a:rPr lang="en-US" sz="2200" dirty="0">
+                <a:solidFill>
+                  <a:schemeClr val="accent1"/>
+                </a:solidFill>
+              </a:rPr>
+              <a:t>Aires </a:t>
+            </a:r>
+            <a:r>
+              <a:rPr lang="en-US" sz="2200" dirty="0" err="1">
+                <a:solidFill>
+                  <a:schemeClr val="accent1"/>
+                </a:solidFill>
+              </a:rPr>
+              <a:t>acondicionados</a:t>
+            </a:r>
+            <a:r>
+              <a:rPr lang="en-US" sz="2200" dirty="0">
+                <a:solidFill>
+                  <a:schemeClr val="accent1"/>
+                </a:solidFill>
+              </a:rPr>
+              <a:t> </a:t>
+            </a:r>
+          </a:p>
+        </p:txBody>
+      </p:sp>
+      <p:sp>
+        <p:nvSpPr>
+          <p:cNvPr id="3" name="Google Shape;243;p37">
+            <a:extLst>
+              <a:ext uri="{FF2B5EF4-FFF2-40B4-BE49-F238E27FC236}">
+                <a16:creationId xmlns:a16="http://schemas.microsoft.com/office/drawing/2014/main" id="{4CEA77D8-34AE-EBF2-237D-BBD638984BBA}"/>
+              </a:ext>
+            </a:extLst>
+          </p:cNvPr>
+          <p:cNvSpPr txBox="1">
+            <a:spLocks/>
+          </p:cNvSpPr>
+          <p:nvPr/>
+        </p:nvSpPr>
+        <p:spPr>
+          <a:xfrm>
+            <a:off x="1188204" y="2571750"/>
+            <a:ext cx="4089900" cy="262200"/>
+          </a:xfrm>
+          <a:prstGeom prst="rect">
+            <a:avLst/>
+          </a:prstGeom>
+          <a:noFill/>
+          <a:ln>
+            <a:noFill/>
+          </a:ln>
+        </p:spPr>
+        <p:txBody>
+          <a:bodyPr spcFirstLastPara="1" wrap="square" lIns="91425" tIns="91425" rIns="91425" bIns="91425" anchor="ctr" anchorCtr="0">
+            <a:noAutofit/>
+          </a:bodyPr>
+          <a:lstStyle>
+            <a:defPPr marR="0" lvl="0" algn="l" rtl="0">
+              <a:lnSpc>
+                <a:spcPct val="100000"/>
+              </a:lnSpc>
+              <a:spcBef>
+                <a:spcPts val="0"/>
+              </a:spcBef>
+              <a:spcAft>
+                <a:spcPts val="0"/>
+              </a:spcAft>
+            </a:defPPr>
+            <a:lvl1pPr marL="457200" marR="0" lvl="0" indent="-317500" algn="l" rtl="0">
+              <a:lnSpc>
+                <a:spcPct val="100000"/>
+              </a:lnSpc>
+              <a:spcBef>
+                <a:spcPts val="0"/>
+              </a:spcBef>
+              <a:spcAft>
+                <a:spcPts val="0"/>
+              </a:spcAft>
+              <a:buClr>
+                <a:schemeClr val="lt1"/>
+              </a:buClr>
+              <a:buSzPts val="1400"/>
+              <a:buFont typeface="Exo 2"/>
+              <a:buChar char="●"/>
+              <a:defRPr sz="1400" b="0" i="0" u="none" strike="noStrike" cap="none">
+                <a:solidFill>
+                  <a:schemeClr val="lt1"/>
+                </a:solidFill>
+                <a:latin typeface="Exo 2"/>
+                <a:ea typeface="Exo 2"/>
+                <a:cs typeface="Exo 2"/>
+                <a:sym typeface="Exo 2"/>
+              </a:defRPr>
+            </a:lvl1pPr>
+            <a:lvl2pPr marL="914400" marR="0" lvl="1" indent="-317500" algn="l" rtl="0">
+              <a:lnSpc>
+                <a:spcPct val="100000"/>
+              </a:lnSpc>
+              <a:spcBef>
+                <a:spcPts val="0"/>
+              </a:spcBef>
+              <a:spcAft>
+                <a:spcPts val="0"/>
+              </a:spcAft>
+              <a:buClr>
+                <a:schemeClr val="lt1"/>
+              </a:buClr>
+              <a:buSzPts val="1400"/>
+              <a:buFont typeface="Exo 2"/>
+              <a:buChar char="○"/>
+              <a:defRPr sz="1400" b="0" i="0" u="none" strike="noStrike" cap="none">
+                <a:solidFill>
+                  <a:schemeClr val="lt1"/>
+                </a:solidFill>
+                <a:latin typeface="Exo 2"/>
+                <a:ea typeface="Exo 2"/>
+                <a:cs typeface="Exo 2"/>
+                <a:sym typeface="Exo 2"/>
+              </a:defRPr>
+            </a:lvl2pPr>
+            <a:lvl3pPr marL="1371600" marR="0" lvl="2" indent="-317500" algn="l" rtl="0">
+              <a:lnSpc>
+                <a:spcPct val="100000"/>
+              </a:lnSpc>
+              <a:spcBef>
+                <a:spcPts val="0"/>
+              </a:spcBef>
+              <a:spcAft>
+                <a:spcPts val="0"/>
+              </a:spcAft>
+              <a:buClr>
+                <a:schemeClr val="lt1"/>
+              </a:buClr>
+              <a:buSzPts val="1400"/>
+              <a:buFont typeface="Exo 2"/>
+              <a:buChar char="■"/>
+              <a:defRPr sz="1400" b="0" i="0" u="none" strike="noStrike" cap="none">
+                <a:solidFill>
+                  <a:schemeClr val="lt1"/>
+                </a:solidFill>
+                <a:latin typeface="Exo 2"/>
+                <a:ea typeface="Exo 2"/>
+                <a:cs typeface="Exo 2"/>
+                <a:sym typeface="Exo 2"/>
+              </a:defRPr>
+            </a:lvl3pPr>
+            <a:lvl4pPr marL="1828800" marR="0" lvl="3" indent="-317500" algn="l" rtl="0">
+              <a:lnSpc>
+                <a:spcPct val="100000"/>
+              </a:lnSpc>
+              <a:spcBef>
+                <a:spcPts val="0"/>
+              </a:spcBef>
+              <a:spcAft>
+                <a:spcPts val="0"/>
+              </a:spcAft>
+              <a:buClr>
+                <a:schemeClr val="lt1"/>
+              </a:buClr>
+              <a:buSzPts val="1400"/>
+              <a:buFont typeface="Exo 2"/>
+              <a:buChar char="●"/>
+              <a:defRPr sz="1400" b="0" i="0" u="none" strike="noStrike" cap="none">
+                <a:solidFill>
+                  <a:schemeClr val="lt1"/>
+                </a:solidFill>
+                <a:latin typeface="Exo 2"/>
+                <a:ea typeface="Exo 2"/>
+                <a:cs typeface="Exo 2"/>
+                <a:sym typeface="Exo 2"/>
+              </a:defRPr>
+            </a:lvl4pPr>
+            <a:lvl5pPr marL="2286000" marR="0" lvl="4" indent="-317500" algn="l" rtl="0">
+              <a:lnSpc>
+                <a:spcPct val="100000"/>
+              </a:lnSpc>
+              <a:spcBef>
+                <a:spcPts val="0"/>
+              </a:spcBef>
+              <a:spcAft>
+                <a:spcPts val="0"/>
+              </a:spcAft>
+              <a:buClr>
+                <a:schemeClr val="lt1"/>
+              </a:buClr>
+              <a:buSzPts val="1400"/>
+              <a:buFont typeface="Exo 2"/>
+              <a:buChar char="○"/>
+              <a:defRPr sz="1400" b="0" i="0" u="none" strike="noStrike" cap="none">
+                <a:solidFill>
+                  <a:schemeClr val="lt1"/>
+                </a:solidFill>
+                <a:latin typeface="Exo 2"/>
+                <a:ea typeface="Exo 2"/>
+                <a:cs typeface="Exo 2"/>
+                <a:sym typeface="Exo 2"/>
+              </a:defRPr>
+            </a:lvl5pPr>
+            <a:lvl6pPr marL="2743200" marR="0" lvl="5" indent="-317500" algn="l" rtl="0">
+              <a:lnSpc>
+                <a:spcPct val="100000"/>
+              </a:lnSpc>
+              <a:spcBef>
+                <a:spcPts val="0"/>
+              </a:spcBef>
+              <a:spcAft>
+                <a:spcPts val="0"/>
+              </a:spcAft>
+              <a:buClr>
+                <a:schemeClr val="lt1"/>
+              </a:buClr>
+              <a:buSzPts val="1400"/>
+              <a:buFont typeface="Exo 2"/>
+              <a:buChar char="■"/>
+              <a:defRPr sz="1400" b="0" i="0" u="none" strike="noStrike" cap="none">
+                <a:solidFill>
+                  <a:schemeClr val="lt1"/>
+                </a:solidFill>
+                <a:latin typeface="Exo 2"/>
+                <a:ea typeface="Exo 2"/>
+                <a:cs typeface="Exo 2"/>
+                <a:sym typeface="Exo 2"/>
+              </a:defRPr>
+            </a:lvl6pPr>
+            <a:lvl7pPr marL="3200400" marR="0" lvl="6" indent="-317500" algn="l" rtl="0">
+              <a:lnSpc>
+                <a:spcPct val="100000"/>
+              </a:lnSpc>
+              <a:spcBef>
+                <a:spcPts val="0"/>
+              </a:spcBef>
+              <a:spcAft>
+                <a:spcPts val="0"/>
+              </a:spcAft>
+              <a:buClr>
+                <a:schemeClr val="lt1"/>
+              </a:buClr>
+              <a:buSzPts val="1400"/>
+              <a:buFont typeface="Exo 2"/>
+              <a:buChar char="●"/>
+              <a:defRPr sz="1400" b="0" i="0" u="none" strike="noStrike" cap="none">
+                <a:solidFill>
+                  <a:schemeClr val="lt1"/>
+                </a:solidFill>
+                <a:latin typeface="Exo 2"/>
+                <a:ea typeface="Exo 2"/>
+                <a:cs typeface="Exo 2"/>
+                <a:sym typeface="Exo 2"/>
+              </a:defRPr>
+            </a:lvl7pPr>
+            <a:lvl8pPr marL="3657600" marR="0" lvl="7" indent="-317500" algn="l" rtl="0">
+              <a:lnSpc>
+                <a:spcPct val="100000"/>
+              </a:lnSpc>
+              <a:spcBef>
+                <a:spcPts val="0"/>
+              </a:spcBef>
+              <a:spcAft>
+                <a:spcPts val="0"/>
+              </a:spcAft>
+              <a:buClr>
+                <a:schemeClr val="lt1"/>
+              </a:buClr>
+              <a:buSzPts val="1400"/>
+              <a:buFont typeface="Exo 2"/>
+              <a:buChar char="○"/>
+              <a:defRPr sz="1400" b="0" i="0" u="none" strike="noStrike" cap="none">
+                <a:solidFill>
+                  <a:schemeClr val="lt1"/>
+                </a:solidFill>
+                <a:latin typeface="Exo 2"/>
+                <a:ea typeface="Exo 2"/>
+                <a:cs typeface="Exo 2"/>
+                <a:sym typeface="Exo 2"/>
+              </a:defRPr>
+            </a:lvl8pPr>
+            <a:lvl9pPr marL="4114800" marR="0" lvl="8" indent="-317500" algn="l" rtl="0">
+              <a:lnSpc>
+                <a:spcPct val="100000"/>
+              </a:lnSpc>
+              <a:spcBef>
+                <a:spcPts val="0"/>
+              </a:spcBef>
+              <a:spcAft>
+                <a:spcPts val="0"/>
+              </a:spcAft>
+              <a:buClr>
+                <a:schemeClr val="lt1"/>
+              </a:buClr>
+              <a:buSzPts val="1400"/>
+              <a:buFont typeface="Exo 2"/>
+              <a:buChar char="■"/>
+              <a:defRPr sz="1400" b="0" i="0" u="none" strike="noStrike" cap="none">
+                <a:solidFill>
+                  <a:schemeClr val="lt1"/>
+                </a:solidFill>
+                <a:latin typeface="Exo 2"/>
+                <a:ea typeface="Exo 2"/>
+                <a:cs typeface="Exo 2"/>
+                <a:sym typeface="Exo 2"/>
+              </a:defRPr>
+            </a:lvl9pPr>
+          </a:lstStyle>
+          <a:p>
+            <a:pPr marL="0" indent="0">
+              <a:buFont typeface="Exo 2"/>
+              <a:buNone/>
+            </a:pPr>
+            <a:r>
+              <a:rPr lang="en-US" sz="2200" dirty="0">
+                <a:solidFill>
+                  <a:schemeClr val="accent1"/>
+                </a:solidFill>
+              </a:rPr>
+              <a:t>Energia </a:t>
+            </a:r>
+          </a:p>
+        </p:txBody>
+      </p:sp>
+      <p:sp>
+        <p:nvSpPr>
+          <p:cNvPr id="6" name="TextBox 5">
+            <a:extLst>
+              <a:ext uri="{FF2B5EF4-FFF2-40B4-BE49-F238E27FC236}">
+                <a16:creationId xmlns:a16="http://schemas.microsoft.com/office/drawing/2014/main" id="{ABE11657-F165-29C3-4E62-B22D41B5DFA4}"/>
+              </a:ext>
+            </a:extLst>
+          </p:cNvPr>
+          <p:cNvSpPr txBox="1"/>
+          <p:nvPr/>
+        </p:nvSpPr>
+        <p:spPr>
+          <a:xfrm>
+            <a:off x="1286539" y="2942233"/>
+            <a:ext cx="4572000" cy="523220"/>
+          </a:xfrm>
+          <a:prstGeom prst="rect">
+            <a:avLst/>
+          </a:prstGeom>
+          <a:noFill/>
+        </p:spPr>
+        <p:txBody>
+          <a:bodyPr wrap="square">
+            <a:spAutoFit/>
+          </a:bodyPr>
+          <a:lstStyle/>
+          <a:p>
+            <a:pPr marL="0" lvl="0" indent="0">
+              <a:buNone/>
+            </a:pPr>
+            <a:r>
+              <a:rPr lang="en-US" dirty="0">
+                <a:solidFill>
+                  <a:schemeClr val="accent3"/>
+                </a:solidFill>
+              </a:rPr>
+              <a:t>UPS :  </a:t>
+            </a:r>
+            <a:r>
+              <a:rPr lang="en-US" dirty="0" err="1">
+                <a:solidFill>
+                  <a:schemeClr val="accent3"/>
+                </a:solidFill>
+              </a:rPr>
+              <a:t>duración</a:t>
+            </a:r>
+            <a:r>
+              <a:rPr lang="en-US" dirty="0">
+                <a:solidFill>
+                  <a:schemeClr val="accent3"/>
+                </a:solidFill>
+              </a:rPr>
+              <a:t> 3 horas (100%)</a:t>
+            </a:r>
+          </a:p>
+          <a:p>
+            <a:pPr marL="0" lvl="0" indent="0">
+              <a:buNone/>
+            </a:pPr>
+            <a:r>
+              <a:rPr lang="en-US" dirty="0" err="1">
+                <a:solidFill>
+                  <a:schemeClr val="accent3"/>
+                </a:solidFill>
+              </a:rPr>
+              <a:t>Generador</a:t>
+            </a:r>
+            <a:r>
+              <a:rPr lang="en-US" dirty="0">
+                <a:solidFill>
+                  <a:schemeClr val="accent3"/>
+                </a:solidFill>
+              </a:rPr>
+              <a:t> </a:t>
+            </a:r>
+            <a:r>
+              <a:rPr lang="en-US" dirty="0" err="1">
+                <a:solidFill>
+                  <a:schemeClr val="accent3"/>
+                </a:solidFill>
+              </a:rPr>
+              <a:t>elecrtico</a:t>
+            </a:r>
+            <a:r>
+              <a:rPr lang="en-US" dirty="0">
+                <a:solidFill>
+                  <a:schemeClr val="accent3"/>
+                </a:solidFill>
+              </a:rPr>
+              <a:t> : </a:t>
+            </a:r>
+            <a:r>
+              <a:rPr lang="en-US" dirty="0" err="1">
+                <a:solidFill>
+                  <a:schemeClr val="accent3"/>
+                </a:solidFill>
+              </a:rPr>
+              <a:t>duración</a:t>
+            </a:r>
+            <a:r>
+              <a:rPr lang="en-US" dirty="0">
+                <a:solidFill>
+                  <a:schemeClr val="accent3"/>
+                </a:solidFill>
+              </a:rPr>
+              <a:t> 24 horas (100%)</a:t>
+            </a:r>
+          </a:p>
+        </p:txBody>
+      </p:sp>
+      <p:sp>
+        <p:nvSpPr>
+          <p:cNvPr id="8" name="TextBox 7">
+            <a:extLst>
+              <a:ext uri="{FF2B5EF4-FFF2-40B4-BE49-F238E27FC236}">
+                <a16:creationId xmlns:a16="http://schemas.microsoft.com/office/drawing/2014/main" id="{27E14E6C-E98B-59AC-28BE-7C1BEFFF8C9D}"/>
+              </a:ext>
+            </a:extLst>
+          </p:cNvPr>
+          <p:cNvSpPr txBox="1"/>
+          <p:nvPr/>
+        </p:nvSpPr>
+        <p:spPr>
+          <a:xfrm>
+            <a:off x="1286538" y="4096956"/>
+            <a:ext cx="6517759" cy="307777"/>
+          </a:xfrm>
+          <a:prstGeom prst="rect">
+            <a:avLst/>
+          </a:prstGeom>
+          <a:noFill/>
+        </p:spPr>
+        <p:txBody>
+          <a:bodyPr wrap="square">
+            <a:spAutoFit/>
+          </a:bodyPr>
+          <a:lstStyle/>
+          <a:p>
+            <a:pPr marL="0" lvl="0" indent="0">
+              <a:buNone/>
+            </a:pPr>
+            <a:r>
+              <a:rPr lang="en-US" dirty="0">
+                <a:solidFill>
+                  <a:schemeClr val="accent3"/>
+                </a:solidFill>
+              </a:rPr>
+              <a:t>Dos </a:t>
+            </a:r>
+            <a:r>
+              <a:rPr lang="en-US" dirty="0" err="1">
+                <a:solidFill>
+                  <a:schemeClr val="accent3"/>
+                </a:solidFill>
+              </a:rPr>
+              <a:t>unidades</a:t>
+            </a:r>
+            <a:r>
+              <a:rPr lang="en-US" dirty="0">
+                <a:solidFill>
+                  <a:schemeClr val="accent3"/>
+                </a:solidFill>
+              </a:rPr>
+              <a:t>, </a:t>
+            </a:r>
+            <a:r>
+              <a:rPr lang="en-US" dirty="0" err="1">
+                <a:solidFill>
+                  <a:schemeClr val="accent3"/>
+                </a:solidFill>
+              </a:rPr>
+              <a:t>una</a:t>
+            </a:r>
+            <a:r>
+              <a:rPr lang="en-US" dirty="0">
+                <a:solidFill>
+                  <a:schemeClr val="accent3"/>
+                </a:solidFill>
+              </a:rPr>
+              <a:t> sola </a:t>
+            </a:r>
+            <a:r>
+              <a:rPr lang="en-US" dirty="0" err="1">
+                <a:solidFill>
+                  <a:schemeClr val="accent3"/>
+                </a:solidFill>
+              </a:rPr>
+              <a:t>unidad</a:t>
+            </a:r>
+            <a:r>
+              <a:rPr lang="en-US" dirty="0">
+                <a:solidFill>
+                  <a:schemeClr val="accent3"/>
+                </a:solidFill>
+              </a:rPr>
+              <a:t> </a:t>
+            </a:r>
+            <a:r>
+              <a:rPr lang="en-US" dirty="0" err="1">
+                <a:solidFill>
+                  <a:schemeClr val="accent3"/>
+                </a:solidFill>
+              </a:rPr>
+              <a:t>conectada</a:t>
+            </a:r>
+            <a:r>
+              <a:rPr lang="en-US" dirty="0">
+                <a:solidFill>
+                  <a:schemeClr val="accent3"/>
+                </a:solidFill>
+              </a:rPr>
+              <a:t> a la </a:t>
+            </a:r>
+            <a:r>
+              <a:rPr lang="en-US" dirty="0" err="1">
+                <a:solidFill>
+                  <a:schemeClr val="accent3"/>
+                </a:solidFill>
+              </a:rPr>
+              <a:t>línea</a:t>
+            </a:r>
+            <a:r>
+              <a:rPr lang="en-US" dirty="0">
+                <a:solidFill>
+                  <a:schemeClr val="accent3"/>
+                </a:solidFill>
+              </a:rPr>
+              <a:t> del </a:t>
+            </a:r>
+            <a:r>
+              <a:rPr lang="en-US" dirty="0" err="1">
+                <a:solidFill>
+                  <a:schemeClr val="accent3"/>
+                </a:solidFill>
+              </a:rPr>
+              <a:t>generador</a:t>
+            </a:r>
+            <a:r>
+              <a:rPr lang="en-US" dirty="0">
+                <a:solidFill>
+                  <a:schemeClr val="accent3"/>
+                </a:solidFill>
+              </a:rPr>
+              <a:t> </a:t>
+            </a:r>
+            <a:r>
+              <a:rPr lang="en-US" dirty="0" err="1">
+                <a:solidFill>
+                  <a:schemeClr val="accent3"/>
+                </a:solidFill>
+              </a:rPr>
+              <a:t>eléctrico</a:t>
+            </a:r>
+            <a:endParaRPr lang="en-US" dirty="0">
+              <a:solidFill>
+                <a:schemeClr val="accent3"/>
+              </a:solidFill>
+            </a:endParaRPr>
+          </a:p>
+        </p:txBody>
+      </p:sp>
+    </p:spTree>
+  </p:cSld>
+  <p:clrMapOvr>
+    <a:masterClrMapping/>
+  </p:clrMapOvr>
+</p:sld>
+</file>
+
+<file path=ppt/slides/slide13.xml><?xml version="1.0" encoding="utf-8"?>
+<p:sld xmlns:a="http://schemas.openxmlformats.org/drawingml/2006/main" xmlns:r="http://schemas.openxmlformats.org/officeDocument/2006/relationships" xmlns:p="http://schemas.openxmlformats.org/presentationml/2006/main">
+  <p:cSld>
+    <p:spTree>
+      <p:nvGrpSpPr>
+        <p:cNvPr id="1" name="Shape 261"/>
+        <p:cNvGrpSpPr/>
+        <p:nvPr/>
+      </p:nvGrpSpPr>
+      <p:grpSpPr>
+        <a:xfrm>
+          <a:off x="0" y="0"/>
+          <a:ext cx="0" cy="0"/>
+          <a:chOff x="0" y="0"/>
+          <a:chExt cx="0" cy="0"/>
+        </a:xfrm>
+      </p:grpSpPr>
+      <p:sp>
+        <p:nvSpPr>
+          <p:cNvPr id="262" name="Google Shape;262;p40"/>
+          <p:cNvSpPr txBox="1">
+            <a:spLocks noGrp="1"/>
+          </p:cNvSpPr>
+          <p:nvPr>
+            <p:ph type="subTitle" idx="1"/>
+          </p:nvPr>
+        </p:nvSpPr>
+        <p:spPr>
+          <a:xfrm>
+            <a:off x="1468550" y="2450768"/>
+            <a:ext cx="6493800" cy="669000"/>
+          </a:xfrm>
+          <a:prstGeom prst="rect">
+            <a:avLst/>
+          </a:prstGeom>
+        </p:spPr>
+        <p:txBody>
+          <a:bodyPr spcFirstLastPara="1" wrap="square" lIns="91425" tIns="91425" rIns="91425" bIns="91425" anchor="ctr" anchorCtr="0">
+            <a:noAutofit/>
+          </a:bodyPr>
+          <a:lstStyle/>
+          <a:p>
+            <a:pPr marL="0" lvl="0" indent="0" algn="l" rtl="0">
+              <a:spcBef>
+                <a:spcPts val="0"/>
+              </a:spcBef>
+              <a:spcAft>
+                <a:spcPts val="0"/>
+              </a:spcAft>
+              <a:buNone/>
+            </a:pPr>
+            <a:r>
+              <a:rPr lang="en" dirty="0"/>
+              <a:t>Comportamiento de infraestructura</a:t>
+            </a:r>
+            <a:endParaRPr dirty="0"/>
+          </a:p>
+        </p:txBody>
+      </p:sp>
+      <p:sp>
+        <p:nvSpPr>
+          <p:cNvPr id="263" name="Google Shape;263;p40"/>
+          <p:cNvSpPr/>
+          <p:nvPr/>
+        </p:nvSpPr>
+        <p:spPr>
+          <a:xfrm rot="5400000">
+            <a:off x="1060635" y="1430206"/>
+            <a:ext cx="507900" cy="274800"/>
+          </a:xfrm>
+          <a:prstGeom prst="triangle">
+            <a:avLst>
+              <a:gd name="adj" fmla="val 50000"/>
+            </a:avLst>
+          </a:prstGeom>
+          <a:solidFill>
+            <a:schemeClr val="accent1"/>
+          </a:solidFill>
+          <a:ln>
+            <a:noFill/>
+          </a:ln>
+        </p:spPr>
+        <p:txBody>
+          <a:bodyPr spcFirstLastPara="1" wrap="square" lIns="91425" tIns="91425" rIns="91425" bIns="91425" anchor="ctr" anchorCtr="0">
+            <a:noAutofit/>
+          </a:bodyPr>
+          <a:lstStyle/>
+          <a:p>
+            <a:pPr marL="0" lvl="0" indent="0" algn="l" rtl="0">
+              <a:spcBef>
+                <a:spcPts val="0"/>
+              </a:spcBef>
+              <a:spcAft>
+                <a:spcPts val="0"/>
+              </a:spcAft>
+              <a:buNone/>
+            </a:pPr>
+            <a:endParaRPr/>
+          </a:p>
+        </p:txBody>
+      </p:sp>
+      <p:sp>
+        <p:nvSpPr>
+          <p:cNvPr id="264" name="Google Shape;264;p40"/>
+          <p:cNvSpPr txBox="1">
+            <a:spLocks noGrp="1"/>
+          </p:cNvSpPr>
+          <p:nvPr>
+            <p:ph type="subTitle" idx="2"/>
+          </p:nvPr>
+        </p:nvSpPr>
+        <p:spPr>
+          <a:xfrm>
+            <a:off x="1468552" y="3423593"/>
+            <a:ext cx="4641600" cy="507900"/>
+          </a:xfrm>
+          <a:prstGeom prst="rect">
+            <a:avLst/>
+          </a:prstGeom>
+        </p:spPr>
+        <p:txBody>
+          <a:bodyPr spcFirstLastPara="1" wrap="square" lIns="91425" tIns="91425" rIns="91425" bIns="91425" anchor="t" anchorCtr="0">
+            <a:noAutofit/>
+          </a:bodyPr>
+          <a:lstStyle/>
+          <a:p>
+            <a:pPr marL="0" lvl="0" indent="0" algn="l" rtl="0">
+              <a:spcBef>
+                <a:spcPts val="0"/>
+              </a:spcBef>
+              <a:spcAft>
+                <a:spcPts val="0"/>
+              </a:spcAft>
+              <a:buNone/>
+            </a:pPr>
+            <a:r>
+              <a:rPr lang="en-US" sz="1400" dirty="0" err="1"/>
+              <a:t>Funcionabilidades</a:t>
+            </a:r>
+            <a:r>
+              <a:rPr lang="en-US" sz="1400" dirty="0"/>
+              <a:t> y </a:t>
+            </a:r>
+            <a:r>
+              <a:rPr lang="en-US" sz="1400" dirty="0" err="1"/>
+              <a:t>visualizacion</a:t>
+            </a:r>
+            <a:endParaRPr sz="1400" dirty="0"/>
+          </a:p>
+          <a:p>
+            <a:pPr marL="0" lvl="0" indent="0" algn="l" rtl="0">
+              <a:spcBef>
+                <a:spcPts val="0"/>
+              </a:spcBef>
+              <a:spcAft>
+                <a:spcPts val="0"/>
+              </a:spcAft>
+              <a:buNone/>
+            </a:pPr>
+            <a:endParaRPr dirty="0"/>
+          </a:p>
+        </p:txBody>
+      </p:sp>
+      <p:sp>
+        <p:nvSpPr>
+          <p:cNvPr id="265" name="Google Shape;265;p40"/>
+          <p:cNvSpPr txBox="1">
+            <a:spLocks noGrp="1"/>
+          </p:cNvSpPr>
+          <p:nvPr>
+            <p:ph type="title"/>
+          </p:nvPr>
+        </p:nvSpPr>
+        <p:spPr>
+          <a:xfrm>
+            <a:off x="1468552" y="854497"/>
+            <a:ext cx="2155500" cy="1426200"/>
+          </a:xfrm>
+          <a:prstGeom prst="rect">
+            <a:avLst/>
+          </a:prstGeom>
+        </p:spPr>
+        <p:txBody>
+          <a:bodyPr spcFirstLastPara="1" wrap="square" lIns="91425" tIns="91425" rIns="91425" bIns="91425" anchor="ctr" anchorCtr="0">
+            <a:noAutofit/>
+          </a:bodyPr>
+          <a:lstStyle/>
+          <a:p>
+            <a:pPr marL="0" lvl="0" indent="0" algn="l" rtl="0">
+              <a:spcBef>
+                <a:spcPts val="0"/>
+              </a:spcBef>
+              <a:spcAft>
+                <a:spcPts val="0"/>
+              </a:spcAft>
+              <a:buNone/>
+            </a:pPr>
+            <a:r>
+              <a:rPr lang="en" dirty="0"/>
+              <a:t>04.</a:t>
+            </a:r>
+            <a:endParaRPr dirty="0"/>
+          </a:p>
+        </p:txBody>
+      </p:sp>
+    </p:spTree>
+  </p:cSld>
+  <p:clrMapOvr>
+    <a:masterClrMapping/>
+  </p:clrMapOvr>
+</p:sld>
+</file>
+
+<file path=ppt/slides/slide14.xml><?xml version="1.0" encoding="utf-8"?>
+<p:sld xmlns:a="http://schemas.openxmlformats.org/drawingml/2006/main" xmlns:r="http://schemas.openxmlformats.org/officeDocument/2006/relationships" xmlns:p="http://schemas.openxmlformats.org/presentationml/2006/main">
+  <p:cSld>
+    <p:spTree>
+      <p:nvGrpSpPr>
         <p:cNvPr id="1" name="Shape 303"/>
         <p:cNvGrpSpPr/>
         <p:nvPr/>
@@ -19544,7 +21963,7 @@
 </p:sld>
 </file>
 
-<file path=ppt/slides/slide11.xml><?xml version="1.0" encoding="utf-8"?>
+<file path=ppt/slides/slide15.xml><?xml version="1.0" encoding="utf-8"?>
 <p:sld xmlns:a="http://schemas.openxmlformats.org/drawingml/2006/main" xmlns:r="http://schemas.openxmlformats.org/officeDocument/2006/relationships" xmlns:p="http://schemas.openxmlformats.org/presentationml/2006/main">
   <p:cSld>
     <p:spTree>
@@ -19701,7 +22120,7 @@
 </p:sld>
 </file>
 
-<file path=ppt/slides/slide12.xml><?xml version="1.0" encoding="utf-8"?>
+<file path=ppt/slides/slide16.xml><?xml version="1.0" encoding="utf-8"?>
 <p:sld xmlns:a="http://schemas.openxmlformats.org/drawingml/2006/main" xmlns:r="http://schemas.openxmlformats.org/officeDocument/2006/relationships" xmlns:p="http://schemas.openxmlformats.org/presentationml/2006/main">
   <p:cSld>
     <p:spTree>
@@ -20469,7 +22888,7 @@
 </p:sld>
 </file>
 
-<file path=ppt/slides/slide13.xml><?xml version="1.0" encoding="utf-8"?>
+<file path=ppt/slides/slide17.xml><?xml version="1.0" encoding="utf-8"?>
 <p:sld xmlns:a="http://schemas.openxmlformats.org/drawingml/2006/main" xmlns:r="http://schemas.openxmlformats.org/officeDocument/2006/relationships" xmlns:p="http://schemas.openxmlformats.org/presentationml/2006/main">
   <p:cSld>
     <p:spTree>
@@ -20895,7 +23314,7 @@
 </p:sld>
 </file>
 
-<file path=ppt/slides/slide14.xml><?xml version="1.0" encoding="utf-8"?>
+<file path=ppt/slides/slide18.xml><?xml version="1.0" encoding="utf-8"?>
 <p:sld xmlns:a="http://schemas.openxmlformats.org/drawingml/2006/main" xmlns:r="http://schemas.openxmlformats.org/officeDocument/2006/relationships" xmlns:p="http://schemas.openxmlformats.org/presentationml/2006/main">
   <p:cSld>
     <p:spTree>
@@ -21356,7 +23775,7 @@
 </p:sld>
 </file>
 
-<file path=ppt/slides/slide15.xml><?xml version="1.0" encoding="utf-8"?>
+<file path=ppt/slides/slide19.xml><?xml version="1.0" encoding="utf-8"?>
 <p:sld xmlns:a="http://schemas.openxmlformats.org/drawingml/2006/main" xmlns:r="http://schemas.openxmlformats.org/officeDocument/2006/relationships" xmlns:p="http://schemas.openxmlformats.org/presentationml/2006/main">
   <p:cSld>
     <p:spTree>
@@ -21500,7 +23919,742 @@
 </p:sld>
 </file>
 
-<file path=ppt/slides/slide16.xml><?xml version="1.0" encoding="utf-8"?>
+<file path=ppt/slides/slide2.xml><?xml version="1.0" encoding="utf-8"?>
+<p:sld xmlns:a="http://schemas.openxmlformats.org/drawingml/2006/main" xmlns:r="http://schemas.openxmlformats.org/officeDocument/2006/relationships" xmlns:p="http://schemas.openxmlformats.org/presentationml/2006/main">
+  <p:cSld>
+    <p:spTree>
+      <p:nvGrpSpPr>
+        <p:cNvPr id="1" name="Shape 140"/>
+        <p:cNvGrpSpPr/>
+        <p:nvPr/>
+      </p:nvGrpSpPr>
+      <p:grpSpPr>
+        <a:xfrm>
+          <a:off x="0" y="0"/>
+          <a:ext cx="0" cy="0"/>
+          <a:chOff x="0" y="0"/>
+          <a:chExt cx="0" cy="0"/>
+        </a:xfrm>
+      </p:grpSpPr>
+      <p:sp>
+        <p:nvSpPr>
+          <p:cNvPr id="141" name="Google Shape;141;p30"/>
+          <p:cNvSpPr txBox="1">
+            <a:spLocks noGrp="1"/>
+          </p:cNvSpPr>
+          <p:nvPr>
+            <p:ph type="subTitle" idx="1"/>
+          </p:nvPr>
+        </p:nvSpPr>
+        <p:spPr>
+          <a:xfrm>
+            <a:off x="869228" y="2002711"/>
+            <a:ext cx="2224800" cy="363900"/>
+          </a:xfrm>
+          <a:prstGeom prst="rect">
+            <a:avLst/>
+          </a:prstGeom>
+        </p:spPr>
+        <p:txBody>
+          <a:bodyPr spcFirstLastPara="1" wrap="square" lIns="91425" tIns="91425" rIns="91425" bIns="91425" anchor="ctr" anchorCtr="0">
+            <a:noAutofit/>
+          </a:bodyPr>
+          <a:lstStyle/>
+          <a:p>
+            <a:pPr marL="0" lvl="0" indent="0" algn="l" rtl="0">
+              <a:spcBef>
+                <a:spcPts val="0"/>
+              </a:spcBef>
+              <a:spcAft>
+                <a:spcPts val="0"/>
+              </a:spcAft>
+              <a:buNone/>
+            </a:pPr>
+            <a:r>
+              <a:rPr lang="en" dirty="0"/>
+              <a:t>Introducción</a:t>
+            </a:r>
+            <a:endParaRPr dirty="0"/>
+          </a:p>
+        </p:txBody>
+      </p:sp>
+      <p:sp>
+        <p:nvSpPr>
+          <p:cNvPr id="143" name="Google Shape;143;p30"/>
+          <p:cNvSpPr txBox="1">
+            <a:spLocks noGrp="1"/>
+          </p:cNvSpPr>
+          <p:nvPr>
+            <p:ph type="subTitle" idx="1"/>
+          </p:nvPr>
+        </p:nvSpPr>
+        <p:spPr>
+          <a:xfrm>
+            <a:off x="869228" y="1526811"/>
+            <a:ext cx="977700" cy="552000"/>
+          </a:xfrm>
+          <a:prstGeom prst="rect">
+            <a:avLst/>
+          </a:prstGeom>
+        </p:spPr>
+        <p:txBody>
+          <a:bodyPr spcFirstLastPara="1" wrap="square" lIns="91425" tIns="91425" rIns="91425" bIns="91425" anchor="ctr" anchorCtr="0">
+            <a:noAutofit/>
+          </a:bodyPr>
+          <a:lstStyle/>
+          <a:p>
+            <a:pPr marL="0" lvl="0" indent="0" algn="l" rtl="0">
+              <a:spcBef>
+                <a:spcPts val="0"/>
+              </a:spcBef>
+              <a:spcAft>
+                <a:spcPts val="0"/>
+              </a:spcAft>
+              <a:buNone/>
+            </a:pPr>
+            <a:r>
+              <a:rPr lang="en" sz="3200">
+                <a:solidFill>
+                  <a:schemeClr val="accent3"/>
+                </a:solidFill>
+                <a:latin typeface="Exo 2"/>
+                <a:ea typeface="Exo 2"/>
+                <a:cs typeface="Exo 2"/>
+                <a:sym typeface="Exo 2"/>
+              </a:rPr>
+              <a:t>01</a:t>
+            </a:r>
+            <a:endParaRPr sz="3200">
+              <a:solidFill>
+                <a:schemeClr val="accent3"/>
+              </a:solidFill>
+              <a:latin typeface="Exo 2"/>
+              <a:ea typeface="Exo 2"/>
+              <a:cs typeface="Exo 2"/>
+              <a:sym typeface="Exo 2"/>
+            </a:endParaRPr>
+          </a:p>
+        </p:txBody>
+      </p:sp>
+      <p:sp>
+        <p:nvSpPr>
+          <p:cNvPr id="144" name="Google Shape;144;p30"/>
+          <p:cNvSpPr txBox="1">
+            <a:spLocks noGrp="1"/>
+          </p:cNvSpPr>
+          <p:nvPr>
+            <p:ph type="subTitle" idx="3"/>
+          </p:nvPr>
+        </p:nvSpPr>
+        <p:spPr>
+          <a:xfrm>
+            <a:off x="3541852" y="2002711"/>
+            <a:ext cx="2224800" cy="363900"/>
+          </a:xfrm>
+          <a:prstGeom prst="rect">
+            <a:avLst/>
+          </a:prstGeom>
+        </p:spPr>
+        <p:txBody>
+          <a:bodyPr spcFirstLastPara="1" wrap="square" lIns="91425" tIns="91425" rIns="91425" bIns="91425" anchor="ctr" anchorCtr="0">
+            <a:noAutofit/>
+          </a:bodyPr>
+          <a:lstStyle/>
+          <a:p>
+            <a:pPr marL="0" lvl="0" indent="0" algn="l" rtl="0">
+              <a:spcBef>
+                <a:spcPts val="0"/>
+              </a:spcBef>
+              <a:spcAft>
+                <a:spcPts val="0"/>
+              </a:spcAft>
+              <a:buNone/>
+            </a:pPr>
+            <a:r>
+              <a:rPr lang="en"/>
+              <a:t>Objetivo general</a:t>
+            </a:r>
+            <a:endParaRPr/>
+          </a:p>
+        </p:txBody>
+      </p:sp>
+      <p:sp>
+        <p:nvSpPr>
+          <p:cNvPr id="146" name="Google Shape;146;p30"/>
+          <p:cNvSpPr txBox="1">
+            <a:spLocks noGrp="1"/>
+          </p:cNvSpPr>
+          <p:nvPr>
+            <p:ph type="subTitle" idx="5"/>
+          </p:nvPr>
+        </p:nvSpPr>
+        <p:spPr>
+          <a:xfrm>
+            <a:off x="6210577" y="2002711"/>
+            <a:ext cx="2224800" cy="363900"/>
+          </a:xfrm>
+          <a:prstGeom prst="rect">
+            <a:avLst/>
+          </a:prstGeom>
+        </p:spPr>
+        <p:txBody>
+          <a:bodyPr spcFirstLastPara="1" wrap="square" lIns="91425" tIns="91425" rIns="91425" bIns="91425" anchor="ctr" anchorCtr="0">
+            <a:noAutofit/>
+          </a:bodyPr>
+          <a:lstStyle/>
+          <a:p>
+            <a:pPr marL="0" lvl="0" indent="0" algn="l" rtl="0">
+              <a:spcBef>
+                <a:spcPts val="0"/>
+              </a:spcBef>
+              <a:spcAft>
+                <a:spcPts val="0"/>
+              </a:spcAft>
+              <a:buNone/>
+            </a:pPr>
+            <a:r>
+              <a:rPr lang="en"/>
+              <a:t>Infraestructura</a:t>
+            </a:r>
+            <a:endParaRPr/>
+          </a:p>
+        </p:txBody>
+      </p:sp>
+      <p:sp>
+        <p:nvSpPr>
+          <p:cNvPr id="148" name="Google Shape;148;p30"/>
+          <p:cNvSpPr txBox="1">
+            <a:spLocks noGrp="1"/>
+          </p:cNvSpPr>
+          <p:nvPr>
+            <p:ph type="subTitle" idx="7"/>
+          </p:nvPr>
+        </p:nvSpPr>
+        <p:spPr>
+          <a:xfrm>
+            <a:off x="869228" y="3206467"/>
+            <a:ext cx="2224800" cy="363900"/>
+          </a:xfrm>
+          <a:prstGeom prst="rect">
+            <a:avLst/>
+          </a:prstGeom>
+        </p:spPr>
+        <p:txBody>
+          <a:bodyPr spcFirstLastPara="1" wrap="square" lIns="91425" tIns="91425" rIns="91425" bIns="91425" anchor="ctr" anchorCtr="0">
+            <a:noAutofit/>
+          </a:bodyPr>
+          <a:lstStyle/>
+          <a:p>
+            <a:pPr marL="0" lvl="0" indent="0" algn="l" rtl="0">
+              <a:spcBef>
+                <a:spcPts val="0"/>
+              </a:spcBef>
+              <a:spcAft>
+                <a:spcPts val="0"/>
+              </a:spcAft>
+              <a:buNone/>
+            </a:pPr>
+            <a:r>
+              <a:rPr lang="en-US" dirty="0" err="1"/>
+              <a:t>Comportamiento</a:t>
+            </a:r>
+            <a:endParaRPr dirty="0"/>
+          </a:p>
+        </p:txBody>
+      </p:sp>
+      <p:sp>
+        <p:nvSpPr>
+          <p:cNvPr id="150" name="Google Shape;150;p30"/>
+          <p:cNvSpPr txBox="1">
+            <a:spLocks noGrp="1"/>
+          </p:cNvSpPr>
+          <p:nvPr>
+            <p:ph type="subTitle" idx="9"/>
+          </p:nvPr>
+        </p:nvSpPr>
+        <p:spPr>
+          <a:xfrm>
+            <a:off x="3541852" y="3206467"/>
+            <a:ext cx="2224800" cy="363900"/>
+          </a:xfrm>
+          <a:prstGeom prst="rect">
+            <a:avLst/>
+          </a:prstGeom>
+        </p:spPr>
+        <p:txBody>
+          <a:bodyPr spcFirstLastPara="1" wrap="square" lIns="91425" tIns="91425" rIns="91425" bIns="91425" anchor="ctr" anchorCtr="0">
+            <a:noAutofit/>
+          </a:bodyPr>
+          <a:lstStyle/>
+          <a:p>
+            <a:pPr marL="0" lvl="0" indent="0" algn="l" rtl="0">
+              <a:spcBef>
+                <a:spcPts val="0"/>
+              </a:spcBef>
+              <a:spcAft>
+                <a:spcPts val="0"/>
+              </a:spcAft>
+              <a:buNone/>
+            </a:pPr>
+            <a:r>
+              <a:rPr lang="en" dirty="0"/>
+              <a:t>Conclusión </a:t>
+            </a:r>
+            <a:endParaRPr dirty="0"/>
+          </a:p>
+        </p:txBody>
+      </p:sp>
+      <p:sp>
+        <p:nvSpPr>
+          <p:cNvPr id="152" name="Google Shape;152;p30"/>
+          <p:cNvSpPr txBox="1">
+            <a:spLocks noGrp="1"/>
+          </p:cNvSpPr>
+          <p:nvPr>
+            <p:ph type="subTitle" idx="1"/>
+          </p:nvPr>
+        </p:nvSpPr>
+        <p:spPr>
+          <a:xfrm>
+            <a:off x="3541852" y="1526811"/>
+            <a:ext cx="977700" cy="552000"/>
+          </a:xfrm>
+          <a:prstGeom prst="rect">
+            <a:avLst/>
+          </a:prstGeom>
+        </p:spPr>
+        <p:txBody>
+          <a:bodyPr spcFirstLastPara="1" wrap="square" lIns="91425" tIns="91425" rIns="91425" bIns="91425" anchor="ctr" anchorCtr="0">
+            <a:noAutofit/>
+          </a:bodyPr>
+          <a:lstStyle/>
+          <a:p>
+            <a:pPr marL="0" lvl="0" indent="0" algn="l" rtl="0">
+              <a:spcBef>
+                <a:spcPts val="0"/>
+              </a:spcBef>
+              <a:spcAft>
+                <a:spcPts val="0"/>
+              </a:spcAft>
+              <a:buNone/>
+            </a:pPr>
+            <a:r>
+              <a:rPr lang="en" sz="3200">
+                <a:solidFill>
+                  <a:schemeClr val="accent3"/>
+                </a:solidFill>
+                <a:latin typeface="Exo 2"/>
+                <a:ea typeface="Exo 2"/>
+                <a:cs typeface="Exo 2"/>
+                <a:sym typeface="Exo 2"/>
+              </a:rPr>
+              <a:t>02</a:t>
+            </a:r>
+            <a:endParaRPr sz="3200">
+              <a:solidFill>
+                <a:schemeClr val="accent3"/>
+              </a:solidFill>
+              <a:latin typeface="Exo 2"/>
+              <a:ea typeface="Exo 2"/>
+              <a:cs typeface="Exo 2"/>
+              <a:sym typeface="Exo 2"/>
+            </a:endParaRPr>
+          </a:p>
+        </p:txBody>
+      </p:sp>
+      <p:sp>
+        <p:nvSpPr>
+          <p:cNvPr id="153" name="Google Shape;153;p30"/>
+          <p:cNvSpPr txBox="1">
+            <a:spLocks noGrp="1"/>
+          </p:cNvSpPr>
+          <p:nvPr>
+            <p:ph type="subTitle" idx="1"/>
+          </p:nvPr>
+        </p:nvSpPr>
+        <p:spPr>
+          <a:xfrm>
+            <a:off x="6204428" y="1526811"/>
+            <a:ext cx="977700" cy="552000"/>
+          </a:xfrm>
+          <a:prstGeom prst="rect">
+            <a:avLst/>
+          </a:prstGeom>
+        </p:spPr>
+        <p:txBody>
+          <a:bodyPr spcFirstLastPara="1" wrap="square" lIns="91425" tIns="91425" rIns="91425" bIns="91425" anchor="ctr" anchorCtr="0">
+            <a:noAutofit/>
+          </a:bodyPr>
+          <a:lstStyle/>
+          <a:p>
+            <a:pPr marL="0" lvl="0" indent="0" algn="l" rtl="0">
+              <a:spcBef>
+                <a:spcPts val="0"/>
+              </a:spcBef>
+              <a:spcAft>
+                <a:spcPts val="0"/>
+              </a:spcAft>
+              <a:buNone/>
+            </a:pPr>
+            <a:r>
+              <a:rPr lang="en" sz="3200">
+                <a:solidFill>
+                  <a:schemeClr val="accent3"/>
+                </a:solidFill>
+                <a:latin typeface="Exo 2"/>
+                <a:ea typeface="Exo 2"/>
+                <a:cs typeface="Exo 2"/>
+                <a:sym typeface="Exo 2"/>
+              </a:rPr>
+              <a:t>03</a:t>
+            </a:r>
+            <a:endParaRPr sz="3200">
+              <a:solidFill>
+                <a:schemeClr val="accent3"/>
+              </a:solidFill>
+              <a:latin typeface="Exo 2"/>
+              <a:ea typeface="Exo 2"/>
+              <a:cs typeface="Exo 2"/>
+              <a:sym typeface="Exo 2"/>
+            </a:endParaRPr>
+          </a:p>
+        </p:txBody>
+      </p:sp>
+      <p:sp>
+        <p:nvSpPr>
+          <p:cNvPr id="154" name="Google Shape;154;p30"/>
+          <p:cNvSpPr txBox="1">
+            <a:spLocks noGrp="1"/>
+          </p:cNvSpPr>
+          <p:nvPr>
+            <p:ph type="subTitle" idx="1"/>
+          </p:nvPr>
+        </p:nvSpPr>
+        <p:spPr>
+          <a:xfrm>
+            <a:off x="869228" y="2731374"/>
+            <a:ext cx="977700" cy="552000"/>
+          </a:xfrm>
+          <a:prstGeom prst="rect">
+            <a:avLst/>
+          </a:prstGeom>
+        </p:spPr>
+        <p:txBody>
+          <a:bodyPr spcFirstLastPara="1" wrap="square" lIns="91425" tIns="91425" rIns="91425" bIns="91425" anchor="ctr" anchorCtr="0">
+            <a:noAutofit/>
+          </a:bodyPr>
+          <a:lstStyle/>
+          <a:p>
+            <a:pPr marL="0" lvl="0" indent="0" algn="l" rtl="0">
+              <a:spcBef>
+                <a:spcPts val="0"/>
+              </a:spcBef>
+              <a:spcAft>
+                <a:spcPts val="0"/>
+              </a:spcAft>
+              <a:buNone/>
+            </a:pPr>
+            <a:r>
+              <a:rPr lang="en" sz="3200">
+                <a:solidFill>
+                  <a:schemeClr val="accent3"/>
+                </a:solidFill>
+                <a:latin typeface="Exo 2"/>
+                <a:ea typeface="Exo 2"/>
+                <a:cs typeface="Exo 2"/>
+                <a:sym typeface="Exo 2"/>
+              </a:rPr>
+              <a:t>04</a:t>
+            </a:r>
+            <a:endParaRPr sz="3200">
+              <a:solidFill>
+                <a:schemeClr val="accent3"/>
+              </a:solidFill>
+              <a:latin typeface="Exo 2"/>
+              <a:ea typeface="Exo 2"/>
+              <a:cs typeface="Exo 2"/>
+              <a:sym typeface="Exo 2"/>
+            </a:endParaRPr>
+          </a:p>
+        </p:txBody>
+      </p:sp>
+      <p:sp>
+        <p:nvSpPr>
+          <p:cNvPr id="155" name="Google Shape;155;p30"/>
+          <p:cNvSpPr txBox="1">
+            <a:spLocks noGrp="1"/>
+          </p:cNvSpPr>
+          <p:nvPr>
+            <p:ph type="subTitle" idx="1"/>
+          </p:nvPr>
+        </p:nvSpPr>
+        <p:spPr>
+          <a:xfrm>
+            <a:off x="3541852" y="2731374"/>
+            <a:ext cx="977700" cy="552000"/>
+          </a:xfrm>
+          <a:prstGeom prst="rect">
+            <a:avLst/>
+          </a:prstGeom>
+        </p:spPr>
+        <p:txBody>
+          <a:bodyPr spcFirstLastPara="1" wrap="square" lIns="91425" tIns="91425" rIns="91425" bIns="91425" anchor="ctr" anchorCtr="0">
+            <a:noAutofit/>
+          </a:bodyPr>
+          <a:lstStyle/>
+          <a:p>
+            <a:pPr marL="0" lvl="0" indent="0" algn="l" rtl="0">
+              <a:spcBef>
+                <a:spcPts val="0"/>
+              </a:spcBef>
+              <a:spcAft>
+                <a:spcPts val="0"/>
+              </a:spcAft>
+              <a:buNone/>
+            </a:pPr>
+            <a:r>
+              <a:rPr lang="en" sz="3200">
+                <a:solidFill>
+                  <a:schemeClr val="accent3"/>
+                </a:solidFill>
+                <a:latin typeface="Exo 2"/>
+                <a:ea typeface="Exo 2"/>
+                <a:cs typeface="Exo 2"/>
+                <a:sym typeface="Exo 2"/>
+              </a:rPr>
+              <a:t>05</a:t>
+            </a:r>
+            <a:endParaRPr sz="3200">
+              <a:solidFill>
+                <a:schemeClr val="accent3"/>
+              </a:solidFill>
+              <a:latin typeface="Exo 2"/>
+              <a:ea typeface="Exo 2"/>
+              <a:cs typeface="Exo 2"/>
+              <a:sym typeface="Exo 2"/>
+            </a:endParaRPr>
+          </a:p>
+        </p:txBody>
+      </p:sp>
+      <p:sp>
+        <p:nvSpPr>
+          <p:cNvPr id="156" name="Google Shape;156;p30"/>
+          <p:cNvSpPr/>
+          <p:nvPr/>
+        </p:nvSpPr>
+        <p:spPr>
+          <a:xfrm rot="5400000">
+            <a:off x="664394" y="1734542"/>
+            <a:ext cx="252600" cy="136500"/>
+          </a:xfrm>
+          <a:prstGeom prst="triangle">
+            <a:avLst>
+              <a:gd name="adj" fmla="val 50000"/>
+            </a:avLst>
+          </a:prstGeom>
+          <a:solidFill>
+            <a:schemeClr val="accent1"/>
+          </a:solidFill>
+          <a:ln>
+            <a:noFill/>
+          </a:ln>
+        </p:spPr>
+        <p:txBody>
+          <a:bodyPr spcFirstLastPara="1" wrap="square" lIns="91425" tIns="91425" rIns="91425" bIns="91425" anchor="ctr" anchorCtr="0">
+            <a:noAutofit/>
+          </a:bodyPr>
+          <a:lstStyle/>
+          <a:p>
+            <a:pPr marL="0" lvl="0" indent="0" algn="l" rtl="0">
+              <a:spcBef>
+                <a:spcPts val="0"/>
+              </a:spcBef>
+              <a:spcAft>
+                <a:spcPts val="0"/>
+              </a:spcAft>
+              <a:buNone/>
+            </a:pPr>
+            <a:endParaRPr/>
+          </a:p>
+        </p:txBody>
+      </p:sp>
+      <p:sp>
+        <p:nvSpPr>
+          <p:cNvPr id="157" name="Google Shape;157;p30"/>
+          <p:cNvSpPr/>
+          <p:nvPr/>
+        </p:nvSpPr>
+        <p:spPr>
+          <a:xfrm rot="5400000">
+            <a:off x="3338069" y="1734542"/>
+            <a:ext cx="252600" cy="136500"/>
+          </a:xfrm>
+          <a:prstGeom prst="triangle">
+            <a:avLst>
+              <a:gd name="adj" fmla="val 50000"/>
+            </a:avLst>
+          </a:prstGeom>
+          <a:solidFill>
+            <a:schemeClr val="accent1"/>
+          </a:solidFill>
+          <a:ln>
+            <a:noFill/>
+          </a:ln>
+        </p:spPr>
+        <p:txBody>
+          <a:bodyPr spcFirstLastPara="1" wrap="square" lIns="91425" tIns="91425" rIns="91425" bIns="91425" anchor="ctr" anchorCtr="0">
+            <a:noAutofit/>
+          </a:bodyPr>
+          <a:lstStyle/>
+          <a:p>
+            <a:pPr marL="0" lvl="0" indent="0" algn="l" rtl="0">
+              <a:spcBef>
+                <a:spcPts val="0"/>
+              </a:spcBef>
+              <a:spcAft>
+                <a:spcPts val="0"/>
+              </a:spcAft>
+              <a:buNone/>
+            </a:pPr>
+            <a:endParaRPr/>
+          </a:p>
+        </p:txBody>
+      </p:sp>
+      <p:sp>
+        <p:nvSpPr>
+          <p:cNvPr id="158" name="Google Shape;158;p30"/>
+          <p:cNvSpPr/>
+          <p:nvPr/>
+        </p:nvSpPr>
+        <p:spPr>
+          <a:xfrm rot="5400000">
+            <a:off x="5994504" y="1734542"/>
+            <a:ext cx="252600" cy="136500"/>
+          </a:xfrm>
+          <a:prstGeom prst="triangle">
+            <a:avLst>
+              <a:gd name="adj" fmla="val 50000"/>
+            </a:avLst>
+          </a:prstGeom>
+          <a:solidFill>
+            <a:schemeClr val="accent1"/>
+          </a:solidFill>
+          <a:ln>
+            <a:noFill/>
+          </a:ln>
+        </p:spPr>
+        <p:txBody>
+          <a:bodyPr spcFirstLastPara="1" wrap="square" lIns="91425" tIns="91425" rIns="91425" bIns="91425" anchor="ctr" anchorCtr="0">
+            <a:noAutofit/>
+          </a:bodyPr>
+          <a:lstStyle/>
+          <a:p>
+            <a:pPr marL="0" lvl="0" indent="0" algn="l" rtl="0">
+              <a:spcBef>
+                <a:spcPts val="0"/>
+              </a:spcBef>
+              <a:spcAft>
+                <a:spcPts val="0"/>
+              </a:spcAft>
+              <a:buNone/>
+            </a:pPr>
+            <a:endParaRPr/>
+          </a:p>
+        </p:txBody>
+      </p:sp>
+      <p:sp>
+        <p:nvSpPr>
+          <p:cNvPr id="159" name="Google Shape;159;p30"/>
+          <p:cNvSpPr/>
+          <p:nvPr/>
+        </p:nvSpPr>
+        <p:spPr>
+          <a:xfrm rot="5400000">
+            <a:off x="664394" y="2937998"/>
+            <a:ext cx="252600" cy="136500"/>
+          </a:xfrm>
+          <a:prstGeom prst="triangle">
+            <a:avLst>
+              <a:gd name="adj" fmla="val 50000"/>
+            </a:avLst>
+          </a:prstGeom>
+          <a:solidFill>
+            <a:schemeClr val="accent1"/>
+          </a:solidFill>
+          <a:ln>
+            <a:noFill/>
+          </a:ln>
+        </p:spPr>
+        <p:txBody>
+          <a:bodyPr spcFirstLastPara="1" wrap="square" lIns="91425" tIns="91425" rIns="91425" bIns="91425" anchor="ctr" anchorCtr="0">
+            <a:noAutofit/>
+          </a:bodyPr>
+          <a:lstStyle/>
+          <a:p>
+            <a:pPr marL="0" lvl="0" indent="0" algn="l" rtl="0">
+              <a:spcBef>
+                <a:spcPts val="0"/>
+              </a:spcBef>
+              <a:spcAft>
+                <a:spcPts val="0"/>
+              </a:spcAft>
+              <a:buNone/>
+            </a:pPr>
+            <a:endParaRPr/>
+          </a:p>
+        </p:txBody>
+      </p:sp>
+      <p:sp>
+        <p:nvSpPr>
+          <p:cNvPr id="160" name="Google Shape;160;p30"/>
+          <p:cNvSpPr/>
+          <p:nvPr/>
+        </p:nvSpPr>
+        <p:spPr>
+          <a:xfrm rot="5400000">
+            <a:off x="3338069" y="2937998"/>
+            <a:ext cx="252600" cy="136500"/>
+          </a:xfrm>
+          <a:prstGeom prst="triangle">
+            <a:avLst>
+              <a:gd name="adj" fmla="val 50000"/>
+            </a:avLst>
+          </a:prstGeom>
+          <a:solidFill>
+            <a:schemeClr val="accent1"/>
+          </a:solidFill>
+          <a:ln>
+            <a:noFill/>
+          </a:ln>
+        </p:spPr>
+        <p:txBody>
+          <a:bodyPr spcFirstLastPara="1" wrap="square" lIns="91425" tIns="91425" rIns="91425" bIns="91425" anchor="ctr" anchorCtr="0">
+            <a:noAutofit/>
+          </a:bodyPr>
+          <a:lstStyle/>
+          <a:p>
+            <a:pPr marL="0" lvl="0" indent="0" algn="l" rtl="0">
+              <a:spcBef>
+                <a:spcPts val="0"/>
+              </a:spcBef>
+              <a:spcAft>
+                <a:spcPts val="0"/>
+              </a:spcAft>
+              <a:buNone/>
+            </a:pPr>
+            <a:endParaRPr/>
+          </a:p>
+        </p:txBody>
+      </p:sp>
+    </p:spTree>
+  </p:cSld>
+  <p:clrMapOvr>
+    <a:masterClrMapping/>
+  </p:clrMapOvr>
+</p:sld>
+</file>
+
+<file path=ppt/slides/slide20.xml><?xml version="1.0" encoding="utf-8"?>
 <p:sld xmlns:a="http://schemas.openxmlformats.org/drawingml/2006/main" xmlns:r="http://schemas.openxmlformats.org/officeDocument/2006/relationships" xmlns:p="http://schemas.openxmlformats.org/presentationml/2006/main">
   <p:cSld>
     <p:spTree>
@@ -21652,7 +24806,7 @@
 </p:sld>
 </file>
 
-<file path=ppt/slides/slide17.xml><?xml version="1.0" encoding="utf-8"?>
+<file path=ppt/slides/slide21.xml><?xml version="1.0" encoding="utf-8"?>
 <p:sld xmlns:a="http://schemas.openxmlformats.org/drawingml/2006/main" xmlns:r="http://schemas.openxmlformats.org/officeDocument/2006/relationships" xmlns:p="http://schemas.openxmlformats.org/presentationml/2006/main">
   <p:cSld>
     <p:spTree>
@@ -21865,7 +25019,7 @@
 </p:sld>
 </file>
 
-<file path=ppt/slides/slide18.xml><?xml version="1.0" encoding="utf-8"?>
+<file path=ppt/slides/slide22.xml><?xml version="1.0" encoding="utf-8"?>
 <p:sld xmlns:a="http://schemas.openxmlformats.org/drawingml/2006/main" xmlns:r="http://schemas.openxmlformats.org/officeDocument/2006/relationships" xmlns:p="http://schemas.openxmlformats.org/presentationml/2006/main">
   <p:cSld>
     <p:spTree>
@@ -25370,7 +28524,7 @@
 </p:sld>
 </file>
 
-<file path=ppt/slides/slide19.xml><?xml version="1.0" encoding="utf-8"?>
+<file path=ppt/slides/slide23.xml><?xml version="1.0" encoding="utf-8"?>
 <p:sld xmlns:a="http://schemas.openxmlformats.org/drawingml/2006/main" xmlns:r="http://schemas.openxmlformats.org/officeDocument/2006/relationships" xmlns:p="http://schemas.openxmlformats.org/presentationml/2006/main">
   <p:cSld>
     <p:spTree>
@@ -25681,742 +28835,7 @@
 </p:sld>
 </file>
 
-<file path=ppt/slides/slide2.xml><?xml version="1.0" encoding="utf-8"?>
-<p:sld xmlns:a="http://schemas.openxmlformats.org/drawingml/2006/main" xmlns:r="http://schemas.openxmlformats.org/officeDocument/2006/relationships" xmlns:p="http://schemas.openxmlformats.org/presentationml/2006/main">
-  <p:cSld>
-    <p:spTree>
-      <p:nvGrpSpPr>
-        <p:cNvPr id="1" name="Shape 140"/>
-        <p:cNvGrpSpPr/>
-        <p:nvPr/>
-      </p:nvGrpSpPr>
-      <p:grpSpPr>
-        <a:xfrm>
-          <a:off x="0" y="0"/>
-          <a:ext cx="0" cy="0"/>
-          <a:chOff x="0" y="0"/>
-          <a:chExt cx="0" cy="0"/>
-        </a:xfrm>
-      </p:grpSpPr>
-      <p:sp>
-        <p:nvSpPr>
-          <p:cNvPr id="141" name="Google Shape;141;p30"/>
-          <p:cNvSpPr txBox="1">
-            <a:spLocks noGrp="1"/>
-          </p:cNvSpPr>
-          <p:nvPr>
-            <p:ph type="subTitle" idx="1"/>
-          </p:nvPr>
-        </p:nvSpPr>
-        <p:spPr>
-          <a:xfrm>
-            <a:off x="869228" y="2002711"/>
-            <a:ext cx="2224800" cy="363900"/>
-          </a:xfrm>
-          <a:prstGeom prst="rect">
-            <a:avLst/>
-          </a:prstGeom>
-        </p:spPr>
-        <p:txBody>
-          <a:bodyPr spcFirstLastPara="1" wrap="square" lIns="91425" tIns="91425" rIns="91425" bIns="91425" anchor="ctr" anchorCtr="0">
-            <a:noAutofit/>
-          </a:bodyPr>
-          <a:lstStyle/>
-          <a:p>
-            <a:pPr marL="0" lvl="0" indent="0" algn="l" rtl="0">
-              <a:spcBef>
-                <a:spcPts val="0"/>
-              </a:spcBef>
-              <a:spcAft>
-                <a:spcPts val="0"/>
-              </a:spcAft>
-              <a:buNone/>
-            </a:pPr>
-            <a:r>
-              <a:rPr lang="en" dirty="0"/>
-              <a:t>Introducción</a:t>
-            </a:r>
-            <a:endParaRPr dirty="0"/>
-          </a:p>
-        </p:txBody>
-      </p:sp>
-      <p:sp>
-        <p:nvSpPr>
-          <p:cNvPr id="143" name="Google Shape;143;p30"/>
-          <p:cNvSpPr txBox="1">
-            <a:spLocks noGrp="1"/>
-          </p:cNvSpPr>
-          <p:nvPr>
-            <p:ph type="subTitle" idx="1"/>
-          </p:nvPr>
-        </p:nvSpPr>
-        <p:spPr>
-          <a:xfrm>
-            <a:off x="869228" y="1526811"/>
-            <a:ext cx="977700" cy="552000"/>
-          </a:xfrm>
-          <a:prstGeom prst="rect">
-            <a:avLst/>
-          </a:prstGeom>
-        </p:spPr>
-        <p:txBody>
-          <a:bodyPr spcFirstLastPara="1" wrap="square" lIns="91425" tIns="91425" rIns="91425" bIns="91425" anchor="ctr" anchorCtr="0">
-            <a:noAutofit/>
-          </a:bodyPr>
-          <a:lstStyle/>
-          <a:p>
-            <a:pPr marL="0" lvl="0" indent="0" algn="l" rtl="0">
-              <a:spcBef>
-                <a:spcPts val="0"/>
-              </a:spcBef>
-              <a:spcAft>
-                <a:spcPts val="0"/>
-              </a:spcAft>
-              <a:buNone/>
-            </a:pPr>
-            <a:r>
-              <a:rPr lang="en" sz="3200">
-                <a:solidFill>
-                  <a:schemeClr val="accent3"/>
-                </a:solidFill>
-                <a:latin typeface="Exo 2"/>
-                <a:ea typeface="Exo 2"/>
-                <a:cs typeface="Exo 2"/>
-                <a:sym typeface="Exo 2"/>
-              </a:rPr>
-              <a:t>01</a:t>
-            </a:r>
-            <a:endParaRPr sz="3200">
-              <a:solidFill>
-                <a:schemeClr val="accent3"/>
-              </a:solidFill>
-              <a:latin typeface="Exo 2"/>
-              <a:ea typeface="Exo 2"/>
-              <a:cs typeface="Exo 2"/>
-              <a:sym typeface="Exo 2"/>
-            </a:endParaRPr>
-          </a:p>
-        </p:txBody>
-      </p:sp>
-      <p:sp>
-        <p:nvSpPr>
-          <p:cNvPr id="144" name="Google Shape;144;p30"/>
-          <p:cNvSpPr txBox="1">
-            <a:spLocks noGrp="1"/>
-          </p:cNvSpPr>
-          <p:nvPr>
-            <p:ph type="subTitle" idx="3"/>
-          </p:nvPr>
-        </p:nvSpPr>
-        <p:spPr>
-          <a:xfrm>
-            <a:off x="3541852" y="2002711"/>
-            <a:ext cx="2224800" cy="363900"/>
-          </a:xfrm>
-          <a:prstGeom prst="rect">
-            <a:avLst/>
-          </a:prstGeom>
-        </p:spPr>
-        <p:txBody>
-          <a:bodyPr spcFirstLastPara="1" wrap="square" lIns="91425" tIns="91425" rIns="91425" bIns="91425" anchor="ctr" anchorCtr="0">
-            <a:noAutofit/>
-          </a:bodyPr>
-          <a:lstStyle/>
-          <a:p>
-            <a:pPr marL="0" lvl="0" indent="0" algn="l" rtl="0">
-              <a:spcBef>
-                <a:spcPts val="0"/>
-              </a:spcBef>
-              <a:spcAft>
-                <a:spcPts val="0"/>
-              </a:spcAft>
-              <a:buNone/>
-            </a:pPr>
-            <a:r>
-              <a:rPr lang="en"/>
-              <a:t>Objetivo general</a:t>
-            </a:r>
-            <a:endParaRPr/>
-          </a:p>
-        </p:txBody>
-      </p:sp>
-      <p:sp>
-        <p:nvSpPr>
-          <p:cNvPr id="146" name="Google Shape;146;p30"/>
-          <p:cNvSpPr txBox="1">
-            <a:spLocks noGrp="1"/>
-          </p:cNvSpPr>
-          <p:nvPr>
-            <p:ph type="subTitle" idx="5"/>
-          </p:nvPr>
-        </p:nvSpPr>
-        <p:spPr>
-          <a:xfrm>
-            <a:off x="6210577" y="2002711"/>
-            <a:ext cx="2224800" cy="363900"/>
-          </a:xfrm>
-          <a:prstGeom prst="rect">
-            <a:avLst/>
-          </a:prstGeom>
-        </p:spPr>
-        <p:txBody>
-          <a:bodyPr spcFirstLastPara="1" wrap="square" lIns="91425" tIns="91425" rIns="91425" bIns="91425" anchor="ctr" anchorCtr="0">
-            <a:noAutofit/>
-          </a:bodyPr>
-          <a:lstStyle/>
-          <a:p>
-            <a:pPr marL="0" lvl="0" indent="0" algn="l" rtl="0">
-              <a:spcBef>
-                <a:spcPts val="0"/>
-              </a:spcBef>
-              <a:spcAft>
-                <a:spcPts val="0"/>
-              </a:spcAft>
-              <a:buNone/>
-            </a:pPr>
-            <a:r>
-              <a:rPr lang="en"/>
-              <a:t>Infraestructura</a:t>
-            </a:r>
-            <a:endParaRPr/>
-          </a:p>
-        </p:txBody>
-      </p:sp>
-      <p:sp>
-        <p:nvSpPr>
-          <p:cNvPr id="148" name="Google Shape;148;p30"/>
-          <p:cNvSpPr txBox="1">
-            <a:spLocks noGrp="1"/>
-          </p:cNvSpPr>
-          <p:nvPr>
-            <p:ph type="subTitle" idx="7"/>
-          </p:nvPr>
-        </p:nvSpPr>
-        <p:spPr>
-          <a:xfrm>
-            <a:off x="869228" y="3206467"/>
-            <a:ext cx="2224800" cy="363900"/>
-          </a:xfrm>
-          <a:prstGeom prst="rect">
-            <a:avLst/>
-          </a:prstGeom>
-        </p:spPr>
-        <p:txBody>
-          <a:bodyPr spcFirstLastPara="1" wrap="square" lIns="91425" tIns="91425" rIns="91425" bIns="91425" anchor="ctr" anchorCtr="0">
-            <a:noAutofit/>
-          </a:bodyPr>
-          <a:lstStyle/>
-          <a:p>
-            <a:pPr marL="0" lvl="0" indent="0" algn="l" rtl="0">
-              <a:spcBef>
-                <a:spcPts val="0"/>
-              </a:spcBef>
-              <a:spcAft>
-                <a:spcPts val="0"/>
-              </a:spcAft>
-              <a:buNone/>
-            </a:pPr>
-            <a:r>
-              <a:rPr lang="en-US" dirty="0" err="1"/>
-              <a:t>Comportamiento</a:t>
-            </a:r>
-            <a:endParaRPr dirty="0"/>
-          </a:p>
-        </p:txBody>
-      </p:sp>
-      <p:sp>
-        <p:nvSpPr>
-          <p:cNvPr id="150" name="Google Shape;150;p30"/>
-          <p:cNvSpPr txBox="1">
-            <a:spLocks noGrp="1"/>
-          </p:cNvSpPr>
-          <p:nvPr>
-            <p:ph type="subTitle" idx="9"/>
-          </p:nvPr>
-        </p:nvSpPr>
-        <p:spPr>
-          <a:xfrm>
-            <a:off x="3541852" y="3206467"/>
-            <a:ext cx="2224800" cy="363900"/>
-          </a:xfrm>
-          <a:prstGeom prst="rect">
-            <a:avLst/>
-          </a:prstGeom>
-        </p:spPr>
-        <p:txBody>
-          <a:bodyPr spcFirstLastPara="1" wrap="square" lIns="91425" tIns="91425" rIns="91425" bIns="91425" anchor="ctr" anchorCtr="0">
-            <a:noAutofit/>
-          </a:bodyPr>
-          <a:lstStyle/>
-          <a:p>
-            <a:pPr marL="0" lvl="0" indent="0" algn="l" rtl="0">
-              <a:spcBef>
-                <a:spcPts val="0"/>
-              </a:spcBef>
-              <a:spcAft>
-                <a:spcPts val="0"/>
-              </a:spcAft>
-              <a:buNone/>
-            </a:pPr>
-            <a:r>
-              <a:rPr lang="en" dirty="0"/>
-              <a:t>Conclusión </a:t>
-            </a:r>
-            <a:endParaRPr dirty="0"/>
-          </a:p>
-        </p:txBody>
-      </p:sp>
-      <p:sp>
-        <p:nvSpPr>
-          <p:cNvPr id="152" name="Google Shape;152;p30"/>
-          <p:cNvSpPr txBox="1">
-            <a:spLocks noGrp="1"/>
-          </p:cNvSpPr>
-          <p:nvPr>
-            <p:ph type="subTitle" idx="1"/>
-          </p:nvPr>
-        </p:nvSpPr>
-        <p:spPr>
-          <a:xfrm>
-            <a:off x="3541852" y="1526811"/>
-            <a:ext cx="977700" cy="552000"/>
-          </a:xfrm>
-          <a:prstGeom prst="rect">
-            <a:avLst/>
-          </a:prstGeom>
-        </p:spPr>
-        <p:txBody>
-          <a:bodyPr spcFirstLastPara="1" wrap="square" lIns="91425" tIns="91425" rIns="91425" bIns="91425" anchor="ctr" anchorCtr="0">
-            <a:noAutofit/>
-          </a:bodyPr>
-          <a:lstStyle/>
-          <a:p>
-            <a:pPr marL="0" lvl="0" indent="0" algn="l" rtl="0">
-              <a:spcBef>
-                <a:spcPts val="0"/>
-              </a:spcBef>
-              <a:spcAft>
-                <a:spcPts val="0"/>
-              </a:spcAft>
-              <a:buNone/>
-            </a:pPr>
-            <a:r>
-              <a:rPr lang="en" sz="3200">
-                <a:solidFill>
-                  <a:schemeClr val="accent3"/>
-                </a:solidFill>
-                <a:latin typeface="Exo 2"/>
-                <a:ea typeface="Exo 2"/>
-                <a:cs typeface="Exo 2"/>
-                <a:sym typeface="Exo 2"/>
-              </a:rPr>
-              <a:t>02</a:t>
-            </a:r>
-            <a:endParaRPr sz="3200">
-              <a:solidFill>
-                <a:schemeClr val="accent3"/>
-              </a:solidFill>
-              <a:latin typeface="Exo 2"/>
-              <a:ea typeface="Exo 2"/>
-              <a:cs typeface="Exo 2"/>
-              <a:sym typeface="Exo 2"/>
-            </a:endParaRPr>
-          </a:p>
-        </p:txBody>
-      </p:sp>
-      <p:sp>
-        <p:nvSpPr>
-          <p:cNvPr id="153" name="Google Shape;153;p30"/>
-          <p:cNvSpPr txBox="1">
-            <a:spLocks noGrp="1"/>
-          </p:cNvSpPr>
-          <p:nvPr>
-            <p:ph type="subTitle" idx="1"/>
-          </p:nvPr>
-        </p:nvSpPr>
-        <p:spPr>
-          <a:xfrm>
-            <a:off x="6204428" y="1526811"/>
-            <a:ext cx="977700" cy="552000"/>
-          </a:xfrm>
-          <a:prstGeom prst="rect">
-            <a:avLst/>
-          </a:prstGeom>
-        </p:spPr>
-        <p:txBody>
-          <a:bodyPr spcFirstLastPara="1" wrap="square" lIns="91425" tIns="91425" rIns="91425" bIns="91425" anchor="ctr" anchorCtr="0">
-            <a:noAutofit/>
-          </a:bodyPr>
-          <a:lstStyle/>
-          <a:p>
-            <a:pPr marL="0" lvl="0" indent="0" algn="l" rtl="0">
-              <a:spcBef>
-                <a:spcPts val="0"/>
-              </a:spcBef>
-              <a:spcAft>
-                <a:spcPts val="0"/>
-              </a:spcAft>
-              <a:buNone/>
-            </a:pPr>
-            <a:r>
-              <a:rPr lang="en" sz="3200">
-                <a:solidFill>
-                  <a:schemeClr val="accent3"/>
-                </a:solidFill>
-                <a:latin typeface="Exo 2"/>
-                <a:ea typeface="Exo 2"/>
-                <a:cs typeface="Exo 2"/>
-                <a:sym typeface="Exo 2"/>
-              </a:rPr>
-              <a:t>03</a:t>
-            </a:r>
-            <a:endParaRPr sz="3200">
-              <a:solidFill>
-                <a:schemeClr val="accent3"/>
-              </a:solidFill>
-              <a:latin typeface="Exo 2"/>
-              <a:ea typeface="Exo 2"/>
-              <a:cs typeface="Exo 2"/>
-              <a:sym typeface="Exo 2"/>
-            </a:endParaRPr>
-          </a:p>
-        </p:txBody>
-      </p:sp>
-      <p:sp>
-        <p:nvSpPr>
-          <p:cNvPr id="154" name="Google Shape;154;p30"/>
-          <p:cNvSpPr txBox="1">
-            <a:spLocks noGrp="1"/>
-          </p:cNvSpPr>
-          <p:nvPr>
-            <p:ph type="subTitle" idx="1"/>
-          </p:nvPr>
-        </p:nvSpPr>
-        <p:spPr>
-          <a:xfrm>
-            <a:off x="869228" y="2731374"/>
-            <a:ext cx="977700" cy="552000"/>
-          </a:xfrm>
-          <a:prstGeom prst="rect">
-            <a:avLst/>
-          </a:prstGeom>
-        </p:spPr>
-        <p:txBody>
-          <a:bodyPr spcFirstLastPara="1" wrap="square" lIns="91425" tIns="91425" rIns="91425" bIns="91425" anchor="ctr" anchorCtr="0">
-            <a:noAutofit/>
-          </a:bodyPr>
-          <a:lstStyle/>
-          <a:p>
-            <a:pPr marL="0" lvl="0" indent="0" algn="l" rtl="0">
-              <a:spcBef>
-                <a:spcPts val="0"/>
-              </a:spcBef>
-              <a:spcAft>
-                <a:spcPts val="0"/>
-              </a:spcAft>
-              <a:buNone/>
-            </a:pPr>
-            <a:r>
-              <a:rPr lang="en" sz="3200">
-                <a:solidFill>
-                  <a:schemeClr val="accent3"/>
-                </a:solidFill>
-                <a:latin typeface="Exo 2"/>
-                <a:ea typeface="Exo 2"/>
-                <a:cs typeface="Exo 2"/>
-                <a:sym typeface="Exo 2"/>
-              </a:rPr>
-              <a:t>04</a:t>
-            </a:r>
-            <a:endParaRPr sz="3200">
-              <a:solidFill>
-                <a:schemeClr val="accent3"/>
-              </a:solidFill>
-              <a:latin typeface="Exo 2"/>
-              <a:ea typeface="Exo 2"/>
-              <a:cs typeface="Exo 2"/>
-              <a:sym typeface="Exo 2"/>
-            </a:endParaRPr>
-          </a:p>
-        </p:txBody>
-      </p:sp>
-      <p:sp>
-        <p:nvSpPr>
-          <p:cNvPr id="155" name="Google Shape;155;p30"/>
-          <p:cNvSpPr txBox="1">
-            <a:spLocks noGrp="1"/>
-          </p:cNvSpPr>
-          <p:nvPr>
-            <p:ph type="subTitle" idx="1"/>
-          </p:nvPr>
-        </p:nvSpPr>
-        <p:spPr>
-          <a:xfrm>
-            <a:off x="3541852" y="2731374"/>
-            <a:ext cx="977700" cy="552000"/>
-          </a:xfrm>
-          <a:prstGeom prst="rect">
-            <a:avLst/>
-          </a:prstGeom>
-        </p:spPr>
-        <p:txBody>
-          <a:bodyPr spcFirstLastPara="1" wrap="square" lIns="91425" tIns="91425" rIns="91425" bIns="91425" anchor="ctr" anchorCtr="0">
-            <a:noAutofit/>
-          </a:bodyPr>
-          <a:lstStyle/>
-          <a:p>
-            <a:pPr marL="0" lvl="0" indent="0" algn="l" rtl="0">
-              <a:spcBef>
-                <a:spcPts val="0"/>
-              </a:spcBef>
-              <a:spcAft>
-                <a:spcPts val="0"/>
-              </a:spcAft>
-              <a:buNone/>
-            </a:pPr>
-            <a:r>
-              <a:rPr lang="en" sz="3200">
-                <a:solidFill>
-                  <a:schemeClr val="accent3"/>
-                </a:solidFill>
-                <a:latin typeface="Exo 2"/>
-                <a:ea typeface="Exo 2"/>
-                <a:cs typeface="Exo 2"/>
-                <a:sym typeface="Exo 2"/>
-              </a:rPr>
-              <a:t>05</a:t>
-            </a:r>
-            <a:endParaRPr sz="3200">
-              <a:solidFill>
-                <a:schemeClr val="accent3"/>
-              </a:solidFill>
-              <a:latin typeface="Exo 2"/>
-              <a:ea typeface="Exo 2"/>
-              <a:cs typeface="Exo 2"/>
-              <a:sym typeface="Exo 2"/>
-            </a:endParaRPr>
-          </a:p>
-        </p:txBody>
-      </p:sp>
-      <p:sp>
-        <p:nvSpPr>
-          <p:cNvPr id="156" name="Google Shape;156;p30"/>
-          <p:cNvSpPr/>
-          <p:nvPr/>
-        </p:nvSpPr>
-        <p:spPr>
-          <a:xfrm rot="5400000">
-            <a:off x="664394" y="1734542"/>
-            <a:ext cx="252600" cy="136500"/>
-          </a:xfrm>
-          <a:prstGeom prst="triangle">
-            <a:avLst>
-              <a:gd name="adj" fmla="val 50000"/>
-            </a:avLst>
-          </a:prstGeom>
-          <a:solidFill>
-            <a:schemeClr val="accent1"/>
-          </a:solidFill>
-          <a:ln>
-            <a:noFill/>
-          </a:ln>
-        </p:spPr>
-        <p:txBody>
-          <a:bodyPr spcFirstLastPara="1" wrap="square" lIns="91425" tIns="91425" rIns="91425" bIns="91425" anchor="ctr" anchorCtr="0">
-            <a:noAutofit/>
-          </a:bodyPr>
-          <a:lstStyle/>
-          <a:p>
-            <a:pPr marL="0" lvl="0" indent="0" algn="l" rtl="0">
-              <a:spcBef>
-                <a:spcPts val="0"/>
-              </a:spcBef>
-              <a:spcAft>
-                <a:spcPts val="0"/>
-              </a:spcAft>
-              <a:buNone/>
-            </a:pPr>
-            <a:endParaRPr/>
-          </a:p>
-        </p:txBody>
-      </p:sp>
-      <p:sp>
-        <p:nvSpPr>
-          <p:cNvPr id="157" name="Google Shape;157;p30"/>
-          <p:cNvSpPr/>
-          <p:nvPr/>
-        </p:nvSpPr>
-        <p:spPr>
-          <a:xfrm rot="5400000">
-            <a:off x="3338069" y="1734542"/>
-            <a:ext cx="252600" cy="136500"/>
-          </a:xfrm>
-          <a:prstGeom prst="triangle">
-            <a:avLst>
-              <a:gd name="adj" fmla="val 50000"/>
-            </a:avLst>
-          </a:prstGeom>
-          <a:solidFill>
-            <a:schemeClr val="accent1"/>
-          </a:solidFill>
-          <a:ln>
-            <a:noFill/>
-          </a:ln>
-        </p:spPr>
-        <p:txBody>
-          <a:bodyPr spcFirstLastPara="1" wrap="square" lIns="91425" tIns="91425" rIns="91425" bIns="91425" anchor="ctr" anchorCtr="0">
-            <a:noAutofit/>
-          </a:bodyPr>
-          <a:lstStyle/>
-          <a:p>
-            <a:pPr marL="0" lvl="0" indent="0" algn="l" rtl="0">
-              <a:spcBef>
-                <a:spcPts val="0"/>
-              </a:spcBef>
-              <a:spcAft>
-                <a:spcPts val="0"/>
-              </a:spcAft>
-              <a:buNone/>
-            </a:pPr>
-            <a:endParaRPr/>
-          </a:p>
-        </p:txBody>
-      </p:sp>
-      <p:sp>
-        <p:nvSpPr>
-          <p:cNvPr id="158" name="Google Shape;158;p30"/>
-          <p:cNvSpPr/>
-          <p:nvPr/>
-        </p:nvSpPr>
-        <p:spPr>
-          <a:xfrm rot="5400000">
-            <a:off x="5994504" y="1734542"/>
-            <a:ext cx="252600" cy="136500"/>
-          </a:xfrm>
-          <a:prstGeom prst="triangle">
-            <a:avLst>
-              <a:gd name="adj" fmla="val 50000"/>
-            </a:avLst>
-          </a:prstGeom>
-          <a:solidFill>
-            <a:schemeClr val="accent1"/>
-          </a:solidFill>
-          <a:ln>
-            <a:noFill/>
-          </a:ln>
-        </p:spPr>
-        <p:txBody>
-          <a:bodyPr spcFirstLastPara="1" wrap="square" lIns="91425" tIns="91425" rIns="91425" bIns="91425" anchor="ctr" anchorCtr="0">
-            <a:noAutofit/>
-          </a:bodyPr>
-          <a:lstStyle/>
-          <a:p>
-            <a:pPr marL="0" lvl="0" indent="0" algn="l" rtl="0">
-              <a:spcBef>
-                <a:spcPts val="0"/>
-              </a:spcBef>
-              <a:spcAft>
-                <a:spcPts val="0"/>
-              </a:spcAft>
-              <a:buNone/>
-            </a:pPr>
-            <a:endParaRPr/>
-          </a:p>
-        </p:txBody>
-      </p:sp>
-      <p:sp>
-        <p:nvSpPr>
-          <p:cNvPr id="159" name="Google Shape;159;p30"/>
-          <p:cNvSpPr/>
-          <p:nvPr/>
-        </p:nvSpPr>
-        <p:spPr>
-          <a:xfrm rot="5400000">
-            <a:off x="664394" y="2937998"/>
-            <a:ext cx="252600" cy="136500"/>
-          </a:xfrm>
-          <a:prstGeom prst="triangle">
-            <a:avLst>
-              <a:gd name="adj" fmla="val 50000"/>
-            </a:avLst>
-          </a:prstGeom>
-          <a:solidFill>
-            <a:schemeClr val="accent1"/>
-          </a:solidFill>
-          <a:ln>
-            <a:noFill/>
-          </a:ln>
-        </p:spPr>
-        <p:txBody>
-          <a:bodyPr spcFirstLastPara="1" wrap="square" lIns="91425" tIns="91425" rIns="91425" bIns="91425" anchor="ctr" anchorCtr="0">
-            <a:noAutofit/>
-          </a:bodyPr>
-          <a:lstStyle/>
-          <a:p>
-            <a:pPr marL="0" lvl="0" indent="0" algn="l" rtl="0">
-              <a:spcBef>
-                <a:spcPts val="0"/>
-              </a:spcBef>
-              <a:spcAft>
-                <a:spcPts val="0"/>
-              </a:spcAft>
-              <a:buNone/>
-            </a:pPr>
-            <a:endParaRPr/>
-          </a:p>
-        </p:txBody>
-      </p:sp>
-      <p:sp>
-        <p:nvSpPr>
-          <p:cNvPr id="160" name="Google Shape;160;p30"/>
-          <p:cNvSpPr/>
-          <p:nvPr/>
-        </p:nvSpPr>
-        <p:spPr>
-          <a:xfrm rot="5400000">
-            <a:off x="3338069" y="2937998"/>
-            <a:ext cx="252600" cy="136500"/>
-          </a:xfrm>
-          <a:prstGeom prst="triangle">
-            <a:avLst>
-              <a:gd name="adj" fmla="val 50000"/>
-            </a:avLst>
-          </a:prstGeom>
-          <a:solidFill>
-            <a:schemeClr val="accent1"/>
-          </a:solidFill>
-          <a:ln>
-            <a:noFill/>
-          </a:ln>
-        </p:spPr>
-        <p:txBody>
-          <a:bodyPr spcFirstLastPara="1" wrap="square" lIns="91425" tIns="91425" rIns="91425" bIns="91425" anchor="ctr" anchorCtr="0">
-            <a:noAutofit/>
-          </a:bodyPr>
-          <a:lstStyle/>
-          <a:p>
-            <a:pPr marL="0" lvl="0" indent="0" algn="l" rtl="0">
-              <a:spcBef>
-                <a:spcPts val="0"/>
-              </a:spcBef>
-              <a:spcAft>
-                <a:spcPts val="0"/>
-              </a:spcAft>
-              <a:buNone/>
-            </a:pPr>
-            <a:endParaRPr/>
-          </a:p>
-        </p:txBody>
-      </p:sp>
-    </p:spTree>
-  </p:cSld>
-  <p:clrMapOvr>
-    <a:masterClrMapping/>
-  </p:clrMapOvr>
-</p:sld>
-</file>
-
-<file path=ppt/slides/slide20.xml><?xml version="1.0" encoding="utf-8"?>
+<file path=ppt/slides/slide24.xml><?xml version="1.0" encoding="utf-8"?>
 <p:sld xmlns:a="http://schemas.openxmlformats.org/drawingml/2006/main" xmlns:r="http://schemas.openxmlformats.org/officeDocument/2006/relationships" xmlns:p="http://schemas.openxmlformats.org/presentationml/2006/main">
   <p:cSld>
     <p:spTree>
@@ -28920,6 +31339,894 @@
   <p:cSld>
     <p:spTree>
       <p:nvGrpSpPr>
+        <p:cNvPr id="1" name="Shape 196">
+          <a:extLst>
+            <a:ext uri="{FF2B5EF4-FFF2-40B4-BE49-F238E27FC236}">
+              <a16:creationId xmlns:a16="http://schemas.microsoft.com/office/drawing/2014/main" id="{D73E22FA-6924-B4E8-C558-683D84E002E2}"/>
+            </a:ext>
+          </a:extLst>
+        </p:cNvPr>
+        <p:cNvGrpSpPr/>
+        <p:nvPr/>
+      </p:nvGrpSpPr>
+      <p:grpSpPr>
+        <a:xfrm>
+          <a:off x="0" y="0"/>
+          <a:ext cx="0" cy="0"/>
+          <a:chOff x="0" y="0"/>
+          <a:chExt cx="0" cy="0"/>
+        </a:xfrm>
+      </p:grpSpPr>
+      <p:sp>
+        <p:nvSpPr>
+          <p:cNvPr id="198" name="Google Shape;198;p33">
+            <a:extLst>
+              <a:ext uri="{FF2B5EF4-FFF2-40B4-BE49-F238E27FC236}">
+                <a16:creationId xmlns:a16="http://schemas.microsoft.com/office/drawing/2014/main" id="{A28D1A94-2686-11C4-A805-95AADEAB1A50}"/>
+              </a:ext>
+            </a:extLst>
+          </p:cNvPr>
+          <p:cNvSpPr txBox="1">
+            <a:spLocks noGrp="1"/>
+          </p:cNvSpPr>
+          <p:nvPr>
+            <p:ph type="title"/>
+          </p:nvPr>
+        </p:nvSpPr>
+        <p:spPr>
+          <a:xfrm>
+            <a:off x="708244" y="877789"/>
+            <a:ext cx="5652000" cy="323400"/>
+          </a:xfrm>
+          <a:prstGeom prst="rect">
+            <a:avLst/>
+          </a:prstGeom>
+        </p:spPr>
+        <p:txBody>
+          <a:bodyPr spcFirstLastPara="1" wrap="square" lIns="91425" tIns="91425" rIns="91425" bIns="91425" anchor="ctr" anchorCtr="0">
+            <a:noAutofit/>
+          </a:bodyPr>
+          <a:lstStyle/>
+          <a:p>
+            <a:r>
+              <a:rPr lang="es-AR" b="1" dirty="0"/>
+              <a:t>El Lenguaje y el Modelo de Concurrencia</a:t>
+            </a:r>
+          </a:p>
+        </p:txBody>
+      </p:sp>
+      <p:sp>
+        <p:nvSpPr>
+          <p:cNvPr id="197" name="Google Shape;197;p33">
+            <a:extLst>
+              <a:ext uri="{FF2B5EF4-FFF2-40B4-BE49-F238E27FC236}">
+                <a16:creationId xmlns:a16="http://schemas.microsoft.com/office/drawing/2014/main" id="{4BE4DE7A-3C09-BDF5-E20A-6E0D5FC09624}"/>
+              </a:ext>
+            </a:extLst>
+          </p:cNvPr>
+          <p:cNvSpPr txBox="1">
+            <a:spLocks noGrp="1"/>
+          </p:cNvSpPr>
+          <p:nvPr>
+            <p:ph type="body" idx="4294967295"/>
+          </p:nvPr>
+        </p:nvSpPr>
+        <p:spPr>
+          <a:xfrm>
+            <a:off x="1077395" y="1807244"/>
+            <a:ext cx="6775450" cy="2182813"/>
+          </a:xfrm>
+          <a:prstGeom prst="rect">
+            <a:avLst/>
+          </a:prstGeom>
+        </p:spPr>
+        <p:txBody>
+          <a:bodyPr spcFirstLastPara="1" wrap="square" lIns="91425" tIns="91425" rIns="91425" bIns="91425" anchor="t" anchorCtr="0">
+            <a:noAutofit/>
+          </a:bodyPr>
+          <a:lstStyle/>
+          <a:p>
+            <a:pPr marL="139700" indent="0" algn="just">
+              <a:buNone/>
+            </a:pPr>
+            <a:r>
+              <a:rPr lang="es-AR" sz="1600" dirty="0"/>
+              <a:t>El proyecto fue desarrollado íntegramente en </a:t>
+            </a:r>
+            <a:r>
+              <a:rPr lang="es-AR" sz="1600" b="1" dirty="0"/>
+              <a:t>Java</a:t>
+            </a:r>
+            <a:r>
+              <a:rPr lang="es-AR" sz="1600" dirty="0"/>
+              <a:t>, utilizando su API nativa de </a:t>
+            </a:r>
+            <a:r>
+              <a:rPr lang="es-AR" sz="1600" b="1" dirty="0" err="1"/>
+              <a:t>Threads</a:t>
+            </a:r>
+            <a:r>
+              <a:rPr lang="es-AR" sz="1600" dirty="0"/>
+              <a:t>. El modelo de concurrencia implementado es el de </a:t>
+            </a:r>
+            <a:r>
+              <a:rPr lang="es-AR" sz="1600" b="1" dirty="0"/>
+              <a:t>Memoria Compartida Sincronizada</a:t>
+            </a:r>
+            <a:r>
+              <a:rPr lang="es-AR" sz="1600" dirty="0"/>
+              <a:t>, basado específicamente en el patrón de </a:t>
+            </a:r>
+            <a:r>
+              <a:rPr lang="es-AR" sz="1600" b="1" dirty="0"/>
+              <a:t>Monitores</a:t>
+            </a:r>
+            <a:r>
+              <a:rPr lang="es-AR" sz="1600" dirty="0"/>
+              <a:t>.</a:t>
+            </a:r>
+          </a:p>
+          <a:p>
+            <a:pPr marL="139700" indent="0" algn="just">
+              <a:buNone/>
+            </a:pPr>
+            <a:r>
+              <a:rPr lang="es-AR" sz="1600" b="1" dirty="0"/>
+              <a:t>M</a:t>
+            </a:r>
+            <a:r>
+              <a:rPr lang="es-AR" sz="1600" dirty="0"/>
+              <a:t>últiples hilos (Servidores, Aires, Clima, Energía) acceden a una misma instancia de datos (el </a:t>
+            </a:r>
+            <a:r>
+              <a:rPr lang="es-AR" sz="1600" dirty="0" err="1"/>
+              <a:t>MonitorEnergia</a:t>
+            </a:r>
+            <a:r>
+              <a:rPr lang="es-AR" sz="1600" dirty="0"/>
+              <a:t>). Para evitar que estos hilos choquen o corrompan la información, el objeto Monitor actúa como un "árbitro" o guardián</a:t>
+            </a:r>
+            <a:r>
+              <a:rPr lang="es-AR" dirty="0"/>
+              <a:t>.</a:t>
+            </a:r>
+          </a:p>
+        </p:txBody>
+      </p:sp>
+      <p:sp>
+        <p:nvSpPr>
+          <p:cNvPr id="199" name="Google Shape;199;p33">
+            <a:extLst>
+              <a:ext uri="{FF2B5EF4-FFF2-40B4-BE49-F238E27FC236}">
+                <a16:creationId xmlns:a16="http://schemas.microsoft.com/office/drawing/2014/main" id="{AEF99BB3-7FD3-2BFF-C650-B48C03758187}"/>
+              </a:ext>
+            </a:extLst>
+          </p:cNvPr>
+          <p:cNvSpPr/>
+          <p:nvPr/>
+        </p:nvSpPr>
+        <p:spPr>
+          <a:xfrm rot="5400000">
+            <a:off x="982991" y="1791652"/>
+            <a:ext cx="252600" cy="136500"/>
+          </a:xfrm>
+          <a:prstGeom prst="triangle">
+            <a:avLst>
+              <a:gd name="adj" fmla="val 50000"/>
+            </a:avLst>
+          </a:prstGeom>
+          <a:solidFill>
+            <a:schemeClr val="accent1"/>
+          </a:solidFill>
+          <a:ln>
+            <a:noFill/>
+          </a:ln>
+        </p:spPr>
+        <p:txBody>
+          <a:bodyPr spcFirstLastPara="1" wrap="square" lIns="91425" tIns="91425" rIns="91425" bIns="91425" anchor="ctr" anchorCtr="0">
+            <a:noAutofit/>
+          </a:bodyPr>
+          <a:lstStyle/>
+          <a:p>
+            <a:pPr marL="0" lvl="0" indent="0" algn="l" rtl="0">
+              <a:spcBef>
+                <a:spcPts val="0"/>
+              </a:spcBef>
+              <a:spcAft>
+                <a:spcPts val="0"/>
+              </a:spcAft>
+              <a:buNone/>
+            </a:pPr>
+            <a:endParaRPr/>
+          </a:p>
+        </p:txBody>
+      </p:sp>
+    </p:spTree>
+    <p:extLst>
+      <p:ext uri="{BB962C8B-B14F-4D97-AF65-F5344CB8AC3E}">
+        <p14:creationId xmlns:p14="http://schemas.microsoft.com/office/powerpoint/2010/main" val="628596497"/>
+      </p:ext>
+    </p:extLst>
+  </p:cSld>
+  <p:clrMapOvr>
+    <a:masterClrMapping/>
+  </p:clrMapOvr>
+</p:sld>
+</file>
+
+<file path=ppt/slides/slide6.xml><?xml version="1.0" encoding="utf-8"?>
+<p:sld xmlns:a="http://schemas.openxmlformats.org/drawingml/2006/main" xmlns:r="http://schemas.openxmlformats.org/officeDocument/2006/relationships" xmlns:p="http://schemas.openxmlformats.org/presentationml/2006/main">
+  <p:cSld>
+    <p:spTree>
+      <p:nvGrpSpPr>
+        <p:cNvPr id="1" name="Shape 196">
+          <a:extLst>
+            <a:ext uri="{FF2B5EF4-FFF2-40B4-BE49-F238E27FC236}">
+              <a16:creationId xmlns:a16="http://schemas.microsoft.com/office/drawing/2014/main" id="{289831D3-D2A2-2074-3852-29AE09E32EDD}"/>
+            </a:ext>
+          </a:extLst>
+        </p:cNvPr>
+        <p:cNvGrpSpPr/>
+        <p:nvPr/>
+      </p:nvGrpSpPr>
+      <p:grpSpPr>
+        <a:xfrm>
+          <a:off x="0" y="0"/>
+          <a:ext cx="0" cy="0"/>
+          <a:chOff x="0" y="0"/>
+          <a:chExt cx="0" cy="0"/>
+        </a:xfrm>
+      </p:grpSpPr>
+      <p:sp>
+        <p:nvSpPr>
+          <p:cNvPr id="197" name="Google Shape;197;p33">
+            <a:extLst>
+              <a:ext uri="{FF2B5EF4-FFF2-40B4-BE49-F238E27FC236}">
+                <a16:creationId xmlns:a16="http://schemas.microsoft.com/office/drawing/2014/main" id="{320CF00E-7CF0-88F5-8EEF-5F77D1B81D53}"/>
+              </a:ext>
+            </a:extLst>
+          </p:cNvPr>
+          <p:cNvSpPr txBox="1">
+            <a:spLocks noGrp="1"/>
+          </p:cNvSpPr>
+          <p:nvPr>
+            <p:ph type="body" idx="1"/>
+          </p:nvPr>
+        </p:nvSpPr>
+        <p:spPr>
+          <a:xfrm>
+            <a:off x="393406" y="1861618"/>
+            <a:ext cx="4147694" cy="2168121"/>
+          </a:xfrm>
+          <a:prstGeom prst="rect">
+            <a:avLst/>
+          </a:prstGeom>
+        </p:spPr>
+        <p:txBody>
+          <a:bodyPr spcFirstLastPara="1" wrap="square" lIns="91425" tIns="91425" rIns="91425" bIns="91425" anchor="t" anchorCtr="0">
+            <a:noAutofit/>
+          </a:bodyPr>
+          <a:lstStyle/>
+          <a:p>
+            <a:pPr marL="139700" indent="0">
+              <a:buNone/>
+            </a:pPr>
+            <a:r>
+              <a:rPr lang="es-AR" sz="1600" dirty="0"/>
+              <a:t>Cada servidor (PROD, NAS, LAB) y cada Aire Acondicionado corre en su propio hilo independiente (</a:t>
+            </a:r>
+            <a:r>
+              <a:rPr lang="es-AR" sz="1600" dirty="0" err="1"/>
+              <a:t>Thread</a:t>
+            </a:r>
+            <a:r>
+              <a:rPr lang="es-AR" sz="1600" dirty="0"/>
+              <a:t>). En la realidad un servidor no espera a que el otro termine para funcionar. Necesitamos que cada uno tome decisiones autónomas basadas en la energía disponible.</a:t>
+            </a:r>
+          </a:p>
+        </p:txBody>
+      </p:sp>
+      <p:sp>
+        <p:nvSpPr>
+          <p:cNvPr id="198" name="Google Shape;198;p33">
+            <a:extLst>
+              <a:ext uri="{FF2B5EF4-FFF2-40B4-BE49-F238E27FC236}">
+                <a16:creationId xmlns:a16="http://schemas.microsoft.com/office/drawing/2014/main" id="{5A709C9E-038E-B3C6-4A12-3571747699FE}"/>
+              </a:ext>
+            </a:extLst>
+          </p:cNvPr>
+          <p:cNvSpPr txBox="1">
+            <a:spLocks noGrp="1"/>
+          </p:cNvSpPr>
+          <p:nvPr>
+            <p:ph type="title"/>
+          </p:nvPr>
+        </p:nvSpPr>
+        <p:spPr>
+          <a:xfrm>
+            <a:off x="580652" y="654498"/>
+            <a:ext cx="5652000" cy="323400"/>
+          </a:xfrm>
+          <a:prstGeom prst="rect">
+            <a:avLst/>
+          </a:prstGeom>
+        </p:spPr>
+        <p:txBody>
+          <a:bodyPr spcFirstLastPara="1" wrap="square" lIns="91425" tIns="91425" rIns="91425" bIns="91425" anchor="ctr" anchorCtr="0">
+            <a:noAutofit/>
+          </a:bodyPr>
+          <a:lstStyle/>
+          <a:p>
+            <a:r>
+              <a:rPr lang="es-AR" b="1" dirty="0" err="1"/>
+              <a:t>Conurrencia</a:t>
+            </a:r>
+            <a:endParaRPr lang="es-AR" b="1" dirty="0"/>
+          </a:p>
+        </p:txBody>
+      </p:sp>
+      <p:sp>
+        <p:nvSpPr>
+          <p:cNvPr id="2" name="Subtitle 1">
+            <a:extLst>
+              <a:ext uri="{FF2B5EF4-FFF2-40B4-BE49-F238E27FC236}">
+                <a16:creationId xmlns:a16="http://schemas.microsoft.com/office/drawing/2014/main" id="{93BEE6F2-7291-BAD7-6AF4-2A3E3E6F7388}"/>
+              </a:ext>
+            </a:extLst>
+          </p:cNvPr>
+          <p:cNvSpPr>
+            <a:spLocks noGrp="1"/>
+          </p:cNvSpPr>
+          <p:nvPr>
+            <p:ph type="subTitle" idx="2"/>
+          </p:nvPr>
+        </p:nvSpPr>
+        <p:spPr>
+          <a:xfrm>
+            <a:off x="393406" y="1434122"/>
+            <a:ext cx="3321497" cy="261900"/>
+          </a:xfrm>
+        </p:spPr>
+        <p:txBody>
+          <a:bodyPr/>
+          <a:lstStyle/>
+          <a:p>
+            <a:r>
+              <a:rPr lang="en-US" dirty="0" err="1"/>
+              <a:t>Hilos</a:t>
+            </a:r>
+            <a:r>
+              <a:rPr lang="en-US" dirty="0"/>
+              <a:t> de </a:t>
+            </a:r>
+            <a:r>
+              <a:rPr lang="en-US" dirty="0" err="1"/>
+              <a:t>infraestructura</a:t>
+            </a:r>
+            <a:endParaRPr lang="en-US" dirty="0"/>
+          </a:p>
+        </p:txBody>
+      </p:sp>
+      <p:sp>
+        <p:nvSpPr>
+          <p:cNvPr id="3" name="Text Placeholder 2">
+            <a:extLst>
+              <a:ext uri="{FF2B5EF4-FFF2-40B4-BE49-F238E27FC236}">
+                <a16:creationId xmlns:a16="http://schemas.microsoft.com/office/drawing/2014/main" id="{6B25329A-E296-75B0-3EF0-23F29D2937EA}"/>
+              </a:ext>
+            </a:extLst>
+          </p:cNvPr>
+          <p:cNvSpPr>
+            <a:spLocks noGrp="1"/>
+          </p:cNvSpPr>
+          <p:nvPr>
+            <p:ph type="body" idx="3"/>
+          </p:nvPr>
+        </p:nvSpPr>
+        <p:spPr>
+          <a:xfrm>
+            <a:off x="4611818" y="1792111"/>
+            <a:ext cx="4019108" cy="2835114"/>
+          </a:xfrm>
+        </p:spPr>
+        <p:txBody>
+          <a:bodyPr/>
+          <a:lstStyle/>
+          <a:p>
+            <a:pPr marL="139700" indent="0" algn="just">
+              <a:buNone/>
+            </a:pPr>
+            <a:r>
+              <a:rPr lang="es-AR" sz="1600" dirty="0"/>
+              <a:t>Un hilo dedicado a calcular la termodinámica (calor generado vs. frío producido), para que la temperatura cambie de forma fluida y constante sin bloquear la interfaz gráfica del usuario.</a:t>
+            </a:r>
+          </a:p>
+        </p:txBody>
+      </p:sp>
+      <p:sp>
+        <p:nvSpPr>
+          <p:cNvPr id="4" name="Subtitle 3">
+            <a:extLst>
+              <a:ext uri="{FF2B5EF4-FFF2-40B4-BE49-F238E27FC236}">
+                <a16:creationId xmlns:a16="http://schemas.microsoft.com/office/drawing/2014/main" id="{545E49C5-0B9D-16F5-C407-99FDBFEE44B5}"/>
+              </a:ext>
+            </a:extLst>
+          </p:cNvPr>
+          <p:cNvSpPr>
+            <a:spLocks noGrp="1"/>
+          </p:cNvSpPr>
+          <p:nvPr>
+            <p:ph type="subTitle" idx="4"/>
+          </p:nvPr>
+        </p:nvSpPr>
+        <p:spPr>
+          <a:xfrm>
+            <a:off x="4611818" y="1434122"/>
+            <a:ext cx="2927100" cy="261900"/>
+          </a:xfrm>
+        </p:spPr>
+        <p:txBody>
+          <a:bodyPr/>
+          <a:lstStyle/>
+          <a:p>
+            <a:r>
+              <a:rPr lang="en-US" dirty="0"/>
+              <a:t>Hilo de </a:t>
+            </a:r>
+            <a:r>
+              <a:rPr lang="en-US" dirty="0" err="1"/>
+              <a:t>ambiente</a:t>
+            </a:r>
+            <a:endParaRPr lang="en-US" dirty="0"/>
+          </a:p>
+        </p:txBody>
+      </p:sp>
+    </p:spTree>
+    <p:extLst>
+      <p:ext uri="{BB962C8B-B14F-4D97-AF65-F5344CB8AC3E}">
+        <p14:creationId xmlns:p14="http://schemas.microsoft.com/office/powerpoint/2010/main" val="578029187"/>
+      </p:ext>
+    </p:extLst>
+  </p:cSld>
+  <p:clrMapOvr>
+    <a:masterClrMapping/>
+  </p:clrMapOvr>
+</p:sld>
+</file>
+
+<file path=ppt/slides/slide7.xml><?xml version="1.0" encoding="utf-8"?>
+<p:sld xmlns:a="http://schemas.openxmlformats.org/drawingml/2006/main" xmlns:r="http://schemas.openxmlformats.org/officeDocument/2006/relationships" xmlns:p="http://schemas.openxmlformats.org/presentationml/2006/main">
+  <p:cSld>
+    <p:spTree>
+      <p:nvGrpSpPr>
+        <p:cNvPr id="1" name="Shape 196">
+          <a:extLst>
+            <a:ext uri="{FF2B5EF4-FFF2-40B4-BE49-F238E27FC236}">
+              <a16:creationId xmlns:a16="http://schemas.microsoft.com/office/drawing/2014/main" id="{4FD1F43B-44A6-FA01-59D6-4EE63A689661}"/>
+            </a:ext>
+          </a:extLst>
+        </p:cNvPr>
+        <p:cNvGrpSpPr/>
+        <p:nvPr/>
+      </p:nvGrpSpPr>
+      <p:grpSpPr>
+        <a:xfrm>
+          <a:off x="0" y="0"/>
+          <a:ext cx="0" cy="0"/>
+          <a:chOff x="0" y="0"/>
+          <a:chExt cx="0" cy="0"/>
+        </a:xfrm>
+      </p:grpSpPr>
+      <p:sp>
+        <p:nvSpPr>
+          <p:cNvPr id="198" name="Google Shape;198;p33">
+            <a:extLst>
+              <a:ext uri="{FF2B5EF4-FFF2-40B4-BE49-F238E27FC236}">
+                <a16:creationId xmlns:a16="http://schemas.microsoft.com/office/drawing/2014/main" id="{8E99980D-F7E8-0961-6CA6-19BF01015BAF}"/>
+              </a:ext>
+            </a:extLst>
+          </p:cNvPr>
+          <p:cNvSpPr txBox="1">
+            <a:spLocks noGrp="1"/>
+          </p:cNvSpPr>
+          <p:nvPr>
+            <p:ph type="title"/>
+          </p:nvPr>
+        </p:nvSpPr>
+        <p:spPr>
+          <a:xfrm>
+            <a:off x="708244" y="654502"/>
+            <a:ext cx="5798882" cy="323400"/>
+          </a:xfrm>
+          <a:prstGeom prst="rect">
+            <a:avLst/>
+          </a:prstGeom>
+        </p:spPr>
+        <p:txBody>
+          <a:bodyPr spcFirstLastPara="1" wrap="square" lIns="91425" tIns="91425" rIns="91425" bIns="91425" anchor="ctr" anchorCtr="0">
+            <a:noAutofit/>
+          </a:bodyPr>
+          <a:lstStyle/>
+          <a:p>
+            <a:r>
+              <a:rPr lang="es-AR" b="1" dirty="0"/>
+              <a:t>Sincronización y Bloqueo</a:t>
+            </a:r>
+          </a:p>
+        </p:txBody>
+      </p:sp>
+      <p:sp>
+        <p:nvSpPr>
+          <p:cNvPr id="197" name="Google Shape;197;p33">
+            <a:extLst>
+              <a:ext uri="{FF2B5EF4-FFF2-40B4-BE49-F238E27FC236}">
+                <a16:creationId xmlns:a16="http://schemas.microsoft.com/office/drawing/2014/main" id="{7046A9F3-6F6F-C115-A149-35496E1338EC}"/>
+              </a:ext>
+            </a:extLst>
+          </p:cNvPr>
+          <p:cNvSpPr txBox="1">
+            <a:spLocks noGrp="1"/>
+          </p:cNvSpPr>
+          <p:nvPr>
+            <p:ph type="body" idx="4294967295"/>
+          </p:nvPr>
+        </p:nvSpPr>
+        <p:spPr>
+          <a:xfrm>
+            <a:off x="676919" y="1453705"/>
+            <a:ext cx="7471182" cy="3221956"/>
+          </a:xfrm>
+          <a:prstGeom prst="rect">
+            <a:avLst/>
+          </a:prstGeom>
+        </p:spPr>
+        <p:txBody>
+          <a:bodyPr spcFirstLastPara="1" wrap="square" lIns="91425" tIns="91425" rIns="91425" bIns="91425" anchor="t" anchorCtr="0">
+            <a:noAutofit/>
+          </a:bodyPr>
+          <a:lstStyle/>
+          <a:p>
+            <a:pPr marL="139700" indent="0">
+              <a:buNone/>
+            </a:pPr>
+            <a:r>
+              <a:rPr lang="es-AR" sz="1500" b="1" dirty="0"/>
+              <a:t>Métodos </a:t>
+            </a:r>
+            <a:r>
+              <a:rPr lang="es-AR" sz="1500" b="1" dirty="0" err="1"/>
+              <a:t>synchronized</a:t>
+            </a:r>
+            <a:r>
+              <a:rPr lang="es-AR" sz="1500" b="1" dirty="0"/>
+              <a:t> (Exclusión Mutua)</a:t>
+            </a:r>
+            <a:r>
+              <a:rPr lang="es-AR" sz="1500" dirty="0"/>
+              <a:t>:</a:t>
+            </a:r>
+          </a:p>
+          <a:p>
+            <a:pPr marL="596900" lvl="1" indent="0">
+              <a:buNone/>
+            </a:pPr>
+            <a:r>
+              <a:rPr lang="es-AR" sz="1500" b="1" dirty="0"/>
+              <a:t>Ubicación</a:t>
+            </a:r>
+            <a:r>
+              <a:rPr lang="es-AR" sz="1500" dirty="0"/>
+              <a:t>: En la clase </a:t>
+            </a:r>
+            <a:r>
+              <a:rPr lang="es-AR" sz="1500" dirty="0" err="1"/>
+              <a:t>MonitorEnergia</a:t>
+            </a:r>
+            <a:r>
+              <a:rPr lang="es-AR" sz="1500" dirty="0"/>
+              <a:t> (</a:t>
+            </a:r>
+            <a:r>
+              <a:rPr lang="es-AR" sz="1500" dirty="0" err="1"/>
+              <a:t>ej</a:t>
+            </a:r>
+            <a:r>
+              <a:rPr lang="es-AR" sz="1500" dirty="0"/>
+              <a:t>: </a:t>
+            </a:r>
+            <a:r>
+              <a:rPr lang="es-AR" sz="1500" dirty="0" err="1"/>
+              <a:t>usarUps</a:t>
+            </a:r>
+            <a:r>
+              <a:rPr lang="es-AR" sz="1500" dirty="0"/>
+              <a:t>(), </a:t>
+            </a:r>
+            <a:r>
+              <a:rPr lang="es-AR" sz="1500" dirty="0" err="1"/>
+              <a:t>getFuenteActual</a:t>
+            </a:r>
+            <a:r>
+              <a:rPr lang="es-AR" sz="1500" dirty="0"/>
+              <a:t>()).</a:t>
+            </a:r>
+          </a:p>
+          <a:p>
+            <a:pPr marL="596900" lvl="1" indent="0" algn="just">
+              <a:buNone/>
+            </a:pPr>
+            <a:r>
+              <a:rPr lang="es-AR" sz="1500" b="1" dirty="0"/>
+              <a:t>Por qué</a:t>
+            </a:r>
+            <a:r>
+              <a:rPr lang="es-AR" sz="1500" dirty="0"/>
+              <a:t>: Cuando un hilo de servidor entra a consultar la fuente de energía, "bloquea" el monitor. Si el hilo de la UPS intenta restar batería en ese mismo instante, Java lo pone en espera. Esto evita </a:t>
+            </a:r>
+            <a:r>
+              <a:rPr lang="es-AR" sz="1500" b="1" dirty="0"/>
+              <a:t>Condiciones de Carrera</a:t>
+            </a:r>
+            <a:r>
+              <a:rPr lang="es-AR" sz="1500" dirty="0"/>
+              <a:t> (que dos hilos modifiquen la misma variable al mismo tiempo).</a:t>
+            </a:r>
+          </a:p>
+          <a:p>
+            <a:pPr marL="596900" lvl="1" indent="0">
+              <a:buNone/>
+            </a:pPr>
+            <a:endParaRPr lang="es-AR" sz="1500" dirty="0"/>
+          </a:p>
+          <a:p>
+            <a:pPr marL="139700" indent="0">
+              <a:buNone/>
+            </a:pPr>
+            <a:r>
+              <a:rPr lang="es-AR" sz="1500" b="1" dirty="0"/>
+              <a:t>Mecanismo de Señalización (</a:t>
+            </a:r>
+            <a:r>
+              <a:rPr lang="es-AR" sz="1500" b="1" dirty="0" err="1"/>
+              <a:t>notifyAll</a:t>
+            </a:r>
+            <a:r>
+              <a:rPr lang="es-AR" sz="1500" b="1" dirty="0"/>
+              <a:t>)</a:t>
+            </a:r>
+            <a:r>
+              <a:rPr lang="es-AR" sz="1500" dirty="0"/>
+              <a:t>:</a:t>
+            </a:r>
+          </a:p>
+          <a:p>
+            <a:pPr marL="596900" lvl="1" indent="0">
+              <a:buNone/>
+            </a:pPr>
+            <a:r>
+              <a:rPr lang="es-AR" sz="1500" b="1" dirty="0"/>
+              <a:t>Ubicación</a:t>
+            </a:r>
+            <a:r>
+              <a:rPr lang="es-AR" sz="1500" dirty="0"/>
+              <a:t>: En métodos como </a:t>
+            </a:r>
+            <a:r>
+              <a:rPr lang="es-AR" sz="1500" dirty="0" err="1"/>
+              <a:t>recargarNafta</a:t>
+            </a:r>
+            <a:r>
+              <a:rPr lang="es-AR" sz="1500" dirty="0"/>
+              <a:t>() o </a:t>
+            </a:r>
+            <a:r>
+              <a:rPr lang="es-AR" sz="1500" dirty="0" err="1"/>
+              <a:t>setRedElectrica</a:t>
+            </a:r>
+            <a:r>
+              <a:rPr lang="es-AR" sz="1500" dirty="0"/>
+              <a:t>().</a:t>
+            </a:r>
+          </a:p>
+          <a:p>
+            <a:pPr marL="596900" lvl="1" indent="0">
+              <a:buNone/>
+            </a:pPr>
+            <a:r>
+              <a:rPr lang="es-AR" sz="1500" b="1" dirty="0"/>
+              <a:t>Por qué</a:t>
+            </a:r>
+            <a:r>
+              <a:rPr lang="es-AR" sz="1500" dirty="0"/>
+              <a:t>: Los hilos de los servidores suelen estar en espera si no hay energía. Al usar </a:t>
+            </a:r>
+            <a:r>
+              <a:rPr lang="es-AR" sz="1500" dirty="0" err="1"/>
+              <a:t>notifyAll</a:t>
+            </a:r>
+            <a:r>
+              <a:rPr lang="es-AR" sz="1500" dirty="0"/>
+              <a:t>(), el monitor les "avisa" a todos los hilos que el estado de los recursos cambió, permitiéndoles reaccionar de inmediato.</a:t>
+            </a:r>
+          </a:p>
+          <a:p>
+            <a:pPr marL="139700" indent="0" algn="just">
+              <a:buNone/>
+            </a:pPr>
+            <a:endParaRPr lang="es-AR" sz="1500" dirty="0"/>
+          </a:p>
+        </p:txBody>
+      </p:sp>
+    </p:spTree>
+    <p:extLst>
+      <p:ext uri="{BB962C8B-B14F-4D97-AF65-F5344CB8AC3E}">
+        <p14:creationId xmlns:p14="http://schemas.microsoft.com/office/powerpoint/2010/main" val="3029690346"/>
+      </p:ext>
+    </p:extLst>
+  </p:cSld>
+  <p:clrMapOvr>
+    <a:masterClrMapping/>
+  </p:clrMapOvr>
+</p:sld>
+</file>
+
+<file path=ppt/slides/slide8.xml><?xml version="1.0" encoding="utf-8"?>
+<p:sld xmlns:a="http://schemas.openxmlformats.org/drawingml/2006/main" xmlns:r="http://schemas.openxmlformats.org/officeDocument/2006/relationships" xmlns:p="http://schemas.openxmlformats.org/presentationml/2006/main">
+  <p:cSld>
+    <p:spTree>
+      <p:nvGrpSpPr>
+        <p:cNvPr id="1" name="Shape 196">
+          <a:extLst>
+            <a:ext uri="{FF2B5EF4-FFF2-40B4-BE49-F238E27FC236}">
+              <a16:creationId xmlns:a16="http://schemas.microsoft.com/office/drawing/2014/main" id="{81080082-E607-9C90-363C-406C6EC1BD71}"/>
+            </a:ext>
+          </a:extLst>
+        </p:cNvPr>
+        <p:cNvGrpSpPr/>
+        <p:nvPr/>
+      </p:nvGrpSpPr>
+      <p:grpSpPr>
+        <a:xfrm>
+          <a:off x="0" y="0"/>
+          <a:ext cx="0" cy="0"/>
+          <a:chOff x="0" y="0"/>
+          <a:chExt cx="0" cy="0"/>
+        </a:xfrm>
+      </p:grpSpPr>
+      <p:sp>
+        <p:nvSpPr>
+          <p:cNvPr id="19" name="Title 18">
+            <a:extLst>
+              <a:ext uri="{FF2B5EF4-FFF2-40B4-BE49-F238E27FC236}">
+                <a16:creationId xmlns:a16="http://schemas.microsoft.com/office/drawing/2014/main" id="{4D4EA79E-B983-80FC-9E74-737C6A3338B6}"/>
+              </a:ext>
+            </a:extLst>
+          </p:cNvPr>
+          <p:cNvSpPr>
+            <a:spLocks noGrp="1"/>
+          </p:cNvSpPr>
+          <p:nvPr>
+            <p:ph type="ctrTitle"/>
+          </p:nvPr>
+        </p:nvSpPr>
+        <p:spPr>
+          <a:xfrm>
+            <a:off x="864801" y="766079"/>
+            <a:ext cx="7690846" cy="616154"/>
+          </a:xfrm>
+        </p:spPr>
+        <p:txBody>
+          <a:bodyPr/>
+          <a:lstStyle/>
+          <a:p>
+            <a:r>
+              <a:rPr lang="es-AR" sz="3000" b="1" dirty="0"/>
+              <a:t>Interfaz Gráfica </a:t>
+            </a:r>
+            <a:endParaRPr lang="en-US" sz="3000" dirty="0"/>
+          </a:p>
+        </p:txBody>
+      </p:sp>
+      <p:sp>
+        <p:nvSpPr>
+          <p:cNvPr id="20" name="Subtitle 19">
+            <a:extLst>
+              <a:ext uri="{FF2B5EF4-FFF2-40B4-BE49-F238E27FC236}">
+                <a16:creationId xmlns:a16="http://schemas.microsoft.com/office/drawing/2014/main" id="{F055AB94-56C0-C96F-052E-8AF09AD3035E}"/>
+              </a:ext>
+            </a:extLst>
+          </p:cNvPr>
+          <p:cNvSpPr>
+            <a:spLocks noGrp="1"/>
+          </p:cNvSpPr>
+          <p:nvPr>
+            <p:ph type="subTitle" idx="4294967295"/>
+          </p:nvPr>
+        </p:nvSpPr>
+        <p:spPr>
+          <a:xfrm>
+            <a:off x="726577" y="2018319"/>
+            <a:ext cx="7690846" cy="1596213"/>
+          </a:xfrm>
+        </p:spPr>
+        <p:txBody>
+          <a:bodyPr/>
+          <a:lstStyle/>
+          <a:p>
+            <a:pPr marL="139700" indent="0" algn="just">
+              <a:buNone/>
+            </a:pPr>
+            <a:r>
+              <a:rPr lang="es-AR" sz="1800" dirty="0"/>
+              <a:t>Un punto de concurrencia critico se encuentra en la actualización de los colores (</a:t>
+            </a:r>
+            <a:r>
+              <a:rPr lang="es-AR" sz="1800" dirty="0" err="1"/>
+              <a:t>JLabel</a:t>
+            </a:r>
+            <a:r>
+              <a:rPr lang="es-AR" sz="1800" dirty="0"/>
+              <a:t>)</a:t>
+            </a:r>
+          </a:p>
+          <a:p>
+            <a:pPr marL="139700" indent="0" algn="just">
+              <a:buNone/>
+            </a:pPr>
+            <a:r>
+              <a:rPr lang="es-AR" sz="1800" b="1" dirty="0"/>
+              <a:t>Mecanismo</a:t>
+            </a:r>
+            <a:r>
+              <a:rPr lang="es-AR" sz="1800" dirty="0"/>
+              <a:t>: </a:t>
+            </a:r>
+            <a:r>
+              <a:rPr lang="es-AR" sz="1800" dirty="0" err="1"/>
+              <a:t>SwingUtilities.invokeLater</a:t>
+            </a:r>
+            <a:r>
+              <a:rPr lang="es-AR" sz="1800" dirty="0"/>
+              <a:t>.</a:t>
+            </a:r>
+          </a:p>
+          <a:p>
+            <a:pPr marL="139700" indent="0" algn="just">
+              <a:buNone/>
+            </a:pPr>
+            <a:r>
+              <a:rPr lang="es-AR" sz="1800" b="1" dirty="0"/>
+              <a:t>Por qué</a:t>
+            </a:r>
+            <a:r>
+              <a:rPr lang="es-AR" sz="1800" dirty="0"/>
+              <a:t>: Como Swing no es seguro para multihilo, este método asegura que las actualizaciones visuales se ejecuten en el hilo de despacho de eventos (EDT), evitando que la ventana se tilde o se cierre por errores de concurrencia visual.</a:t>
+            </a:r>
+          </a:p>
+          <a:p>
+            <a:pPr algn="just"/>
+            <a:endParaRPr lang="en-US" b="1" dirty="0"/>
+          </a:p>
+        </p:txBody>
+      </p:sp>
+    </p:spTree>
+    <p:extLst>
+      <p:ext uri="{BB962C8B-B14F-4D97-AF65-F5344CB8AC3E}">
+        <p14:creationId xmlns:p14="http://schemas.microsoft.com/office/powerpoint/2010/main" val="1945857972"/>
+      </p:ext>
+    </p:extLst>
+  </p:cSld>
+  <p:clrMapOvr>
+    <a:masterClrMapping/>
+  </p:clrMapOvr>
+</p:sld>
+</file>
+
+<file path=ppt/slides/slide9.xml><?xml version="1.0" encoding="utf-8"?>
+<p:sld xmlns:a="http://schemas.openxmlformats.org/drawingml/2006/main" xmlns:r="http://schemas.openxmlformats.org/officeDocument/2006/relationships" xmlns:p="http://schemas.openxmlformats.org/presentationml/2006/main">
+  <p:cSld>
+    <p:spTree>
+      <p:nvGrpSpPr>
         <p:cNvPr id="1" name="Shape 203"/>
         <p:cNvGrpSpPr/>
         <p:nvPr/>
@@ -29114,1908 +32421,6 @@
               <a:t>02.</a:t>
             </a:r>
             <a:endParaRPr/>
-          </a:p>
-        </p:txBody>
-      </p:sp>
-    </p:spTree>
-  </p:cSld>
-  <p:clrMapOvr>
-    <a:masterClrMapping/>
-  </p:clrMapOvr>
-</p:sld>
-</file>
-
-<file path=ppt/slides/slide6.xml><?xml version="1.0" encoding="utf-8"?>
-<p:sld xmlns:a="http://schemas.openxmlformats.org/drawingml/2006/main" xmlns:r="http://schemas.openxmlformats.org/officeDocument/2006/relationships" xmlns:p="http://schemas.openxmlformats.org/presentationml/2006/main">
-  <p:cSld>
-    <p:spTree>
-      <p:nvGrpSpPr>
-        <p:cNvPr id="1" name="Shape 211"/>
-        <p:cNvGrpSpPr/>
-        <p:nvPr/>
-      </p:nvGrpSpPr>
-      <p:grpSpPr>
-        <a:xfrm>
-          <a:off x="0" y="0"/>
-          <a:ext cx="0" cy="0"/>
-          <a:chOff x="0" y="0"/>
-          <a:chExt cx="0" cy="0"/>
-        </a:xfrm>
-      </p:grpSpPr>
-      <p:sp>
-        <p:nvSpPr>
-          <p:cNvPr id="229" name="Google Shape;229;p35"/>
-          <p:cNvSpPr txBox="1">
-            <a:spLocks noGrp="1"/>
-          </p:cNvSpPr>
-          <p:nvPr>
-            <p:ph type="title"/>
-          </p:nvPr>
-        </p:nvSpPr>
-        <p:spPr>
-          <a:xfrm>
-            <a:off x="651150" y="545225"/>
-            <a:ext cx="7330094" cy="323400"/>
-          </a:xfrm>
-          <a:prstGeom prst="rect">
-            <a:avLst/>
-          </a:prstGeom>
-        </p:spPr>
-        <p:txBody>
-          <a:bodyPr spcFirstLastPara="1" wrap="square" lIns="91425" tIns="91425" rIns="91425" bIns="91425" anchor="ctr" anchorCtr="0">
-            <a:noAutofit/>
-          </a:bodyPr>
-          <a:lstStyle/>
-          <a:p>
-            <a:pPr marL="0" lvl="0" indent="0" algn="l" rtl="0">
-              <a:spcBef>
-                <a:spcPts val="0"/>
-              </a:spcBef>
-              <a:spcAft>
-                <a:spcPts val="0"/>
-              </a:spcAft>
-              <a:buNone/>
-            </a:pPr>
-            <a:r>
-              <a:rPr lang="en" dirty="0"/>
-              <a:t>Objetivo : Ambiente estable y controlado</a:t>
-            </a:r>
-            <a:endParaRPr dirty="0"/>
-          </a:p>
-        </p:txBody>
-      </p:sp>
-      <p:sp>
-        <p:nvSpPr>
-          <p:cNvPr id="9" name="TextBox 8">
-            <a:extLst>
-              <a:ext uri="{FF2B5EF4-FFF2-40B4-BE49-F238E27FC236}">
-                <a16:creationId xmlns:a16="http://schemas.microsoft.com/office/drawing/2014/main" id="{F9B9390F-465E-E8E9-5375-60487A7A57F5}"/>
-              </a:ext>
-            </a:extLst>
-          </p:cNvPr>
-          <p:cNvSpPr txBox="1"/>
-          <p:nvPr/>
-        </p:nvSpPr>
-        <p:spPr>
-          <a:xfrm>
-            <a:off x="1474117" y="1645008"/>
-            <a:ext cx="6829909" cy="2246769"/>
-          </a:xfrm>
-          <a:prstGeom prst="rect">
-            <a:avLst/>
-          </a:prstGeom>
-          <a:noFill/>
-        </p:spPr>
-        <p:txBody>
-          <a:bodyPr wrap="square">
-            <a:spAutoFit/>
-          </a:bodyPr>
-          <a:lstStyle/>
-          <a:p>
-            <a:pPr marL="0" marR="0" lvl="0" indent="0" algn="just" defTabSz="914400" rtl="0" eaLnBrk="1" fontAlgn="auto" latinLnBrk="0" hangingPunct="1">
-              <a:lnSpc>
-                <a:spcPct val="100000"/>
-              </a:lnSpc>
-              <a:spcBef>
-                <a:spcPts val="0"/>
-              </a:spcBef>
-              <a:spcAft>
-                <a:spcPts val="0"/>
-              </a:spcAft>
-              <a:buClr>
-                <a:srgbClr val="F6F6F6"/>
-              </a:buClr>
-              <a:buSzPts val="1400"/>
-              <a:buFont typeface="Exo 2"/>
-              <a:buNone/>
-              <a:tabLst/>
-              <a:defRPr/>
-            </a:pPr>
-            <a:r>
-              <a:rPr kumimoji="0" lang="es-AR" sz="2000" b="0" i="0" u="none" strike="noStrike" kern="0" cap="none" spc="0" normalizeH="0" baseline="0" noProof="0" dirty="0">
-                <a:ln>
-                  <a:noFill/>
-                </a:ln>
-                <a:solidFill>
-                  <a:srgbClr val="F6F6F6"/>
-                </a:solidFill>
-                <a:effectLst/>
-                <a:uLnTx/>
-                <a:uFillTx/>
-                <a:latin typeface="Exo 2"/>
-                <a:ea typeface="Exo 2"/>
-                <a:sym typeface="Exo 2"/>
-              </a:rPr>
-              <a:t>Diseñar e implementar un sistema de monitoreo (</a:t>
-            </a:r>
-            <a:r>
-              <a:rPr kumimoji="0" lang="es-AR" sz="2000" b="0" i="0" u="none" strike="noStrike" kern="0" cap="none" spc="0" normalizeH="0" baseline="0" noProof="0" dirty="0" err="1">
-                <a:ln>
-                  <a:noFill/>
-                </a:ln>
-                <a:solidFill>
-                  <a:srgbClr val="F6F6F6"/>
-                </a:solidFill>
-                <a:effectLst/>
-                <a:uLnTx/>
-                <a:uFillTx/>
-                <a:latin typeface="Exo 2"/>
-                <a:ea typeface="Exo 2"/>
-                <a:sym typeface="Exo 2"/>
-              </a:rPr>
-              <a:t>dashboard</a:t>
-            </a:r>
-            <a:r>
-              <a:rPr kumimoji="0" lang="es-AR" sz="2000" b="0" i="0" u="none" strike="noStrike" kern="0" cap="none" spc="0" normalizeH="0" baseline="0" noProof="0" dirty="0">
-                <a:ln>
-                  <a:noFill/>
-                </a:ln>
-                <a:solidFill>
-                  <a:srgbClr val="F6F6F6"/>
-                </a:solidFill>
-                <a:effectLst/>
-                <a:uLnTx/>
-                <a:uFillTx/>
-                <a:latin typeface="Exo 2"/>
-                <a:ea typeface="Exo 2"/>
-                <a:sym typeface="Exo 2"/>
-              </a:rPr>
-              <a:t>) para un Centro de Datos, utilizando los mecanismos de programación concurrente en Java para gestionar y monitorizar de forma autónoma la redundancia energética, la seguridad térmica y la alta disponibilidad de servicios críticos ante escenarios de falla.</a:t>
-            </a:r>
-          </a:p>
-        </p:txBody>
-      </p:sp>
-      <p:sp>
-        <p:nvSpPr>
-          <p:cNvPr id="10" name="Google Shape;199;p33">
-            <a:extLst>
-              <a:ext uri="{FF2B5EF4-FFF2-40B4-BE49-F238E27FC236}">
-                <a16:creationId xmlns:a16="http://schemas.microsoft.com/office/drawing/2014/main" id="{9A414326-C4DC-E0C4-CB3F-D8103535BB45}"/>
-              </a:ext>
-            </a:extLst>
-          </p:cNvPr>
-          <p:cNvSpPr/>
-          <p:nvPr/>
-        </p:nvSpPr>
-        <p:spPr>
-          <a:xfrm rot="5400000">
-            <a:off x="1248808" y="1814499"/>
-            <a:ext cx="252600" cy="136500"/>
-          </a:xfrm>
-          <a:prstGeom prst="triangle">
-            <a:avLst>
-              <a:gd name="adj" fmla="val 50000"/>
-            </a:avLst>
-          </a:prstGeom>
-          <a:solidFill>
-            <a:schemeClr val="accent1"/>
-          </a:solidFill>
-          <a:ln>
-            <a:noFill/>
-          </a:ln>
-        </p:spPr>
-        <p:txBody>
-          <a:bodyPr spcFirstLastPara="1" wrap="square" lIns="91425" tIns="91425" rIns="91425" bIns="91425" anchor="ctr" anchorCtr="0">
-            <a:noAutofit/>
-          </a:bodyPr>
-          <a:lstStyle/>
-          <a:p>
-            <a:pPr marL="0" lvl="0" indent="0" algn="l" rtl="0">
-              <a:spcBef>
-                <a:spcPts val="0"/>
-              </a:spcBef>
-              <a:spcAft>
-                <a:spcPts val="0"/>
-              </a:spcAft>
-              <a:buNone/>
-            </a:pPr>
-            <a:endParaRPr/>
-          </a:p>
-        </p:txBody>
-      </p:sp>
-    </p:spTree>
-  </p:cSld>
-  <p:clrMapOvr>
-    <a:masterClrMapping/>
-  </p:clrMapOvr>
-</p:sld>
-</file>
-
-<file path=ppt/slides/slide7.xml><?xml version="1.0" encoding="utf-8"?>
-<p:sld xmlns:a="http://schemas.openxmlformats.org/drawingml/2006/main" xmlns:r="http://schemas.openxmlformats.org/officeDocument/2006/relationships" xmlns:p="http://schemas.openxmlformats.org/presentationml/2006/main">
-  <p:cSld>
-    <p:spTree>
-      <p:nvGrpSpPr>
-        <p:cNvPr id="1" name="Shape 233"/>
-        <p:cNvGrpSpPr/>
-        <p:nvPr/>
-      </p:nvGrpSpPr>
-      <p:grpSpPr>
-        <a:xfrm>
-          <a:off x="0" y="0"/>
-          <a:ext cx="0" cy="0"/>
-          <a:chOff x="0" y="0"/>
-          <a:chExt cx="0" cy="0"/>
-        </a:xfrm>
-      </p:grpSpPr>
-      <p:sp>
-        <p:nvSpPr>
-          <p:cNvPr id="234" name="Google Shape;234;p36"/>
-          <p:cNvSpPr txBox="1">
-            <a:spLocks noGrp="1"/>
-          </p:cNvSpPr>
-          <p:nvPr>
-            <p:ph type="subTitle" idx="1"/>
-          </p:nvPr>
-        </p:nvSpPr>
-        <p:spPr>
-          <a:xfrm>
-            <a:off x="1468550" y="2493300"/>
-            <a:ext cx="6493800" cy="669000"/>
-          </a:xfrm>
-          <a:prstGeom prst="rect">
-            <a:avLst/>
-          </a:prstGeom>
-        </p:spPr>
-        <p:txBody>
-          <a:bodyPr spcFirstLastPara="1" wrap="square" lIns="91425" tIns="91425" rIns="91425" bIns="91425" anchor="ctr" anchorCtr="0">
-            <a:noAutofit/>
-          </a:bodyPr>
-          <a:lstStyle/>
-          <a:p>
-            <a:pPr marL="0" lvl="0" indent="0" algn="l" rtl="0">
-              <a:spcBef>
-                <a:spcPts val="0"/>
-              </a:spcBef>
-              <a:spcAft>
-                <a:spcPts val="0"/>
-              </a:spcAft>
-              <a:buNone/>
-            </a:pPr>
-            <a:r>
-              <a:rPr lang="en"/>
-              <a:t>Infraestructura</a:t>
-            </a:r>
-            <a:endParaRPr/>
-          </a:p>
-        </p:txBody>
-      </p:sp>
-      <p:sp>
-        <p:nvSpPr>
-          <p:cNvPr id="235" name="Google Shape;235;p36"/>
-          <p:cNvSpPr/>
-          <p:nvPr/>
-        </p:nvSpPr>
-        <p:spPr>
-          <a:xfrm rot="5400000">
-            <a:off x="1060635" y="1802347"/>
-            <a:ext cx="507900" cy="274800"/>
-          </a:xfrm>
-          <a:prstGeom prst="triangle">
-            <a:avLst>
-              <a:gd name="adj" fmla="val 50000"/>
-            </a:avLst>
-          </a:prstGeom>
-          <a:solidFill>
-            <a:schemeClr val="accent1"/>
-          </a:solidFill>
-          <a:ln>
-            <a:noFill/>
-          </a:ln>
-        </p:spPr>
-        <p:txBody>
-          <a:bodyPr spcFirstLastPara="1" wrap="square" lIns="91425" tIns="91425" rIns="91425" bIns="91425" anchor="ctr" anchorCtr="0">
-            <a:noAutofit/>
-          </a:bodyPr>
-          <a:lstStyle/>
-          <a:p>
-            <a:pPr marL="0" lvl="0" indent="0" algn="l" rtl="0">
-              <a:spcBef>
-                <a:spcPts val="0"/>
-              </a:spcBef>
-              <a:spcAft>
-                <a:spcPts val="0"/>
-              </a:spcAft>
-              <a:buNone/>
-            </a:pPr>
-            <a:endParaRPr/>
-          </a:p>
-        </p:txBody>
-      </p:sp>
-      <p:sp>
-        <p:nvSpPr>
-          <p:cNvPr id="236" name="Google Shape;236;p36"/>
-          <p:cNvSpPr txBox="1">
-            <a:spLocks noGrp="1"/>
-          </p:cNvSpPr>
-          <p:nvPr>
-            <p:ph type="subTitle" idx="2"/>
-          </p:nvPr>
-        </p:nvSpPr>
-        <p:spPr>
-          <a:xfrm>
-            <a:off x="1468552" y="3179041"/>
-            <a:ext cx="4641600" cy="507900"/>
-          </a:xfrm>
-          <a:prstGeom prst="rect">
-            <a:avLst/>
-          </a:prstGeom>
-        </p:spPr>
-        <p:txBody>
-          <a:bodyPr spcFirstLastPara="1" wrap="square" lIns="91425" tIns="91425" rIns="91425" bIns="91425" anchor="t" anchorCtr="0">
-            <a:noAutofit/>
-          </a:bodyPr>
-          <a:lstStyle/>
-          <a:p>
-            <a:pPr marL="0" lvl="0" indent="0" algn="l" rtl="0">
-              <a:spcBef>
-                <a:spcPts val="0"/>
-              </a:spcBef>
-              <a:spcAft>
-                <a:spcPts val="0"/>
-              </a:spcAft>
-              <a:buNone/>
-            </a:pPr>
-            <a:r>
-              <a:rPr lang="en-US" sz="1400" dirty="0" err="1"/>
-              <a:t>Servidores</a:t>
-            </a:r>
-            <a:r>
-              <a:rPr lang="en-US" sz="1400" dirty="0"/>
-              <a:t> y </a:t>
-            </a:r>
-            <a:r>
-              <a:rPr lang="en-US" sz="1400" dirty="0" err="1"/>
-              <a:t>elementos</a:t>
-            </a:r>
-            <a:r>
-              <a:rPr lang="en-US" sz="1400" dirty="0"/>
-              <a:t> </a:t>
-            </a:r>
-            <a:r>
-              <a:rPr lang="en-US" sz="1400" dirty="0" err="1"/>
-              <a:t>principales</a:t>
-            </a:r>
-            <a:r>
-              <a:rPr lang="en-US" sz="1400" dirty="0"/>
-              <a:t> </a:t>
-            </a:r>
-            <a:r>
-              <a:rPr lang="en-US" sz="1400" dirty="0" err="1"/>
-              <a:t>en</a:t>
-            </a:r>
-            <a:r>
-              <a:rPr lang="en-US" sz="1400" dirty="0"/>
-              <a:t> la sala.</a:t>
-            </a:r>
-            <a:endParaRPr sz="1400" dirty="0"/>
-          </a:p>
-          <a:p>
-            <a:pPr marL="0" lvl="0" indent="0" algn="l" rtl="0">
-              <a:spcBef>
-                <a:spcPts val="0"/>
-              </a:spcBef>
-              <a:spcAft>
-                <a:spcPts val="0"/>
-              </a:spcAft>
-              <a:buNone/>
-            </a:pPr>
-            <a:endParaRPr dirty="0"/>
-          </a:p>
-        </p:txBody>
-      </p:sp>
-      <p:sp>
-        <p:nvSpPr>
-          <p:cNvPr id="237" name="Google Shape;237;p36"/>
-          <p:cNvSpPr txBox="1">
-            <a:spLocks noGrp="1"/>
-          </p:cNvSpPr>
-          <p:nvPr>
-            <p:ph type="title"/>
-          </p:nvPr>
-        </p:nvSpPr>
-        <p:spPr>
-          <a:xfrm>
-            <a:off x="1468552" y="1226638"/>
-            <a:ext cx="2155500" cy="1426200"/>
-          </a:xfrm>
-          <a:prstGeom prst="rect">
-            <a:avLst/>
-          </a:prstGeom>
-        </p:spPr>
-        <p:txBody>
-          <a:bodyPr spcFirstLastPara="1" wrap="square" lIns="91425" tIns="91425" rIns="91425" bIns="91425" anchor="ctr" anchorCtr="0">
-            <a:noAutofit/>
-          </a:bodyPr>
-          <a:lstStyle/>
-          <a:p>
-            <a:pPr marL="0" lvl="0" indent="0" algn="l" rtl="0">
-              <a:spcBef>
-                <a:spcPts val="0"/>
-              </a:spcBef>
-              <a:spcAft>
-                <a:spcPts val="0"/>
-              </a:spcAft>
-              <a:buNone/>
-            </a:pPr>
-            <a:r>
-              <a:rPr lang="en"/>
-              <a:t>03.</a:t>
-            </a:r>
-            <a:endParaRPr/>
-          </a:p>
-        </p:txBody>
-      </p:sp>
-    </p:spTree>
-  </p:cSld>
-  <p:clrMapOvr>
-    <a:masterClrMapping/>
-  </p:clrMapOvr>
-</p:sld>
-</file>
-
-<file path=ppt/slides/slide8.xml><?xml version="1.0" encoding="utf-8"?>
-<p:sld xmlns:a="http://schemas.openxmlformats.org/drawingml/2006/main" xmlns:r="http://schemas.openxmlformats.org/officeDocument/2006/relationships" xmlns:p="http://schemas.openxmlformats.org/presentationml/2006/main">
-  <p:cSld>
-    <p:spTree>
-      <p:nvGrpSpPr>
-        <p:cNvPr id="1" name="Shape 241"/>
-        <p:cNvGrpSpPr/>
-        <p:nvPr/>
-      </p:nvGrpSpPr>
-      <p:grpSpPr>
-        <a:xfrm>
-          <a:off x="0" y="0"/>
-          <a:ext cx="0" cy="0"/>
-          <a:chOff x="0" y="0"/>
-          <a:chExt cx="0" cy="0"/>
-        </a:xfrm>
-      </p:grpSpPr>
-      <p:sp>
-        <p:nvSpPr>
-          <p:cNvPr id="242" name="Google Shape;242;p37"/>
-          <p:cNvSpPr txBox="1">
-            <a:spLocks noGrp="1"/>
-          </p:cNvSpPr>
-          <p:nvPr>
-            <p:ph type="title"/>
-          </p:nvPr>
-        </p:nvSpPr>
-        <p:spPr>
-          <a:xfrm>
-            <a:off x="316335" y="443986"/>
-            <a:ext cx="5652000" cy="323400"/>
-          </a:xfrm>
-          <a:prstGeom prst="rect">
-            <a:avLst/>
-          </a:prstGeom>
-        </p:spPr>
-        <p:txBody>
-          <a:bodyPr spcFirstLastPara="1" wrap="square" lIns="91425" tIns="91425" rIns="91425" bIns="91425" anchor="ctr" anchorCtr="0">
-            <a:noAutofit/>
-          </a:bodyPr>
-          <a:lstStyle/>
-          <a:p>
-            <a:pPr marL="0" lvl="0" indent="0" algn="l" rtl="0">
-              <a:spcBef>
-                <a:spcPts val="0"/>
-              </a:spcBef>
-              <a:spcAft>
-                <a:spcPts val="0"/>
-              </a:spcAft>
-              <a:buNone/>
-            </a:pPr>
-            <a:r>
-              <a:rPr lang="en" dirty="0"/>
-              <a:t>Equipos instalados en la sala</a:t>
-            </a:r>
-            <a:endParaRPr dirty="0"/>
-          </a:p>
-        </p:txBody>
-      </p:sp>
-      <p:sp>
-        <p:nvSpPr>
-          <p:cNvPr id="243" name="Google Shape;243;p37"/>
-          <p:cNvSpPr txBox="1">
-            <a:spLocks noGrp="1"/>
-          </p:cNvSpPr>
-          <p:nvPr>
-            <p:ph type="subTitle" idx="4294967295"/>
-          </p:nvPr>
-        </p:nvSpPr>
-        <p:spPr>
-          <a:xfrm>
-            <a:off x="1188204" y="1046544"/>
-            <a:ext cx="4089900" cy="262200"/>
-          </a:xfrm>
-          <a:prstGeom prst="rect">
-            <a:avLst/>
-          </a:prstGeom>
-        </p:spPr>
-        <p:txBody>
-          <a:bodyPr spcFirstLastPara="1" wrap="square" lIns="91425" tIns="91425" rIns="91425" bIns="91425" anchor="ctr" anchorCtr="0">
-            <a:noAutofit/>
-          </a:bodyPr>
-          <a:lstStyle/>
-          <a:p>
-            <a:pPr marL="0" lvl="0" indent="0">
-              <a:buNone/>
-            </a:pPr>
-            <a:r>
-              <a:rPr lang="en-US" sz="2200" dirty="0" err="1">
-                <a:solidFill>
-                  <a:schemeClr val="accent1"/>
-                </a:solidFill>
-              </a:rPr>
-              <a:t>Servidores</a:t>
-            </a:r>
-            <a:r>
-              <a:rPr lang="en-US" sz="2200" dirty="0">
-                <a:solidFill>
-                  <a:schemeClr val="accent1"/>
-                </a:solidFill>
-              </a:rPr>
-              <a:t> </a:t>
-            </a:r>
-          </a:p>
-        </p:txBody>
-      </p:sp>
-      <p:sp>
-        <p:nvSpPr>
-          <p:cNvPr id="244" name="Google Shape;244;p37"/>
-          <p:cNvSpPr txBox="1">
-            <a:spLocks noGrp="1"/>
-          </p:cNvSpPr>
-          <p:nvPr>
-            <p:ph type="subTitle" idx="4294967295"/>
-          </p:nvPr>
-        </p:nvSpPr>
-        <p:spPr>
-          <a:xfrm>
-            <a:off x="1286539" y="1401276"/>
-            <a:ext cx="6730409" cy="1040785"/>
-          </a:xfrm>
-          <a:prstGeom prst="rect">
-            <a:avLst/>
-          </a:prstGeom>
-        </p:spPr>
-        <p:txBody>
-          <a:bodyPr spcFirstLastPara="1" wrap="square" lIns="91425" tIns="91425" rIns="91425" bIns="91425" anchor="t" anchorCtr="0">
-            <a:noAutofit/>
-          </a:bodyPr>
-          <a:lstStyle/>
-          <a:p>
-            <a:pPr marL="0" lvl="0" indent="0">
-              <a:buNone/>
-            </a:pPr>
-            <a:r>
-              <a:rPr lang="en-US" dirty="0">
-                <a:solidFill>
-                  <a:schemeClr val="accent3"/>
-                </a:solidFill>
-              </a:rPr>
-              <a:t>PROD : ambientes </a:t>
-            </a:r>
-            <a:r>
-              <a:rPr lang="en-US" dirty="0" err="1">
-                <a:solidFill>
-                  <a:schemeClr val="accent3"/>
-                </a:solidFill>
-              </a:rPr>
-              <a:t>productivos</a:t>
-            </a:r>
-            <a:r>
-              <a:rPr lang="en-US" dirty="0">
-                <a:solidFill>
-                  <a:schemeClr val="accent3"/>
-                </a:solidFill>
-              </a:rPr>
-              <a:t>, </a:t>
-            </a:r>
-            <a:r>
-              <a:rPr lang="en-US" dirty="0" err="1">
-                <a:solidFill>
-                  <a:schemeClr val="accent3"/>
-                </a:solidFill>
-              </a:rPr>
-              <a:t>en</a:t>
-            </a:r>
-            <a:r>
-              <a:rPr lang="en-US" dirty="0">
-                <a:solidFill>
-                  <a:schemeClr val="accent3"/>
-                </a:solidFill>
-              </a:rPr>
-              <a:t> </a:t>
-            </a:r>
-            <a:r>
-              <a:rPr lang="en-US" dirty="0" err="1">
-                <a:solidFill>
-                  <a:schemeClr val="accent3"/>
-                </a:solidFill>
-              </a:rPr>
-              <a:t>el</a:t>
-            </a:r>
-            <a:r>
-              <a:rPr lang="en-US" dirty="0">
-                <a:solidFill>
-                  <a:schemeClr val="accent3"/>
-                </a:solidFill>
-              </a:rPr>
-              <a:t> </a:t>
-            </a:r>
-            <a:r>
-              <a:rPr lang="en-US" dirty="0" err="1">
-                <a:solidFill>
-                  <a:schemeClr val="accent3"/>
-                </a:solidFill>
-              </a:rPr>
-              <a:t>mismo</a:t>
-            </a:r>
-            <a:r>
-              <a:rPr lang="en-US" dirty="0">
-                <a:solidFill>
-                  <a:schemeClr val="accent3"/>
-                </a:solidFill>
-              </a:rPr>
-              <a:t> rack modem, router, switch y firewalls </a:t>
-            </a:r>
-            <a:r>
-              <a:rPr lang="en-US" dirty="0" err="1">
-                <a:solidFill>
-                  <a:schemeClr val="accent3"/>
-                </a:solidFill>
-              </a:rPr>
-              <a:t>ya</a:t>
-            </a:r>
-            <a:r>
-              <a:rPr lang="en-US" dirty="0">
-                <a:solidFill>
-                  <a:schemeClr val="accent3"/>
-                </a:solidFill>
-              </a:rPr>
-              <a:t> </a:t>
-            </a:r>
-            <a:r>
-              <a:rPr lang="en-US" dirty="0" err="1">
-                <a:solidFill>
-                  <a:schemeClr val="accent3"/>
-                </a:solidFill>
-              </a:rPr>
-              <a:t>configurados</a:t>
-            </a:r>
-            <a:r>
-              <a:rPr lang="en-US" dirty="0">
-                <a:solidFill>
-                  <a:schemeClr val="accent3"/>
-                </a:solidFill>
-              </a:rPr>
-              <a:t>.</a:t>
-            </a:r>
-          </a:p>
-          <a:p>
-            <a:pPr marL="0" lvl="0" indent="0">
-              <a:buNone/>
-            </a:pPr>
-            <a:r>
-              <a:rPr lang="en-US" dirty="0">
-                <a:solidFill>
-                  <a:schemeClr val="accent3"/>
-                </a:solidFill>
-              </a:rPr>
-              <a:t>LAB : </a:t>
-            </a:r>
-            <a:r>
-              <a:rPr lang="en-US" dirty="0" err="1">
-                <a:solidFill>
-                  <a:schemeClr val="accent3"/>
-                </a:solidFill>
-              </a:rPr>
-              <a:t>destinado</a:t>
-            </a:r>
-            <a:r>
-              <a:rPr lang="en-US" dirty="0">
-                <a:solidFill>
-                  <a:schemeClr val="accent3"/>
-                </a:solidFill>
-              </a:rPr>
-              <a:t> a ambientes testing y </a:t>
-            </a:r>
-            <a:r>
-              <a:rPr lang="en-US" dirty="0" err="1">
-                <a:solidFill>
-                  <a:schemeClr val="accent3"/>
-                </a:solidFill>
-              </a:rPr>
-              <a:t>similares</a:t>
-            </a:r>
-            <a:r>
-              <a:rPr lang="en-US" dirty="0">
-                <a:solidFill>
-                  <a:schemeClr val="accent3"/>
-                </a:solidFill>
-              </a:rPr>
-              <a:t>.</a:t>
-            </a:r>
-          </a:p>
-          <a:p>
-            <a:pPr marL="0" lvl="0" indent="0">
-              <a:buNone/>
-            </a:pPr>
-            <a:r>
-              <a:rPr lang="en-US" dirty="0">
-                <a:solidFill>
-                  <a:schemeClr val="accent3"/>
-                </a:solidFill>
-              </a:rPr>
-              <a:t>NAS : </a:t>
-            </a:r>
-            <a:r>
-              <a:rPr lang="en-US" dirty="0" err="1">
-                <a:solidFill>
-                  <a:schemeClr val="accent3"/>
-                </a:solidFill>
-              </a:rPr>
-              <a:t>almacenamiento</a:t>
-            </a:r>
-            <a:r>
-              <a:rPr lang="en-US" dirty="0">
-                <a:solidFill>
-                  <a:schemeClr val="accent3"/>
-                </a:solidFill>
-              </a:rPr>
-              <a:t> de </a:t>
-            </a:r>
-            <a:r>
-              <a:rPr lang="en-US" dirty="0" err="1">
-                <a:solidFill>
-                  <a:schemeClr val="accent3"/>
-                </a:solidFill>
-              </a:rPr>
-              <a:t>recursos</a:t>
-            </a:r>
-            <a:r>
-              <a:rPr lang="en-US" dirty="0">
-                <a:solidFill>
-                  <a:schemeClr val="accent3"/>
-                </a:solidFill>
-              </a:rPr>
-              <a:t> para ambientes no </a:t>
-            </a:r>
-            <a:r>
-              <a:rPr lang="en-US" dirty="0" err="1">
-                <a:solidFill>
-                  <a:schemeClr val="accent3"/>
-                </a:solidFill>
-              </a:rPr>
-              <a:t>productivos</a:t>
-            </a:r>
-            <a:r>
-              <a:rPr lang="en-US" dirty="0">
-                <a:solidFill>
-                  <a:schemeClr val="accent3"/>
-                </a:solidFill>
-              </a:rPr>
-              <a:t>.</a:t>
-            </a:r>
-          </a:p>
-          <a:p>
-            <a:pPr marL="0" lvl="0" indent="0" algn="l" rtl="0">
-              <a:lnSpc>
-                <a:spcPct val="100000"/>
-              </a:lnSpc>
-              <a:spcBef>
-                <a:spcPts val="0"/>
-              </a:spcBef>
-              <a:spcAft>
-                <a:spcPts val="0"/>
-              </a:spcAft>
-              <a:buNone/>
-            </a:pPr>
-            <a:endParaRPr sz="1600" dirty="0">
-              <a:solidFill>
-                <a:schemeClr val="accent3"/>
-              </a:solidFill>
-            </a:endParaRPr>
-          </a:p>
-        </p:txBody>
-      </p:sp>
-      <p:sp>
-        <p:nvSpPr>
-          <p:cNvPr id="2" name="Google Shape;243;p37">
-            <a:extLst>
-              <a:ext uri="{FF2B5EF4-FFF2-40B4-BE49-F238E27FC236}">
-                <a16:creationId xmlns:a16="http://schemas.microsoft.com/office/drawing/2014/main" id="{66D245C4-48D5-E822-5B26-31C3878E0DD3}"/>
-              </a:ext>
-            </a:extLst>
-          </p:cNvPr>
-          <p:cNvSpPr txBox="1">
-            <a:spLocks/>
-          </p:cNvSpPr>
-          <p:nvPr/>
-        </p:nvSpPr>
-        <p:spPr>
-          <a:xfrm>
-            <a:off x="1188204" y="3690430"/>
-            <a:ext cx="4089900" cy="262200"/>
-          </a:xfrm>
-          <a:prstGeom prst="rect">
-            <a:avLst/>
-          </a:prstGeom>
-          <a:noFill/>
-          <a:ln>
-            <a:noFill/>
-          </a:ln>
-        </p:spPr>
-        <p:txBody>
-          <a:bodyPr spcFirstLastPara="1" wrap="square" lIns="91425" tIns="91425" rIns="91425" bIns="91425" anchor="ctr" anchorCtr="0">
-            <a:noAutofit/>
-          </a:bodyPr>
-          <a:lstStyle>
-            <a:defPPr marR="0" lvl="0" algn="l" rtl="0">
-              <a:lnSpc>
-                <a:spcPct val="100000"/>
-              </a:lnSpc>
-              <a:spcBef>
-                <a:spcPts val="0"/>
-              </a:spcBef>
-              <a:spcAft>
-                <a:spcPts val="0"/>
-              </a:spcAft>
-            </a:defPPr>
-            <a:lvl1pPr marL="457200" marR="0" lvl="0" indent="-317500" algn="l" rtl="0">
-              <a:lnSpc>
-                <a:spcPct val="100000"/>
-              </a:lnSpc>
-              <a:spcBef>
-                <a:spcPts val="0"/>
-              </a:spcBef>
-              <a:spcAft>
-                <a:spcPts val="0"/>
-              </a:spcAft>
-              <a:buClr>
-                <a:schemeClr val="lt1"/>
-              </a:buClr>
-              <a:buSzPts val="1400"/>
-              <a:buFont typeface="Exo 2"/>
-              <a:buChar char="●"/>
-              <a:defRPr sz="1400" b="0" i="0" u="none" strike="noStrike" cap="none">
-                <a:solidFill>
-                  <a:schemeClr val="lt1"/>
-                </a:solidFill>
-                <a:latin typeface="Exo 2"/>
-                <a:ea typeface="Exo 2"/>
-                <a:cs typeface="Exo 2"/>
-                <a:sym typeface="Exo 2"/>
-              </a:defRPr>
-            </a:lvl1pPr>
-            <a:lvl2pPr marL="914400" marR="0" lvl="1" indent="-317500" algn="l" rtl="0">
-              <a:lnSpc>
-                <a:spcPct val="100000"/>
-              </a:lnSpc>
-              <a:spcBef>
-                <a:spcPts val="0"/>
-              </a:spcBef>
-              <a:spcAft>
-                <a:spcPts val="0"/>
-              </a:spcAft>
-              <a:buClr>
-                <a:schemeClr val="lt1"/>
-              </a:buClr>
-              <a:buSzPts val="1400"/>
-              <a:buFont typeface="Exo 2"/>
-              <a:buChar char="○"/>
-              <a:defRPr sz="1400" b="0" i="0" u="none" strike="noStrike" cap="none">
-                <a:solidFill>
-                  <a:schemeClr val="lt1"/>
-                </a:solidFill>
-                <a:latin typeface="Exo 2"/>
-                <a:ea typeface="Exo 2"/>
-                <a:cs typeface="Exo 2"/>
-                <a:sym typeface="Exo 2"/>
-              </a:defRPr>
-            </a:lvl2pPr>
-            <a:lvl3pPr marL="1371600" marR="0" lvl="2" indent="-317500" algn="l" rtl="0">
-              <a:lnSpc>
-                <a:spcPct val="100000"/>
-              </a:lnSpc>
-              <a:spcBef>
-                <a:spcPts val="0"/>
-              </a:spcBef>
-              <a:spcAft>
-                <a:spcPts val="0"/>
-              </a:spcAft>
-              <a:buClr>
-                <a:schemeClr val="lt1"/>
-              </a:buClr>
-              <a:buSzPts val="1400"/>
-              <a:buFont typeface="Exo 2"/>
-              <a:buChar char="■"/>
-              <a:defRPr sz="1400" b="0" i="0" u="none" strike="noStrike" cap="none">
-                <a:solidFill>
-                  <a:schemeClr val="lt1"/>
-                </a:solidFill>
-                <a:latin typeface="Exo 2"/>
-                <a:ea typeface="Exo 2"/>
-                <a:cs typeface="Exo 2"/>
-                <a:sym typeface="Exo 2"/>
-              </a:defRPr>
-            </a:lvl3pPr>
-            <a:lvl4pPr marL="1828800" marR="0" lvl="3" indent="-317500" algn="l" rtl="0">
-              <a:lnSpc>
-                <a:spcPct val="100000"/>
-              </a:lnSpc>
-              <a:spcBef>
-                <a:spcPts val="0"/>
-              </a:spcBef>
-              <a:spcAft>
-                <a:spcPts val="0"/>
-              </a:spcAft>
-              <a:buClr>
-                <a:schemeClr val="lt1"/>
-              </a:buClr>
-              <a:buSzPts val="1400"/>
-              <a:buFont typeface="Exo 2"/>
-              <a:buChar char="●"/>
-              <a:defRPr sz="1400" b="0" i="0" u="none" strike="noStrike" cap="none">
-                <a:solidFill>
-                  <a:schemeClr val="lt1"/>
-                </a:solidFill>
-                <a:latin typeface="Exo 2"/>
-                <a:ea typeface="Exo 2"/>
-                <a:cs typeface="Exo 2"/>
-                <a:sym typeface="Exo 2"/>
-              </a:defRPr>
-            </a:lvl4pPr>
-            <a:lvl5pPr marL="2286000" marR="0" lvl="4" indent="-317500" algn="l" rtl="0">
-              <a:lnSpc>
-                <a:spcPct val="100000"/>
-              </a:lnSpc>
-              <a:spcBef>
-                <a:spcPts val="0"/>
-              </a:spcBef>
-              <a:spcAft>
-                <a:spcPts val="0"/>
-              </a:spcAft>
-              <a:buClr>
-                <a:schemeClr val="lt1"/>
-              </a:buClr>
-              <a:buSzPts val="1400"/>
-              <a:buFont typeface="Exo 2"/>
-              <a:buChar char="○"/>
-              <a:defRPr sz="1400" b="0" i="0" u="none" strike="noStrike" cap="none">
-                <a:solidFill>
-                  <a:schemeClr val="lt1"/>
-                </a:solidFill>
-                <a:latin typeface="Exo 2"/>
-                <a:ea typeface="Exo 2"/>
-                <a:cs typeface="Exo 2"/>
-                <a:sym typeface="Exo 2"/>
-              </a:defRPr>
-            </a:lvl5pPr>
-            <a:lvl6pPr marL="2743200" marR="0" lvl="5" indent="-317500" algn="l" rtl="0">
-              <a:lnSpc>
-                <a:spcPct val="100000"/>
-              </a:lnSpc>
-              <a:spcBef>
-                <a:spcPts val="0"/>
-              </a:spcBef>
-              <a:spcAft>
-                <a:spcPts val="0"/>
-              </a:spcAft>
-              <a:buClr>
-                <a:schemeClr val="lt1"/>
-              </a:buClr>
-              <a:buSzPts val="1400"/>
-              <a:buFont typeface="Exo 2"/>
-              <a:buChar char="■"/>
-              <a:defRPr sz="1400" b="0" i="0" u="none" strike="noStrike" cap="none">
-                <a:solidFill>
-                  <a:schemeClr val="lt1"/>
-                </a:solidFill>
-                <a:latin typeface="Exo 2"/>
-                <a:ea typeface="Exo 2"/>
-                <a:cs typeface="Exo 2"/>
-                <a:sym typeface="Exo 2"/>
-              </a:defRPr>
-            </a:lvl6pPr>
-            <a:lvl7pPr marL="3200400" marR="0" lvl="6" indent="-317500" algn="l" rtl="0">
-              <a:lnSpc>
-                <a:spcPct val="100000"/>
-              </a:lnSpc>
-              <a:spcBef>
-                <a:spcPts val="0"/>
-              </a:spcBef>
-              <a:spcAft>
-                <a:spcPts val="0"/>
-              </a:spcAft>
-              <a:buClr>
-                <a:schemeClr val="lt1"/>
-              </a:buClr>
-              <a:buSzPts val="1400"/>
-              <a:buFont typeface="Exo 2"/>
-              <a:buChar char="●"/>
-              <a:defRPr sz="1400" b="0" i="0" u="none" strike="noStrike" cap="none">
-                <a:solidFill>
-                  <a:schemeClr val="lt1"/>
-                </a:solidFill>
-                <a:latin typeface="Exo 2"/>
-                <a:ea typeface="Exo 2"/>
-                <a:cs typeface="Exo 2"/>
-                <a:sym typeface="Exo 2"/>
-              </a:defRPr>
-            </a:lvl7pPr>
-            <a:lvl8pPr marL="3657600" marR="0" lvl="7" indent="-317500" algn="l" rtl="0">
-              <a:lnSpc>
-                <a:spcPct val="100000"/>
-              </a:lnSpc>
-              <a:spcBef>
-                <a:spcPts val="0"/>
-              </a:spcBef>
-              <a:spcAft>
-                <a:spcPts val="0"/>
-              </a:spcAft>
-              <a:buClr>
-                <a:schemeClr val="lt1"/>
-              </a:buClr>
-              <a:buSzPts val="1400"/>
-              <a:buFont typeface="Exo 2"/>
-              <a:buChar char="○"/>
-              <a:defRPr sz="1400" b="0" i="0" u="none" strike="noStrike" cap="none">
-                <a:solidFill>
-                  <a:schemeClr val="lt1"/>
-                </a:solidFill>
-                <a:latin typeface="Exo 2"/>
-                <a:ea typeface="Exo 2"/>
-                <a:cs typeface="Exo 2"/>
-                <a:sym typeface="Exo 2"/>
-              </a:defRPr>
-            </a:lvl8pPr>
-            <a:lvl9pPr marL="4114800" marR="0" lvl="8" indent="-317500" algn="l" rtl="0">
-              <a:lnSpc>
-                <a:spcPct val="100000"/>
-              </a:lnSpc>
-              <a:spcBef>
-                <a:spcPts val="0"/>
-              </a:spcBef>
-              <a:spcAft>
-                <a:spcPts val="0"/>
-              </a:spcAft>
-              <a:buClr>
-                <a:schemeClr val="lt1"/>
-              </a:buClr>
-              <a:buSzPts val="1400"/>
-              <a:buFont typeface="Exo 2"/>
-              <a:buChar char="■"/>
-              <a:defRPr sz="1400" b="0" i="0" u="none" strike="noStrike" cap="none">
-                <a:solidFill>
-                  <a:schemeClr val="lt1"/>
-                </a:solidFill>
-                <a:latin typeface="Exo 2"/>
-                <a:ea typeface="Exo 2"/>
-                <a:cs typeface="Exo 2"/>
-                <a:sym typeface="Exo 2"/>
-              </a:defRPr>
-            </a:lvl9pPr>
-          </a:lstStyle>
-          <a:p>
-            <a:pPr marL="0" indent="0">
-              <a:buFont typeface="Exo 2"/>
-              <a:buNone/>
-            </a:pPr>
-            <a:r>
-              <a:rPr lang="en-US" sz="2200" dirty="0">
-                <a:solidFill>
-                  <a:schemeClr val="accent1"/>
-                </a:solidFill>
-              </a:rPr>
-              <a:t>Aires </a:t>
-            </a:r>
-            <a:r>
-              <a:rPr lang="en-US" sz="2200" dirty="0" err="1">
-                <a:solidFill>
-                  <a:schemeClr val="accent1"/>
-                </a:solidFill>
-              </a:rPr>
-              <a:t>acondicionados</a:t>
-            </a:r>
-            <a:r>
-              <a:rPr lang="en-US" sz="2200" dirty="0">
-                <a:solidFill>
-                  <a:schemeClr val="accent1"/>
-                </a:solidFill>
-              </a:rPr>
-              <a:t> </a:t>
-            </a:r>
-          </a:p>
-        </p:txBody>
-      </p:sp>
-      <p:sp>
-        <p:nvSpPr>
-          <p:cNvPr id="3" name="Google Shape;243;p37">
-            <a:extLst>
-              <a:ext uri="{FF2B5EF4-FFF2-40B4-BE49-F238E27FC236}">
-                <a16:creationId xmlns:a16="http://schemas.microsoft.com/office/drawing/2014/main" id="{4CEA77D8-34AE-EBF2-237D-BBD638984BBA}"/>
-              </a:ext>
-            </a:extLst>
-          </p:cNvPr>
-          <p:cNvSpPr txBox="1">
-            <a:spLocks/>
-          </p:cNvSpPr>
-          <p:nvPr/>
-        </p:nvSpPr>
-        <p:spPr>
-          <a:xfrm>
-            <a:off x="1188204" y="2571750"/>
-            <a:ext cx="4089900" cy="262200"/>
-          </a:xfrm>
-          <a:prstGeom prst="rect">
-            <a:avLst/>
-          </a:prstGeom>
-          <a:noFill/>
-          <a:ln>
-            <a:noFill/>
-          </a:ln>
-        </p:spPr>
-        <p:txBody>
-          <a:bodyPr spcFirstLastPara="1" wrap="square" lIns="91425" tIns="91425" rIns="91425" bIns="91425" anchor="ctr" anchorCtr="0">
-            <a:noAutofit/>
-          </a:bodyPr>
-          <a:lstStyle>
-            <a:defPPr marR="0" lvl="0" algn="l" rtl="0">
-              <a:lnSpc>
-                <a:spcPct val="100000"/>
-              </a:lnSpc>
-              <a:spcBef>
-                <a:spcPts val="0"/>
-              </a:spcBef>
-              <a:spcAft>
-                <a:spcPts val="0"/>
-              </a:spcAft>
-            </a:defPPr>
-            <a:lvl1pPr marL="457200" marR="0" lvl="0" indent="-317500" algn="l" rtl="0">
-              <a:lnSpc>
-                <a:spcPct val="100000"/>
-              </a:lnSpc>
-              <a:spcBef>
-                <a:spcPts val="0"/>
-              </a:spcBef>
-              <a:spcAft>
-                <a:spcPts val="0"/>
-              </a:spcAft>
-              <a:buClr>
-                <a:schemeClr val="lt1"/>
-              </a:buClr>
-              <a:buSzPts val="1400"/>
-              <a:buFont typeface="Exo 2"/>
-              <a:buChar char="●"/>
-              <a:defRPr sz="1400" b="0" i="0" u="none" strike="noStrike" cap="none">
-                <a:solidFill>
-                  <a:schemeClr val="lt1"/>
-                </a:solidFill>
-                <a:latin typeface="Exo 2"/>
-                <a:ea typeface="Exo 2"/>
-                <a:cs typeface="Exo 2"/>
-                <a:sym typeface="Exo 2"/>
-              </a:defRPr>
-            </a:lvl1pPr>
-            <a:lvl2pPr marL="914400" marR="0" lvl="1" indent="-317500" algn="l" rtl="0">
-              <a:lnSpc>
-                <a:spcPct val="100000"/>
-              </a:lnSpc>
-              <a:spcBef>
-                <a:spcPts val="0"/>
-              </a:spcBef>
-              <a:spcAft>
-                <a:spcPts val="0"/>
-              </a:spcAft>
-              <a:buClr>
-                <a:schemeClr val="lt1"/>
-              </a:buClr>
-              <a:buSzPts val="1400"/>
-              <a:buFont typeface="Exo 2"/>
-              <a:buChar char="○"/>
-              <a:defRPr sz="1400" b="0" i="0" u="none" strike="noStrike" cap="none">
-                <a:solidFill>
-                  <a:schemeClr val="lt1"/>
-                </a:solidFill>
-                <a:latin typeface="Exo 2"/>
-                <a:ea typeface="Exo 2"/>
-                <a:cs typeface="Exo 2"/>
-                <a:sym typeface="Exo 2"/>
-              </a:defRPr>
-            </a:lvl2pPr>
-            <a:lvl3pPr marL="1371600" marR="0" lvl="2" indent="-317500" algn="l" rtl="0">
-              <a:lnSpc>
-                <a:spcPct val="100000"/>
-              </a:lnSpc>
-              <a:spcBef>
-                <a:spcPts val="0"/>
-              </a:spcBef>
-              <a:spcAft>
-                <a:spcPts val="0"/>
-              </a:spcAft>
-              <a:buClr>
-                <a:schemeClr val="lt1"/>
-              </a:buClr>
-              <a:buSzPts val="1400"/>
-              <a:buFont typeface="Exo 2"/>
-              <a:buChar char="■"/>
-              <a:defRPr sz="1400" b="0" i="0" u="none" strike="noStrike" cap="none">
-                <a:solidFill>
-                  <a:schemeClr val="lt1"/>
-                </a:solidFill>
-                <a:latin typeface="Exo 2"/>
-                <a:ea typeface="Exo 2"/>
-                <a:cs typeface="Exo 2"/>
-                <a:sym typeface="Exo 2"/>
-              </a:defRPr>
-            </a:lvl3pPr>
-            <a:lvl4pPr marL="1828800" marR="0" lvl="3" indent="-317500" algn="l" rtl="0">
-              <a:lnSpc>
-                <a:spcPct val="100000"/>
-              </a:lnSpc>
-              <a:spcBef>
-                <a:spcPts val="0"/>
-              </a:spcBef>
-              <a:spcAft>
-                <a:spcPts val="0"/>
-              </a:spcAft>
-              <a:buClr>
-                <a:schemeClr val="lt1"/>
-              </a:buClr>
-              <a:buSzPts val="1400"/>
-              <a:buFont typeface="Exo 2"/>
-              <a:buChar char="●"/>
-              <a:defRPr sz="1400" b="0" i="0" u="none" strike="noStrike" cap="none">
-                <a:solidFill>
-                  <a:schemeClr val="lt1"/>
-                </a:solidFill>
-                <a:latin typeface="Exo 2"/>
-                <a:ea typeface="Exo 2"/>
-                <a:cs typeface="Exo 2"/>
-                <a:sym typeface="Exo 2"/>
-              </a:defRPr>
-            </a:lvl4pPr>
-            <a:lvl5pPr marL="2286000" marR="0" lvl="4" indent="-317500" algn="l" rtl="0">
-              <a:lnSpc>
-                <a:spcPct val="100000"/>
-              </a:lnSpc>
-              <a:spcBef>
-                <a:spcPts val="0"/>
-              </a:spcBef>
-              <a:spcAft>
-                <a:spcPts val="0"/>
-              </a:spcAft>
-              <a:buClr>
-                <a:schemeClr val="lt1"/>
-              </a:buClr>
-              <a:buSzPts val="1400"/>
-              <a:buFont typeface="Exo 2"/>
-              <a:buChar char="○"/>
-              <a:defRPr sz="1400" b="0" i="0" u="none" strike="noStrike" cap="none">
-                <a:solidFill>
-                  <a:schemeClr val="lt1"/>
-                </a:solidFill>
-                <a:latin typeface="Exo 2"/>
-                <a:ea typeface="Exo 2"/>
-                <a:cs typeface="Exo 2"/>
-                <a:sym typeface="Exo 2"/>
-              </a:defRPr>
-            </a:lvl5pPr>
-            <a:lvl6pPr marL="2743200" marR="0" lvl="5" indent="-317500" algn="l" rtl="0">
-              <a:lnSpc>
-                <a:spcPct val="100000"/>
-              </a:lnSpc>
-              <a:spcBef>
-                <a:spcPts val="0"/>
-              </a:spcBef>
-              <a:spcAft>
-                <a:spcPts val="0"/>
-              </a:spcAft>
-              <a:buClr>
-                <a:schemeClr val="lt1"/>
-              </a:buClr>
-              <a:buSzPts val="1400"/>
-              <a:buFont typeface="Exo 2"/>
-              <a:buChar char="■"/>
-              <a:defRPr sz="1400" b="0" i="0" u="none" strike="noStrike" cap="none">
-                <a:solidFill>
-                  <a:schemeClr val="lt1"/>
-                </a:solidFill>
-                <a:latin typeface="Exo 2"/>
-                <a:ea typeface="Exo 2"/>
-                <a:cs typeface="Exo 2"/>
-                <a:sym typeface="Exo 2"/>
-              </a:defRPr>
-            </a:lvl6pPr>
-            <a:lvl7pPr marL="3200400" marR="0" lvl="6" indent="-317500" algn="l" rtl="0">
-              <a:lnSpc>
-                <a:spcPct val="100000"/>
-              </a:lnSpc>
-              <a:spcBef>
-                <a:spcPts val="0"/>
-              </a:spcBef>
-              <a:spcAft>
-                <a:spcPts val="0"/>
-              </a:spcAft>
-              <a:buClr>
-                <a:schemeClr val="lt1"/>
-              </a:buClr>
-              <a:buSzPts val="1400"/>
-              <a:buFont typeface="Exo 2"/>
-              <a:buChar char="●"/>
-              <a:defRPr sz="1400" b="0" i="0" u="none" strike="noStrike" cap="none">
-                <a:solidFill>
-                  <a:schemeClr val="lt1"/>
-                </a:solidFill>
-                <a:latin typeface="Exo 2"/>
-                <a:ea typeface="Exo 2"/>
-                <a:cs typeface="Exo 2"/>
-                <a:sym typeface="Exo 2"/>
-              </a:defRPr>
-            </a:lvl7pPr>
-            <a:lvl8pPr marL="3657600" marR="0" lvl="7" indent="-317500" algn="l" rtl="0">
-              <a:lnSpc>
-                <a:spcPct val="100000"/>
-              </a:lnSpc>
-              <a:spcBef>
-                <a:spcPts val="0"/>
-              </a:spcBef>
-              <a:spcAft>
-                <a:spcPts val="0"/>
-              </a:spcAft>
-              <a:buClr>
-                <a:schemeClr val="lt1"/>
-              </a:buClr>
-              <a:buSzPts val="1400"/>
-              <a:buFont typeface="Exo 2"/>
-              <a:buChar char="○"/>
-              <a:defRPr sz="1400" b="0" i="0" u="none" strike="noStrike" cap="none">
-                <a:solidFill>
-                  <a:schemeClr val="lt1"/>
-                </a:solidFill>
-                <a:latin typeface="Exo 2"/>
-                <a:ea typeface="Exo 2"/>
-                <a:cs typeface="Exo 2"/>
-                <a:sym typeface="Exo 2"/>
-              </a:defRPr>
-            </a:lvl8pPr>
-            <a:lvl9pPr marL="4114800" marR="0" lvl="8" indent="-317500" algn="l" rtl="0">
-              <a:lnSpc>
-                <a:spcPct val="100000"/>
-              </a:lnSpc>
-              <a:spcBef>
-                <a:spcPts val="0"/>
-              </a:spcBef>
-              <a:spcAft>
-                <a:spcPts val="0"/>
-              </a:spcAft>
-              <a:buClr>
-                <a:schemeClr val="lt1"/>
-              </a:buClr>
-              <a:buSzPts val="1400"/>
-              <a:buFont typeface="Exo 2"/>
-              <a:buChar char="■"/>
-              <a:defRPr sz="1400" b="0" i="0" u="none" strike="noStrike" cap="none">
-                <a:solidFill>
-                  <a:schemeClr val="lt1"/>
-                </a:solidFill>
-                <a:latin typeface="Exo 2"/>
-                <a:ea typeface="Exo 2"/>
-                <a:cs typeface="Exo 2"/>
-                <a:sym typeface="Exo 2"/>
-              </a:defRPr>
-            </a:lvl9pPr>
-          </a:lstStyle>
-          <a:p>
-            <a:pPr marL="0" indent="0">
-              <a:buFont typeface="Exo 2"/>
-              <a:buNone/>
-            </a:pPr>
-            <a:r>
-              <a:rPr lang="en-US" sz="2200" dirty="0">
-                <a:solidFill>
-                  <a:schemeClr val="accent1"/>
-                </a:solidFill>
-              </a:rPr>
-              <a:t>Energia </a:t>
-            </a:r>
-          </a:p>
-        </p:txBody>
-      </p:sp>
-      <p:sp>
-        <p:nvSpPr>
-          <p:cNvPr id="6" name="TextBox 5">
-            <a:extLst>
-              <a:ext uri="{FF2B5EF4-FFF2-40B4-BE49-F238E27FC236}">
-                <a16:creationId xmlns:a16="http://schemas.microsoft.com/office/drawing/2014/main" id="{ABE11657-F165-29C3-4E62-B22D41B5DFA4}"/>
-              </a:ext>
-            </a:extLst>
-          </p:cNvPr>
-          <p:cNvSpPr txBox="1"/>
-          <p:nvPr/>
-        </p:nvSpPr>
-        <p:spPr>
-          <a:xfrm>
-            <a:off x="1286539" y="2942233"/>
-            <a:ext cx="4572000" cy="523220"/>
-          </a:xfrm>
-          <a:prstGeom prst="rect">
-            <a:avLst/>
-          </a:prstGeom>
-          <a:noFill/>
-        </p:spPr>
-        <p:txBody>
-          <a:bodyPr wrap="square">
-            <a:spAutoFit/>
-          </a:bodyPr>
-          <a:lstStyle/>
-          <a:p>
-            <a:pPr marL="0" lvl="0" indent="0">
-              <a:buNone/>
-            </a:pPr>
-            <a:r>
-              <a:rPr lang="en-US" dirty="0">
-                <a:solidFill>
-                  <a:schemeClr val="accent3"/>
-                </a:solidFill>
-              </a:rPr>
-              <a:t>UPS :  </a:t>
-            </a:r>
-            <a:r>
-              <a:rPr lang="en-US" dirty="0" err="1">
-                <a:solidFill>
-                  <a:schemeClr val="accent3"/>
-                </a:solidFill>
-              </a:rPr>
-              <a:t>duración</a:t>
-            </a:r>
-            <a:r>
-              <a:rPr lang="en-US" dirty="0">
-                <a:solidFill>
-                  <a:schemeClr val="accent3"/>
-                </a:solidFill>
-              </a:rPr>
-              <a:t> 3 horas (100%)</a:t>
-            </a:r>
-          </a:p>
-          <a:p>
-            <a:pPr marL="0" lvl="0" indent="0">
-              <a:buNone/>
-            </a:pPr>
-            <a:r>
-              <a:rPr lang="en-US" dirty="0" err="1">
-                <a:solidFill>
-                  <a:schemeClr val="accent3"/>
-                </a:solidFill>
-              </a:rPr>
-              <a:t>Generador</a:t>
-            </a:r>
-            <a:r>
-              <a:rPr lang="en-US" dirty="0">
-                <a:solidFill>
-                  <a:schemeClr val="accent3"/>
-                </a:solidFill>
-              </a:rPr>
-              <a:t> </a:t>
-            </a:r>
-            <a:r>
-              <a:rPr lang="en-US" dirty="0" err="1">
-                <a:solidFill>
-                  <a:schemeClr val="accent3"/>
-                </a:solidFill>
-              </a:rPr>
-              <a:t>elecrtico</a:t>
-            </a:r>
-            <a:r>
-              <a:rPr lang="en-US" dirty="0">
-                <a:solidFill>
-                  <a:schemeClr val="accent3"/>
-                </a:solidFill>
-              </a:rPr>
-              <a:t> : </a:t>
-            </a:r>
-            <a:r>
-              <a:rPr lang="en-US" dirty="0" err="1">
-                <a:solidFill>
-                  <a:schemeClr val="accent3"/>
-                </a:solidFill>
-              </a:rPr>
-              <a:t>duración</a:t>
-            </a:r>
-            <a:r>
-              <a:rPr lang="en-US" dirty="0">
-                <a:solidFill>
-                  <a:schemeClr val="accent3"/>
-                </a:solidFill>
-              </a:rPr>
-              <a:t> 24 horas (100%)</a:t>
-            </a:r>
-          </a:p>
-        </p:txBody>
-      </p:sp>
-      <p:sp>
-        <p:nvSpPr>
-          <p:cNvPr id="8" name="TextBox 7">
-            <a:extLst>
-              <a:ext uri="{FF2B5EF4-FFF2-40B4-BE49-F238E27FC236}">
-                <a16:creationId xmlns:a16="http://schemas.microsoft.com/office/drawing/2014/main" id="{27E14E6C-E98B-59AC-28BE-7C1BEFFF8C9D}"/>
-              </a:ext>
-            </a:extLst>
-          </p:cNvPr>
-          <p:cNvSpPr txBox="1"/>
-          <p:nvPr/>
-        </p:nvSpPr>
-        <p:spPr>
-          <a:xfrm>
-            <a:off x="1286538" y="4096956"/>
-            <a:ext cx="6517759" cy="307777"/>
-          </a:xfrm>
-          <a:prstGeom prst="rect">
-            <a:avLst/>
-          </a:prstGeom>
-          <a:noFill/>
-        </p:spPr>
-        <p:txBody>
-          <a:bodyPr wrap="square">
-            <a:spAutoFit/>
-          </a:bodyPr>
-          <a:lstStyle/>
-          <a:p>
-            <a:pPr marL="0" lvl="0" indent="0">
-              <a:buNone/>
-            </a:pPr>
-            <a:r>
-              <a:rPr lang="en-US" dirty="0">
-                <a:solidFill>
-                  <a:schemeClr val="accent3"/>
-                </a:solidFill>
-              </a:rPr>
-              <a:t>Dos </a:t>
-            </a:r>
-            <a:r>
-              <a:rPr lang="en-US" dirty="0" err="1">
-                <a:solidFill>
-                  <a:schemeClr val="accent3"/>
-                </a:solidFill>
-              </a:rPr>
-              <a:t>unidades</a:t>
-            </a:r>
-            <a:r>
-              <a:rPr lang="en-US" dirty="0">
-                <a:solidFill>
-                  <a:schemeClr val="accent3"/>
-                </a:solidFill>
-              </a:rPr>
-              <a:t>, </a:t>
-            </a:r>
-            <a:r>
-              <a:rPr lang="en-US" dirty="0" err="1">
-                <a:solidFill>
-                  <a:schemeClr val="accent3"/>
-                </a:solidFill>
-              </a:rPr>
-              <a:t>una</a:t>
-            </a:r>
-            <a:r>
-              <a:rPr lang="en-US" dirty="0">
-                <a:solidFill>
-                  <a:schemeClr val="accent3"/>
-                </a:solidFill>
-              </a:rPr>
-              <a:t> sola </a:t>
-            </a:r>
-            <a:r>
-              <a:rPr lang="en-US" dirty="0" err="1">
-                <a:solidFill>
-                  <a:schemeClr val="accent3"/>
-                </a:solidFill>
-              </a:rPr>
-              <a:t>unidad</a:t>
-            </a:r>
-            <a:r>
-              <a:rPr lang="en-US" dirty="0">
-                <a:solidFill>
-                  <a:schemeClr val="accent3"/>
-                </a:solidFill>
-              </a:rPr>
-              <a:t> </a:t>
-            </a:r>
-            <a:r>
-              <a:rPr lang="en-US" dirty="0" err="1">
-                <a:solidFill>
-                  <a:schemeClr val="accent3"/>
-                </a:solidFill>
-              </a:rPr>
-              <a:t>conectada</a:t>
-            </a:r>
-            <a:r>
-              <a:rPr lang="en-US" dirty="0">
-                <a:solidFill>
-                  <a:schemeClr val="accent3"/>
-                </a:solidFill>
-              </a:rPr>
-              <a:t> a la </a:t>
-            </a:r>
-            <a:r>
-              <a:rPr lang="en-US" dirty="0" err="1">
-                <a:solidFill>
-                  <a:schemeClr val="accent3"/>
-                </a:solidFill>
-              </a:rPr>
-              <a:t>línea</a:t>
-            </a:r>
-            <a:r>
-              <a:rPr lang="en-US" dirty="0">
-                <a:solidFill>
-                  <a:schemeClr val="accent3"/>
-                </a:solidFill>
-              </a:rPr>
-              <a:t> del </a:t>
-            </a:r>
-            <a:r>
-              <a:rPr lang="en-US" dirty="0" err="1">
-                <a:solidFill>
-                  <a:schemeClr val="accent3"/>
-                </a:solidFill>
-              </a:rPr>
-              <a:t>generador</a:t>
-            </a:r>
-            <a:r>
-              <a:rPr lang="en-US" dirty="0">
-                <a:solidFill>
-                  <a:schemeClr val="accent3"/>
-                </a:solidFill>
-              </a:rPr>
-              <a:t> </a:t>
-            </a:r>
-            <a:r>
-              <a:rPr lang="en-US" dirty="0" err="1">
-                <a:solidFill>
-                  <a:schemeClr val="accent3"/>
-                </a:solidFill>
-              </a:rPr>
-              <a:t>eléctrico</a:t>
-            </a:r>
-            <a:endParaRPr lang="en-US" dirty="0">
-              <a:solidFill>
-                <a:schemeClr val="accent3"/>
-              </a:solidFill>
-            </a:endParaRPr>
-          </a:p>
-        </p:txBody>
-      </p:sp>
-    </p:spTree>
-  </p:cSld>
-  <p:clrMapOvr>
-    <a:masterClrMapping/>
-  </p:clrMapOvr>
-</p:sld>
-</file>
-
-<file path=ppt/slides/slide9.xml><?xml version="1.0" encoding="utf-8"?>
-<p:sld xmlns:a="http://schemas.openxmlformats.org/drawingml/2006/main" xmlns:r="http://schemas.openxmlformats.org/officeDocument/2006/relationships" xmlns:p="http://schemas.openxmlformats.org/presentationml/2006/main">
-  <p:cSld>
-    <p:spTree>
-      <p:nvGrpSpPr>
-        <p:cNvPr id="1" name="Shape 261"/>
-        <p:cNvGrpSpPr/>
-        <p:nvPr/>
-      </p:nvGrpSpPr>
-      <p:grpSpPr>
-        <a:xfrm>
-          <a:off x="0" y="0"/>
-          <a:ext cx="0" cy="0"/>
-          <a:chOff x="0" y="0"/>
-          <a:chExt cx="0" cy="0"/>
-        </a:xfrm>
-      </p:grpSpPr>
-      <p:sp>
-        <p:nvSpPr>
-          <p:cNvPr id="262" name="Google Shape;262;p40"/>
-          <p:cNvSpPr txBox="1">
-            <a:spLocks noGrp="1"/>
-          </p:cNvSpPr>
-          <p:nvPr>
-            <p:ph type="subTitle" idx="1"/>
-          </p:nvPr>
-        </p:nvSpPr>
-        <p:spPr>
-          <a:xfrm>
-            <a:off x="1468550" y="2450768"/>
-            <a:ext cx="6493800" cy="669000"/>
-          </a:xfrm>
-          <a:prstGeom prst="rect">
-            <a:avLst/>
-          </a:prstGeom>
-        </p:spPr>
-        <p:txBody>
-          <a:bodyPr spcFirstLastPara="1" wrap="square" lIns="91425" tIns="91425" rIns="91425" bIns="91425" anchor="ctr" anchorCtr="0">
-            <a:noAutofit/>
-          </a:bodyPr>
-          <a:lstStyle/>
-          <a:p>
-            <a:pPr marL="0" lvl="0" indent="0" algn="l" rtl="0">
-              <a:spcBef>
-                <a:spcPts val="0"/>
-              </a:spcBef>
-              <a:spcAft>
-                <a:spcPts val="0"/>
-              </a:spcAft>
-              <a:buNone/>
-            </a:pPr>
-            <a:r>
-              <a:rPr lang="en" dirty="0"/>
-              <a:t>Comportamiento de infraestructura</a:t>
-            </a:r>
-            <a:endParaRPr dirty="0"/>
-          </a:p>
-        </p:txBody>
-      </p:sp>
-      <p:sp>
-        <p:nvSpPr>
-          <p:cNvPr id="263" name="Google Shape;263;p40"/>
-          <p:cNvSpPr/>
-          <p:nvPr/>
-        </p:nvSpPr>
-        <p:spPr>
-          <a:xfrm rot="5400000">
-            <a:off x="1060635" y="1430206"/>
-            <a:ext cx="507900" cy="274800"/>
-          </a:xfrm>
-          <a:prstGeom prst="triangle">
-            <a:avLst>
-              <a:gd name="adj" fmla="val 50000"/>
-            </a:avLst>
-          </a:prstGeom>
-          <a:solidFill>
-            <a:schemeClr val="accent1"/>
-          </a:solidFill>
-          <a:ln>
-            <a:noFill/>
-          </a:ln>
-        </p:spPr>
-        <p:txBody>
-          <a:bodyPr spcFirstLastPara="1" wrap="square" lIns="91425" tIns="91425" rIns="91425" bIns="91425" anchor="ctr" anchorCtr="0">
-            <a:noAutofit/>
-          </a:bodyPr>
-          <a:lstStyle/>
-          <a:p>
-            <a:pPr marL="0" lvl="0" indent="0" algn="l" rtl="0">
-              <a:spcBef>
-                <a:spcPts val="0"/>
-              </a:spcBef>
-              <a:spcAft>
-                <a:spcPts val="0"/>
-              </a:spcAft>
-              <a:buNone/>
-            </a:pPr>
-            <a:endParaRPr/>
-          </a:p>
-        </p:txBody>
-      </p:sp>
-      <p:sp>
-        <p:nvSpPr>
-          <p:cNvPr id="264" name="Google Shape;264;p40"/>
-          <p:cNvSpPr txBox="1">
-            <a:spLocks noGrp="1"/>
-          </p:cNvSpPr>
-          <p:nvPr>
-            <p:ph type="subTitle" idx="2"/>
-          </p:nvPr>
-        </p:nvSpPr>
-        <p:spPr>
-          <a:xfrm>
-            <a:off x="1468552" y="3423593"/>
-            <a:ext cx="4641600" cy="507900"/>
-          </a:xfrm>
-          <a:prstGeom prst="rect">
-            <a:avLst/>
-          </a:prstGeom>
-        </p:spPr>
-        <p:txBody>
-          <a:bodyPr spcFirstLastPara="1" wrap="square" lIns="91425" tIns="91425" rIns="91425" bIns="91425" anchor="t" anchorCtr="0">
-            <a:noAutofit/>
-          </a:bodyPr>
-          <a:lstStyle/>
-          <a:p>
-            <a:pPr marL="0" lvl="0" indent="0" algn="l" rtl="0">
-              <a:spcBef>
-                <a:spcPts val="0"/>
-              </a:spcBef>
-              <a:spcAft>
-                <a:spcPts val="0"/>
-              </a:spcAft>
-              <a:buNone/>
-            </a:pPr>
-            <a:r>
-              <a:rPr lang="en-US" sz="1400" dirty="0" err="1"/>
-              <a:t>Funcionabilidades</a:t>
-            </a:r>
-            <a:r>
-              <a:rPr lang="en-US" sz="1400" dirty="0"/>
-              <a:t> y </a:t>
-            </a:r>
-            <a:r>
-              <a:rPr lang="en-US" sz="1400" dirty="0" err="1"/>
-              <a:t>visualizacion</a:t>
-            </a:r>
-            <a:endParaRPr sz="1400" dirty="0"/>
-          </a:p>
-          <a:p>
-            <a:pPr marL="0" lvl="0" indent="0" algn="l" rtl="0">
-              <a:spcBef>
-                <a:spcPts val="0"/>
-              </a:spcBef>
-              <a:spcAft>
-                <a:spcPts val="0"/>
-              </a:spcAft>
-              <a:buNone/>
-            </a:pPr>
-            <a:endParaRPr dirty="0"/>
-          </a:p>
-        </p:txBody>
-      </p:sp>
-      <p:sp>
-        <p:nvSpPr>
-          <p:cNvPr id="265" name="Google Shape;265;p40"/>
-          <p:cNvSpPr txBox="1">
-            <a:spLocks noGrp="1"/>
-          </p:cNvSpPr>
-          <p:nvPr>
-            <p:ph type="title"/>
-          </p:nvPr>
-        </p:nvSpPr>
-        <p:spPr>
-          <a:xfrm>
-            <a:off x="1468552" y="854497"/>
-            <a:ext cx="2155500" cy="1426200"/>
-          </a:xfrm>
-          <a:prstGeom prst="rect">
-            <a:avLst/>
-          </a:prstGeom>
-        </p:spPr>
-        <p:txBody>
-          <a:bodyPr spcFirstLastPara="1" wrap="square" lIns="91425" tIns="91425" rIns="91425" bIns="91425" anchor="ctr" anchorCtr="0">
-            <a:noAutofit/>
-          </a:bodyPr>
-          <a:lstStyle/>
-          <a:p>
-            <a:pPr marL="0" lvl="0" indent="0" algn="l" rtl="0">
-              <a:spcBef>
-                <a:spcPts val="0"/>
-              </a:spcBef>
-              <a:spcAft>
-                <a:spcPts val="0"/>
-              </a:spcAft>
-              <a:buNone/>
-            </a:pPr>
-            <a:r>
-              <a:rPr lang="en" dirty="0"/>
-              <a:t>04.</a:t>
-            </a:r>
-            <a:endParaRPr dirty="0"/>
           </a:p>
         </p:txBody>
       </p:sp>

--- a/documentacion/datacenter-final.pptx
+++ b/documentacion/datacenter-final.pptx
@@ -31168,7 +31168,7 @@
           </a:bodyPr>
           <a:lstStyle/>
           <a:p>
-            <a:pPr marL="0" lvl="0" indent="0" algn="l" rtl="0">
+            <a:pPr marL="0" lvl="0" indent="0" algn="just" rtl="0">
               <a:spcBef>
                 <a:spcPts val="0"/>
               </a:spcBef>
@@ -31199,7 +31199,7 @@
             </a:r>
           </a:p>
           <a:p>
-            <a:pPr marL="0" lvl="0" indent="0">
+            <a:pPr marL="0" lvl="0" indent="0" algn="just">
               <a:buNone/>
             </a:pPr>
             <a:r>
@@ -31507,7 +31507,7 @@
         </p:nvSpPr>
         <p:spPr>
           <a:xfrm rot="5400000">
-            <a:off x="982991" y="1791652"/>
+            <a:off x="1028147" y="1938409"/>
             <a:ext cx="252600" cy="136500"/>
           </a:xfrm>
           <a:prstGeom prst="triangle">
